--- a/prezentacije/1-2 Mvc pattern.pptx
+++ b/prezentacije/1-2 Mvc pattern.pptx
@@ -4,12 +4,21 @@
   <p:sldMasterIdLst>
     <p:sldMasterId id="2147483648" r:id="rId1"/>
   </p:sldMasterIdLst>
+  <p:notesMasterIdLst>
+    <p:notesMasterId r:id="rId13"/>
+  </p:notesMasterIdLst>
   <p:sldIdLst>
-    <p:sldId id="256" r:id="rId2"/>
-    <p:sldId id="257" r:id="rId3"/>
-    <p:sldId id="258" r:id="rId4"/>
-    <p:sldId id="259" r:id="rId5"/>
-    <p:sldId id="260" r:id="rId6"/>
+    <p:sldId id="261" r:id="rId2"/>
+    <p:sldId id="263" r:id="rId3"/>
+    <p:sldId id="262" r:id="rId4"/>
+    <p:sldId id="257" r:id="rId5"/>
+    <p:sldId id="264" r:id="rId6"/>
+    <p:sldId id="266" r:id="rId7"/>
+    <p:sldId id="265" r:id="rId8"/>
+    <p:sldId id="259" r:id="rId9"/>
+    <p:sldId id="260" r:id="rId10"/>
+    <p:sldId id="267" r:id="rId11"/>
+    <p:sldId id="268" r:id="rId12"/>
   </p:sldIdLst>
   <p:sldSz cx="12192000" cy="6858000"/>
   <p:notesSz cx="6858000" cy="9144000"/>
@@ -116,6 +125,1798 @@
 </p:presentation>
 </file>
 
+<file path=ppt/notesMasters/notesMaster1.xml><?xml version="1.0" encoding="utf-8"?>
+<p:notesMaster xmlns:a="http://schemas.openxmlformats.org/drawingml/2006/main" xmlns:r="http://schemas.openxmlformats.org/officeDocument/2006/relationships" xmlns:p="http://schemas.openxmlformats.org/presentationml/2006/main">
+  <p:cSld>
+    <p:bg>
+      <p:bgRef idx="1001">
+        <a:schemeClr val="bg1"/>
+      </p:bgRef>
+    </p:bg>
+    <p:spTree>
+      <p:nvGrpSpPr>
+        <p:cNvPr id="1" name=""/>
+        <p:cNvGrpSpPr/>
+        <p:nvPr/>
+      </p:nvGrpSpPr>
+      <p:grpSpPr>
+        <a:xfrm>
+          <a:off x="0" y="0"/>
+          <a:ext cx="0" cy="0"/>
+          <a:chOff x="0" y="0"/>
+          <a:chExt cx="0" cy="0"/>
+        </a:xfrm>
+      </p:grpSpPr>
+      <p:sp>
+        <p:nvSpPr>
+          <p:cNvPr id="2" name="Header Placeholder 1"/>
+          <p:cNvSpPr>
+            <a:spLocks noGrp="1"/>
+          </p:cNvSpPr>
+          <p:nvPr>
+            <p:ph type="hdr" sz="quarter"/>
+          </p:nvPr>
+        </p:nvSpPr>
+        <p:spPr>
+          <a:xfrm>
+            <a:off x="0" y="0"/>
+            <a:ext cx="2971800" cy="458788"/>
+          </a:xfrm>
+          <a:prstGeom prst="rect">
+            <a:avLst/>
+          </a:prstGeom>
+        </p:spPr>
+        <p:txBody>
+          <a:bodyPr vert="horz" lIns="91440" tIns="45720" rIns="91440" bIns="45720" rtlCol="0"/>
+          <a:lstStyle>
+            <a:lvl1pPr algn="l">
+              <a:defRPr sz="1200"/>
+            </a:lvl1pPr>
+          </a:lstStyle>
+          <a:p>
+            <a:endParaRPr lang="hr-HR"/>
+          </a:p>
+        </p:txBody>
+      </p:sp>
+      <p:sp>
+        <p:nvSpPr>
+          <p:cNvPr id="3" name="Date Placeholder 2"/>
+          <p:cNvSpPr>
+            <a:spLocks noGrp="1"/>
+          </p:cNvSpPr>
+          <p:nvPr>
+            <p:ph type="dt" idx="1"/>
+          </p:nvPr>
+        </p:nvSpPr>
+        <p:spPr>
+          <a:xfrm>
+            <a:off x="3884613" y="0"/>
+            <a:ext cx="2971800" cy="458788"/>
+          </a:xfrm>
+          <a:prstGeom prst="rect">
+            <a:avLst/>
+          </a:prstGeom>
+        </p:spPr>
+        <p:txBody>
+          <a:bodyPr vert="horz" lIns="91440" tIns="45720" rIns="91440" bIns="45720" rtlCol="0"/>
+          <a:lstStyle>
+            <a:lvl1pPr algn="r">
+              <a:defRPr sz="1200"/>
+            </a:lvl1pPr>
+          </a:lstStyle>
+          <a:p>
+            <a:fld id="{6141EFEF-21BD-41DB-95B6-385923D7545D}" type="datetimeFigureOut">
+              <a:rPr lang="hr-HR" smtClean="0"/>
+              <a:t>1.5.2017.</a:t>
+            </a:fld>
+            <a:endParaRPr lang="hr-HR"/>
+          </a:p>
+        </p:txBody>
+      </p:sp>
+      <p:sp>
+        <p:nvSpPr>
+          <p:cNvPr id="4" name="Slide Image Placeholder 3"/>
+          <p:cNvSpPr>
+            <a:spLocks noGrp="1" noRot="1" noChangeAspect="1"/>
+          </p:cNvSpPr>
+          <p:nvPr>
+            <p:ph type="sldImg" idx="2"/>
+          </p:nvPr>
+        </p:nvSpPr>
+        <p:spPr>
+          <a:xfrm>
+            <a:off x="685800" y="1143000"/>
+            <a:ext cx="5486400" cy="3086100"/>
+          </a:xfrm>
+          <a:prstGeom prst="rect">
+            <a:avLst/>
+          </a:prstGeom>
+          <a:noFill/>
+          <a:ln w="12700">
+            <a:solidFill>
+              <a:prstClr val="black"/>
+            </a:solidFill>
+          </a:ln>
+        </p:spPr>
+        <p:txBody>
+          <a:bodyPr vert="horz" lIns="91440" tIns="45720" rIns="91440" bIns="45720" rtlCol="0" anchor="ctr"/>
+          <a:lstStyle/>
+          <a:p>
+            <a:endParaRPr lang="hr-HR"/>
+          </a:p>
+        </p:txBody>
+      </p:sp>
+      <p:sp>
+        <p:nvSpPr>
+          <p:cNvPr id="5" name="Notes Placeholder 4"/>
+          <p:cNvSpPr>
+            <a:spLocks noGrp="1"/>
+          </p:cNvSpPr>
+          <p:nvPr>
+            <p:ph type="body" sz="quarter" idx="3"/>
+          </p:nvPr>
+        </p:nvSpPr>
+        <p:spPr>
+          <a:xfrm>
+            <a:off x="685800" y="4400550"/>
+            <a:ext cx="5486400" cy="3600450"/>
+          </a:xfrm>
+          <a:prstGeom prst="rect">
+            <a:avLst/>
+          </a:prstGeom>
+        </p:spPr>
+        <p:txBody>
+          <a:bodyPr vert="horz" lIns="91440" tIns="45720" rIns="91440" bIns="45720" rtlCol="0"/>
+          <a:lstStyle/>
+          <a:p>
+            <a:pPr lvl="0"/>
+            <a:r>
+              <a:rPr lang="en-US" smtClean="0"/>
+              <a:t>Click to edit Master text styles</a:t>
+            </a:r>
+          </a:p>
+          <a:p>
+            <a:pPr lvl="1"/>
+            <a:r>
+              <a:rPr lang="en-US" smtClean="0"/>
+              <a:t>Second level</a:t>
+            </a:r>
+          </a:p>
+          <a:p>
+            <a:pPr lvl="2"/>
+            <a:r>
+              <a:rPr lang="en-US" smtClean="0"/>
+              <a:t>Third level</a:t>
+            </a:r>
+          </a:p>
+          <a:p>
+            <a:pPr lvl="3"/>
+            <a:r>
+              <a:rPr lang="en-US" smtClean="0"/>
+              <a:t>Fourth level</a:t>
+            </a:r>
+          </a:p>
+          <a:p>
+            <a:pPr lvl="4"/>
+            <a:r>
+              <a:rPr lang="en-US" smtClean="0"/>
+              <a:t>Fifth level</a:t>
+            </a:r>
+            <a:endParaRPr lang="hr-HR"/>
+          </a:p>
+        </p:txBody>
+      </p:sp>
+      <p:sp>
+        <p:nvSpPr>
+          <p:cNvPr id="6" name="Footer Placeholder 5"/>
+          <p:cNvSpPr>
+            <a:spLocks noGrp="1"/>
+          </p:cNvSpPr>
+          <p:nvPr>
+            <p:ph type="ftr" sz="quarter" idx="4"/>
+          </p:nvPr>
+        </p:nvSpPr>
+        <p:spPr>
+          <a:xfrm>
+            <a:off x="0" y="8685213"/>
+            <a:ext cx="2971800" cy="458787"/>
+          </a:xfrm>
+          <a:prstGeom prst="rect">
+            <a:avLst/>
+          </a:prstGeom>
+        </p:spPr>
+        <p:txBody>
+          <a:bodyPr vert="horz" lIns="91440" tIns="45720" rIns="91440" bIns="45720" rtlCol="0" anchor="b"/>
+          <a:lstStyle>
+            <a:lvl1pPr algn="l">
+              <a:defRPr sz="1200"/>
+            </a:lvl1pPr>
+          </a:lstStyle>
+          <a:p>
+            <a:endParaRPr lang="hr-HR"/>
+          </a:p>
+        </p:txBody>
+      </p:sp>
+      <p:sp>
+        <p:nvSpPr>
+          <p:cNvPr id="7" name="Slide Number Placeholder 6"/>
+          <p:cNvSpPr>
+            <a:spLocks noGrp="1"/>
+          </p:cNvSpPr>
+          <p:nvPr>
+            <p:ph type="sldNum" sz="quarter" idx="5"/>
+          </p:nvPr>
+        </p:nvSpPr>
+        <p:spPr>
+          <a:xfrm>
+            <a:off x="3884613" y="8685213"/>
+            <a:ext cx="2971800" cy="458787"/>
+          </a:xfrm>
+          <a:prstGeom prst="rect">
+            <a:avLst/>
+          </a:prstGeom>
+        </p:spPr>
+        <p:txBody>
+          <a:bodyPr vert="horz" lIns="91440" tIns="45720" rIns="91440" bIns="45720" rtlCol="0" anchor="b"/>
+          <a:lstStyle>
+            <a:lvl1pPr algn="r">
+              <a:defRPr sz="1200"/>
+            </a:lvl1pPr>
+          </a:lstStyle>
+          <a:p>
+            <a:fld id="{F0397A2A-5CE1-4FD2-A6C4-23278FA733EC}" type="slidenum">
+              <a:rPr lang="hr-HR" smtClean="0"/>
+              <a:t>‹#›</a:t>
+            </a:fld>
+            <a:endParaRPr lang="hr-HR"/>
+          </a:p>
+        </p:txBody>
+      </p:sp>
+    </p:spTree>
+    <p:extLst>
+      <p:ext uri="{BB962C8B-B14F-4D97-AF65-F5344CB8AC3E}">
+        <p14:creationId xmlns:p14="http://schemas.microsoft.com/office/powerpoint/2010/main" val="2966478043"/>
+      </p:ext>
+    </p:extLst>
+  </p:cSld>
+  <p:clrMap bg1="lt1" tx1="dk1" bg2="lt2" tx2="dk2" accent1="accent1" accent2="accent2" accent3="accent3" accent4="accent4" accent5="accent5" accent6="accent6" hlink="hlink" folHlink="folHlink"/>
+  <p:notesStyle>
+    <a:lvl1pPr marL="0" algn="l" defTabSz="914400" rtl="0" eaLnBrk="1" latinLnBrk="0" hangingPunct="1">
+      <a:defRPr sz="1200" kern="1200">
+        <a:solidFill>
+          <a:schemeClr val="tx1"/>
+        </a:solidFill>
+        <a:latin typeface="+mn-lt"/>
+        <a:ea typeface="+mn-ea"/>
+        <a:cs typeface="+mn-cs"/>
+      </a:defRPr>
+    </a:lvl1pPr>
+    <a:lvl2pPr marL="457200" algn="l" defTabSz="914400" rtl="0" eaLnBrk="1" latinLnBrk="0" hangingPunct="1">
+      <a:defRPr sz="1200" kern="1200">
+        <a:solidFill>
+          <a:schemeClr val="tx1"/>
+        </a:solidFill>
+        <a:latin typeface="+mn-lt"/>
+        <a:ea typeface="+mn-ea"/>
+        <a:cs typeface="+mn-cs"/>
+      </a:defRPr>
+    </a:lvl2pPr>
+    <a:lvl3pPr marL="914400" algn="l" defTabSz="914400" rtl="0" eaLnBrk="1" latinLnBrk="0" hangingPunct="1">
+      <a:defRPr sz="1200" kern="1200">
+        <a:solidFill>
+          <a:schemeClr val="tx1"/>
+        </a:solidFill>
+        <a:latin typeface="+mn-lt"/>
+        <a:ea typeface="+mn-ea"/>
+        <a:cs typeface="+mn-cs"/>
+      </a:defRPr>
+    </a:lvl3pPr>
+    <a:lvl4pPr marL="1371600" algn="l" defTabSz="914400" rtl="0" eaLnBrk="1" latinLnBrk="0" hangingPunct="1">
+      <a:defRPr sz="1200" kern="1200">
+        <a:solidFill>
+          <a:schemeClr val="tx1"/>
+        </a:solidFill>
+        <a:latin typeface="+mn-lt"/>
+        <a:ea typeface="+mn-ea"/>
+        <a:cs typeface="+mn-cs"/>
+      </a:defRPr>
+    </a:lvl4pPr>
+    <a:lvl5pPr marL="1828800" algn="l" defTabSz="914400" rtl="0" eaLnBrk="1" latinLnBrk="0" hangingPunct="1">
+      <a:defRPr sz="1200" kern="1200">
+        <a:solidFill>
+          <a:schemeClr val="tx1"/>
+        </a:solidFill>
+        <a:latin typeface="+mn-lt"/>
+        <a:ea typeface="+mn-ea"/>
+        <a:cs typeface="+mn-cs"/>
+      </a:defRPr>
+    </a:lvl5pPr>
+    <a:lvl6pPr marL="2286000" algn="l" defTabSz="914400" rtl="0" eaLnBrk="1" latinLnBrk="0" hangingPunct="1">
+      <a:defRPr sz="1200" kern="1200">
+        <a:solidFill>
+          <a:schemeClr val="tx1"/>
+        </a:solidFill>
+        <a:latin typeface="+mn-lt"/>
+        <a:ea typeface="+mn-ea"/>
+        <a:cs typeface="+mn-cs"/>
+      </a:defRPr>
+    </a:lvl6pPr>
+    <a:lvl7pPr marL="2743200" algn="l" defTabSz="914400" rtl="0" eaLnBrk="1" latinLnBrk="0" hangingPunct="1">
+      <a:defRPr sz="1200" kern="1200">
+        <a:solidFill>
+          <a:schemeClr val="tx1"/>
+        </a:solidFill>
+        <a:latin typeface="+mn-lt"/>
+        <a:ea typeface="+mn-ea"/>
+        <a:cs typeface="+mn-cs"/>
+      </a:defRPr>
+    </a:lvl7pPr>
+    <a:lvl8pPr marL="3200400" algn="l" defTabSz="914400" rtl="0" eaLnBrk="1" latinLnBrk="0" hangingPunct="1">
+      <a:defRPr sz="1200" kern="1200">
+        <a:solidFill>
+          <a:schemeClr val="tx1"/>
+        </a:solidFill>
+        <a:latin typeface="+mn-lt"/>
+        <a:ea typeface="+mn-ea"/>
+        <a:cs typeface="+mn-cs"/>
+      </a:defRPr>
+    </a:lvl8pPr>
+    <a:lvl9pPr marL="3657600" algn="l" defTabSz="914400" rtl="0" eaLnBrk="1" latinLnBrk="0" hangingPunct="1">
+      <a:defRPr sz="1200" kern="1200">
+        <a:solidFill>
+          <a:schemeClr val="tx1"/>
+        </a:solidFill>
+        <a:latin typeface="+mn-lt"/>
+        <a:ea typeface="+mn-ea"/>
+        <a:cs typeface="+mn-cs"/>
+      </a:defRPr>
+    </a:lvl9pPr>
+  </p:notesStyle>
+</p:notesMaster>
+</file>
+
+<file path=ppt/notesSlides/notesSlide1.xml><?xml version="1.0" encoding="utf-8"?>
+<p:notes xmlns:a="http://schemas.openxmlformats.org/drawingml/2006/main" xmlns:r="http://schemas.openxmlformats.org/officeDocument/2006/relationships" xmlns:p="http://schemas.openxmlformats.org/presentationml/2006/main">
+  <p:cSld>
+    <p:spTree>
+      <p:nvGrpSpPr>
+        <p:cNvPr id="1" name=""/>
+        <p:cNvGrpSpPr/>
+        <p:nvPr/>
+      </p:nvGrpSpPr>
+      <p:grpSpPr>
+        <a:xfrm>
+          <a:off x="0" y="0"/>
+          <a:ext cx="0" cy="0"/>
+          <a:chOff x="0" y="0"/>
+          <a:chExt cx="0" cy="0"/>
+        </a:xfrm>
+      </p:grpSpPr>
+      <p:sp>
+        <p:nvSpPr>
+          <p:cNvPr id="2" name="Slide Image Placeholder 1"/>
+          <p:cNvSpPr>
+            <a:spLocks noGrp="1" noRot="1" noChangeAspect="1"/>
+          </p:cNvSpPr>
+          <p:nvPr>
+            <p:ph type="sldImg"/>
+          </p:nvPr>
+        </p:nvSpPr>
+        <p:spPr/>
+      </p:sp>
+      <p:sp>
+        <p:nvSpPr>
+          <p:cNvPr id="3" name="Notes Placeholder 2"/>
+          <p:cNvSpPr>
+            <a:spLocks noGrp="1"/>
+          </p:cNvSpPr>
+          <p:nvPr>
+            <p:ph type="body" idx="1"/>
+          </p:nvPr>
+        </p:nvSpPr>
+        <p:spPr/>
+        <p:txBody>
+          <a:bodyPr/>
+          <a:lstStyle/>
+          <a:p>
+            <a:r>
+              <a:rPr lang="hr-HR" dirty="0" smtClean="0"/>
+              <a:t>1) Povijest, zašto je i do danas najuspješniji </a:t>
+            </a:r>
+            <a:r>
+              <a:rPr lang="hr-HR" dirty="0" err="1" smtClean="0"/>
+              <a:t>pattern</a:t>
+            </a:r>
+            <a:r>
+              <a:rPr lang="hr-HR" dirty="0" smtClean="0"/>
+              <a:t> koji pomaže u razvoju čistih i održivih aplikacija. </a:t>
+            </a:r>
+          </a:p>
+          <a:p>
+            <a:r>
+              <a:rPr lang="hr-HR" dirty="0" smtClean="0"/>
+              <a:t>2) Detaljan opis - prilika koja se mora iskoristiti za 3)</a:t>
+            </a:r>
+          </a:p>
+          <a:p>
+            <a:r>
+              <a:rPr lang="hr-HR" dirty="0" smtClean="0"/>
+              <a:t>3) Kako organizirati kod da odgovara toj arhitekturi.</a:t>
+            </a:r>
+          </a:p>
+          <a:p>
+            <a:r>
+              <a:rPr lang="hr-HR" dirty="0" smtClean="0"/>
+              <a:t>4) Razmišljanje - prikaz i način implementacije u </a:t>
+            </a:r>
+            <a:r>
+              <a:rPr lang="hr-HR" dirty="0" err="1" smtClean="0"/>
+              <a:t>Angular</a:t>
+            </a:r>
+            <a:r>
+              <a:rPr lang="hr-HR" dirty="0" smtClean="0"/>
+              <a:t> 1 </a:t>
+            </a:r>
+            <a:r>
+              <a:rPr lang="hr-HR" dirty="0" err="1" smtClean="0"/>
+              <a:t>controllera</a:t>
+            </a:r>
+            <a:r>
+              <a:rPr lang="hr-HR" dirty="0" smtClean="0"/>
+              <a:t> - servisa - </a:t>
+            </a:r>
+            <a:r>
+              <a:rPr lang="hr-HR" dirty="0" err="1" smtClean="0"/>
+              <a:t>viewa</a:t>
+            </a:r>
+            <a:r>
+              <a:rPr lang="hr-HR" dirty="0" smtClean="0"/>
+              <a:t>.</a:t>
+            </a:r>
+          </a:p>
+          <a:p>
+            <a:r>
+              <a:rPr lang="hr-HR" dirty="0" smtClean="0"/>
+              <a:t>5) Razmišljanje - prikaz i način implementacije u ASP.NET </a:t>
+            </a:r>
+            <a:r>
+              <a:rPr lang="hr-HR" dirty="0" err="1" smtClean="0"/>
+              <a:t>Mvc</a:t>
+            </a:r>
+            <a:r>
+              <a:rPr lang="hr-HR" dirty="0" smtClean="0"/>
+              <a:t>-u i </a:t>
+            </a:r>
+            <a:r>
+              <a:rPr lang="hr-HR" dirty="0" err="1" smtClean="0"/>
+              <a:t>WebAPI</a:t>
+            </a:r>
+            <a:r>
+              <a:rPr lang="hr-HR" dirty="0" smtClean="0"/>
+              <a:t>-au</a:t>
+            </a:r>
+          </a:p>
+          <a:p>
+            <a:r>
+              <a:rPr lang="hr-HR" dirty="0" smtClean="0"/>
+              <a:t>6) spomenuti varijantu MVVM za WPF aplikacije. Mini problematika pristupa (eventualno PRISM u 2-3 rečenice)</a:t>
+            </a:r>
+          </a:p>
+          <a:p>
+            <a:endParaRPr lang="hr-HR" dirty="0"/>
+          </a:p>
+        </p:txBody>
+      </p:sp>
+      <p:sp>
+        <p:nvSpPr>
+          <p:cNvPr id="4" name="Slide Number Placeholder 3"/>
+          <p:cNvSpPr>
+            <a:spLocks noGrp="1"/>
+          </p:cNvSpPr>
+          <p:nvPr>
+            <p:ph type="sldNum" sz="quarter" idx="10"/>
+          </p:nvPr>
+        </p:nvSpPr>
+        <p:spPr/>
+        <p:txBody>
+          <a:bodyPr/>
+          <a:lstStyle/>
+          <a:p>
+            <a:fld id="{F0397A2A-5CE1-4FD2-A6C4-23278FA733EC}" type="slidenum">
+              <a:rPr lang="hr-HR" smtClean="0"/>
+              <a:t>2</a:t>
+            </a:fld>
+            <a:endParaRPr lang="hr-HR"/>
+          </a:p>
+        </p:txBody>
+      </p:sp>
+    </p:spTree>
+    <p:extLst>
+      <p:ext uri="{BB962C8B-B14F-4D97-AF65-F5344CB8AC3E}">
+        <p14:creationId xmlns:p14="http://schemas.microsoft.com/office/powerpoint/2010/main" val="3844368544"/>
+      </p:ext>
+    </p:extLst>
+  </p:cSld>
+  <p:clrMapOvr>
+    <a:masterClrMapping/>
+  </p:clrMapOvr>
+</p:notes>
+</file>
+
+<file path=ppt/notesSlides/notesSlide2.xml><?xml version="1.0" encoding="utf-8"?>
+<p:notes xmlns:a="http://schemas.openxmlformats.org/drawingml/2006/main" xmlns:r="http://schemas.openxmlformats.org/officeDocument/2006/relationships" xmlns:p="http://schemas.openxmlformats.org/presentationml/2006/main">
+  <p:cSld>
+    <p:spTree>
+      <p:nvGrpSpPr>
+        <p:cNvPr id="1" name=""/>
+        <p:cNvGrpSpPr/>
+        <p:nvPr/>
+      </p:nvGrpSpPr>
+      <p:grpSpPr>
+        <a:xfrm>
+          <a:off x="0" y="0"/>
+          <a:ext cx="0" cy="0"/>
+          <a:chOff x="0" y="0"/>
+          <a:chExt cx="0" cy="0"/>
+        </a:xfrm>
+      </p:grpSpPr>
+      <p:sp>
+        <p:nvSpPr>
+          <p:cNvPr id="2" name="Slide Image Placeholder 1"/>
+          <p:cNvSpPr>
+            <a:spLocks noGrp="1" noRot="1" noChangeAspect="1"/>
+          </p:cNvSpPr>
+          <p:nvPr>
+            <p:ph type="sldImg"/>
+          </p:nvPr>
+        </p:nvSpPr>
+        <p:spPr/>
+      </p:sp>
+      <p:sp>
+        <p:nvSpPr>
+          <p:cNvPr id="3" name="Notes Placeholder 2"/>
+          <p:cNvSpPr>
+            <a:spLocks noGrp="1"/>
+          </p:cNvSpPr>
+          <p:nvPr>
+            <p:ph type="body" idx="1"/>
+          </p:nvPr>
+        </p:nvSpPr>
+        <p:spPr/>
+        <p:txBody>
+          <a:bodyPr/>
+          <a:lstStyle/>
+          <a:p>
+            <a:r>
+              <a:rPr lang="en-US" sz="1200" b="1" i="0" kern="1200" dirty="0" err="1" smtClean="0">
+                <a:solidFill>
+                  <a:schemeClr val="tx1"/>
+                </a:solidFill>
+                <a:effectLst/>
+                <a:latin typeface="+mn-lt"/>
+                <a:ea typeface="+mn-ea"/>
+                <a:cs typeface="+mn-cs"/>
+              </a:rPr>
+              <a:t>Trygve</a:t>
+            </a:r>
+            <a:r>
+              <a:rPr lang="en-US" sz="1200" b="1" i="0" kern="1200" dirty="0" smtClean="0">
+                <a:solidFill>
+                  <a:schemeClr val="tx1"/>
+                </a:solidFill>
+                <a:effectLst/>
+                <a:latin typeface="+mn-lt"/>
+                <a:ea typeface="+mn-ea"/>
+                <a:cs typeface="+mn-cs"/>
+              </a:rPr>
+              <a:t> </a:t>
+            </a:r>
+            <a:r>
+              <a:rPr lang="en-US" sz="1200" b="1" i="0" kern="1200" dirty="0" err="1" smtClean="0">
+                <a:solidFill>
+                  <a:schemeClr val="tx1"/>
+                </a:solidFill>
+                <a:effectLst/>
+                <a:latin typeface="+mn-lt"/>
+                <a:ea typeface="+mn-ea"/>
+                <a:cs typeface="+mn-cs"/>
+              </a:rPr>
+              <a:t>Mikkjel</a:t>
+            </a:r>
+            <a:r>
+              <a:rPr lang="en-US" sz="1200" b="1" i="0" kern="1200" dirty="0" smtClean="0">
+                <a:solidFill>
+                  <a:schemeClr val="tx1"/>
+                </a:solidFill>
+                <a:effectLst/>
+                <a:latin typeface="+mn-lt"/>
+                <a:ea typeface="+mn-ea"/>
+                <a:cs typeface="+mn-cs"/>
+              </a:rPr>
+              <a:t> Heyerdahl </a:t>
+            </a:r>
+            <a:r>
+              <a:rPr lang="en-US" sz="1200" b="1" i="0" kern="1200" dirty="0" err="1" smtClean="0">
+                <a:solidFill>
+                  <a:schemeClr val="tx1"/>
+                </a:solidFill>
+                <a:effectLst/>
+                <a:latin typeface="+mn-lt"/>
+                <a:ea typeface="+mn-ea"/>
+                <a:cs typeface="+mn-cs"/>
+              </a:rPr>
+              <a:t>Reenskaug</a:t>
+            </a:r>
+            <a:r>
+              <a:rPr lang="en-US" sz="1200" b="0" i="0" kern="1200" dirty="0" smtClean="0">
+                <a:solidFill>
+                  <a:schemeClr val="tx1"/>
+                </a:solidFill>
+                <a:effectLst/>
+                <a:latin typeface="+mn-lt"/>
+                <a:ea typeface="+mn-ea"/>
+                <a:cs typeface="+mn-cs"/>
+              </a:rPr>
+              <a:t> (born 21 June 1930) is a </a:t>
+            </a:r>
+            <a:r>
+              <a:rPr lang="en-US" sz="1200" b="0" i="0" u="none" strike="noStrike" kern="1200" dirty="0" smtClean="0">
+                <a:solidFill>
+                  <a:schemeClr val="tx1"/>
+                </a:solidFill>
+                <a:effectLst/>
+                <a:latin typeface="+mn-lt"/>
+                <a:ea typeface="+mn-ea"/>
+                <a:cs typeface="+mn-cs"/>
+                <a:hlinkClick r:id="rId3" tooltip="Norway"/>
+              </a:rPr>
+              <a:t>Norwegian</a:t>
+            </a:r>
+            <a:r>
+              <a:rPr lang="en-US" sz="1200" b="0" i="0" kern="1200" dirty="0" smtClean="0">
+                <a:solidFill>
+                  <a:schemeClr val="tx1"/>
+                </a:solidFill>
+                <a:effectLst/>
+                <a:latin typeface="+mn-lt"/>
+                <a:ea typeface="+mn-ea"/>
+                <a:cs typeface="+mn-cs"/>
+              </a:rPr>
+              <a:t> computer scientist and professor emeritus of the </a:t>
+            </a:r>
+            <a:r>
+              <a:rPr lang="en-US" sz="1200" b="0" i="0" u="none" strike="noStrike" kern="1200" dirty="0" smtClean="0">
+                <a:solidFill>
+                  <a:schemeClr val="tx1"/>
+                </a:solidFill>
+                <a:effectLst/>
+                <a:latin typeface="+mn-lt"/>
+                <a:ea typeface="+mn-ea"/>
+                <a:cs typeface="+mn-cs"/>
+                <a:hlinkClick r:id="rId4" tooltip="University of Oslo"/>
+              </a:rPr>
+              <a:t>University of Oslo</a:t>
+            </a:r>
+            <a:r>
+              <a:rPr lang="en-US" sz="1200" b="0" i="0" kern="1200" dirty="0" smtClean="0">
+                <a:solidFill>
+                  <a:schemeClr val="tx1"/>
+                </a:solidFill>
+                <a:effectLst/>
+                <a:latin typeface="+mn-lt"/>
+                <a:ea typeface="+mn-ea"/>
+                <a:cs typeface="+mn-cs"/>
+              </a:rPr>
+              <a:t>. He formulated the </a:t>
+            </a:r>
+            <a:r>
+              <a:rPr lang="en-US" sz="1200" b="0" i="0" u="none" strike="noStrike" kern="1200" dirty="0" smtClean="0">
+                <a:solidFill>
+                  <a:schemeClr val="tx1"/>
+                </a:solidFill>
+                <a:effectLst/>
+                <a:latin typeface="+mn-lt"/>
+                <a:ea typeface="+mn-ea"/>
+                <a:cs typeface="+mn-cs"/>
+                <a:hlinkClick r:id="rId5" tooltip="Model–view–controller"/>
+              </a:rPr>
+              <a:t>model–view–controller</a:t>
+            </a:r>
+            <a:r>
+              <a:rPr lang="en-US" sz="1200" b="0" i="0" kern="1200" dirty="0" smtClean="0">
+                <a:solidFill>
+                  <a:schemeClr val="tx1"/>
+                </a:solidFill>
+                <a:effectLst/>
+                <a:latin typeface="+mn-lt"/>
+                <a:ea typeface="+mn-ea"/>
+                <a:cs typeface="+mn-cs"/>
+              </a:rPr>
+              <a:t> (MVC) pattern for </a:t>
+            </a:r>
+            <a:r>
+              <a:rPr lang="en-US" sz="1200" b="0" i="0" u="none" strike="noStrike" kern="1200" dirty="0" smtClean="0">
+                <a:solidFill>
+                  <a:schemeClr val="tx1"/>
+                </a:solidFill>
+                <a:effectLst/>
+                <a:latin typeface="+mn-lt"/>
+                <a:ea typeface="+mn-ea"/>
+                <a:cs typeface="+mn-cs"/>
+                <a:hlinkClick r:id="rId6" tooltip="Graphical user interface"/>
+              </a:rPr>
+              <a:t>graphical user interface</a:t>
+            </a:r>
+            <a:r>
+              <a:rPr lang="en-US" sz="1200" b="0" i="0" kern="1200" dirty="0" smtClean="0">
+                <a:solidFill>
+                  <a:schemeClr val="tx1"/>
+                </a:solidFill>
+                <a:effectLst/>
+                <a:latin typeface="+mn-lt"/>
+                <a:ea typeface="+mn-ea"/>
+                <a:cs typeface="+mn-cs"/>
+              </a:rPr>
+              <a:t> (GUI) software design in 1979 while visiting the </a:t>
+            </a:r>
+            <a:r>
+              <a:rPr lang="en-US" sz="1200" b="0" i="0" u="none" strike="noStrike" kern="1200" dirty="0" smtClean="0">
+                <a:solidFill>
+                  <a:schemeClr val="tx1"/>
+                </a:solidFill>
+                <a:effectLst/>
+                <a:latin typeface="+mn-lt"/>
+                <a:ea typeface="+mn-ea"/>
+                <a:cs typeface="+mn-cs"/>
+                <a:hlinkClick r:id="rId7" tooltip="Xerox Parc"/>
+              </a:rPr>
+              <a:t>Xerox Palo Alto Research Center</a:t>
+            </a:r>
+            <a:r>
+              <a:rPr lang="en-US" sz="1200" b="0" i="0" kern="1200" dirty="0" smtClean="0">
+                <a:solidFill>
+                  <a:schemeClr val="tx1"/>
+                </a:solidFill>
+                <a:effectLst/>
+                <a:latin typeface="+mn-lt"/>
+                <a:ea typeface="+mn-ea"/>
+                <a:cs typeface="+mn-cs"/>
+              </a:rPr>
+              <a:t> (PARC). His first major software project, "</a:t>
+            </a:r>
+            <a:r>
+              <a:rPr lang="en-US" sz="1200" b="0" i="0" kern="1200" dirty="0" err="1" smtClean="0">
+                <a:solidFill>
+                  <a:schemeClr val="tx1"/>
+                </a:solidFill>
+                <a:effectLst/>
+                <a:latin typeface="+mn-lt"/>
+                <a:ea typeface="+mn-ea"/>
+                <a:cs typeface="+mn-cs"/>
+              </a:rPr>
+              <a:t>Autokon</a:t>
+            </a:r>
+            <a:r>
+              <a:rPr lang="en-US" sz="1200" b="0" i="0" kern="1200" dirty="0" smtClean="0">
+                <a:solidFill>
+                  <a:schemeClr val="tx1"/>
+                </a:solidFill>
+                <a:effectLst/>
+                <a:latin typeface="+mn-lt"/>
+                <a:ea typeface="+mn-ea"/>
+                <a:cs typeface="+mn-cs"/>
+              </a:rPr>
+              <a:t>," produced a successful CAD/CAM program which was first used in 1963, and continued in use by shipyards worldwide for more than 30 years.</a:t>
+            </a:r>
+            <a:endParaRPr lang="hr-HR" sz="1200" b="0" i="0" kern="1200" dirty="0" smtClean="0">
+              <a:solidFill>
+                <a:schemeClr val="tx1"/>
+              </a:solidFill>
+              <a:effectLst/>
+              <a:latin typeface="+mn-lt"/>
+              <a:ea typeface="+mn-ea"/>
+              <a:cs typeface="+mn-cs"/>
+            </a:endParaRPr>
+          </a:p>
+          <a:p>
+            <a:endParaRPr lang="hr-HR" sz="1200" b="0" i="0" kern="1200" dirty="0" smtClean="0">
+              <a:solidFill>
+                <a:schemeClr val="tx1"/>
+              </a:solidFill>
+              <a:effectLst/>
+              <a:latin typeface="+mn-lt"/>
+              <a:ea typeface="+mn-ea"/>
+              <a:cs typeface="+mn-cs"/>
+            </a:endParaRPr>
+          </a:p>
+          <a:p>
+            <a:r>
+              <a:rPr lang="en-US" sz="1200" b="0" i="0" kern="1200" dirty="0" smtClean="0">
+                <a:solidFill>
+                  <a:schemeClr val="tx1"/>
+                </a:solidFill>
+                <a:effectLst/>
+                <a:latin typeface="+mn-lt"/>
+                <a:ea typeface="+mn-ea"/>
+                <a:cs typeface="+mn-cs"/>
+              </a:rPr>
+              <a:t>MVC was conceived as a general solution to the problem of users controlling a large and complex data set. </a:t>
+            </a:r>
+            <a:endParaRPr lang="hr-HR" dirty="0"/>
+          </a:p>
+        </p:txBody>
+      </p:sp>
+      <p:sp>
+        <p:nvSpPr>
+          <p:cNvPr id="4" name="Slide Number Placeholder 3"/>
+          <p:cNvSpPr>
+            <a:spLocks noGrp="1"/>
+          </p:cNvSpPr>
+          <p:nvPr>
+            <p:ph type="sldNum" sz="quarter" idx="10"/>
+          </p:nvPr>
+        </p:nvSpPr>
+        <p:spPr/>
+        <p:txBody>
+          <a:bodyPr/>
+          <a:lstStyle/>
+          <a:p>
+            <a:fld id="{F0397A2A-5CE1-4FD2-A6C4-23278FA733EC}" type="slidenum">
+              <a:rPr lang="hr-HR" smtClean="0"/>
+              <a:t>4</a:t>
+            </a:fld>
+            <a:endParaRPr lang="hr-HR"/>
+          </a:p>
+        </p:txBody>
+      </p:sp>
+    </p:spTree>
+    <p:extLst>
+      <p:ext uri="{BB962C8B-B14F-4D97-AF65-F5344CB8AC3E}">
+        <p14:creationId xmlns:p14="http://schemas.microsoft.com/office/powerpoint/2010/main" val="1994375481"/>
+      </p:ext>
+    </p:extLst>
+  </p:cSld>
+  <p:clrMapOvr>
+    <a:masterClrMapping/>
+  </p:clrMapOvr>
+</p:notes>
+</file>
+
+<file path=ppt/notesSlides/notesSlide3.xml><?xml version="1.0" encoding="utf-8"?>
+<p:notes xmlns:a="http://schemas.openxmlformats.org/drawingml/2006/main" xmlns:r="http://schemas.openxmlformats.org/officeDocument/2006/relationships" xmlns:p="http://schemas.openxmlformats.org/presentationml/2006/main">
+  <p:cSld>
+    <p:spTree>
+      <p:nvGrpSpPr>
+        <p:cNvPr id="1" name=""/>
+        <p:cNvGrpSpPr/>
+        <p:nvPr/>
+      </p:nvGrpSpPr>
+      <p:grpSpPr>
+        <a:xfrm>
+          <a:off x="0" y="0"/>
+          <a:ext cx="0" cy="0"/>
+          <a:chOff x="0" y="0"/>
+          <a:chExt cx="0" cy="0"/>
+        </a:xfrm>
+      </p:grpSpPr>
+      <p:sp>
+        <p:nvSpPr>
+          <p:cNvPr id="2" name="Slide Image Placeholder 1"/>
+          <p:cNvSpPr>
+            <a:spLocks noGrp="1" noRot="1" noChangeAspect="1"/>
+          </p:cNvSpPr>
+          <p:nvPr>
+            <p:ph type="sldImg"/>
+          </p:nvPr>
+        </p:nvSpPr>
+        <p:spPr/>
+      </p:sp>
+      <p:sp>
+        <p:nvSpPr>
+          <p:cNvPr id="3" name="Notes Placeholder 2"/>
+          <p:cNvSpPr>
+            <a:spLocks noGrp="1"/>
+          </p:cNvSpPr>
+          <p:nvPr>
+            <p:ph type="body" idx="1"/>
+          </p:nvPr>
+        </p:nvSpPr>
+        <p:spPr/>
+        <p:txBody>
+          <a:bodyPr/>
+          <a:lstStyle/>
+          <a:p>
+            <a:r>
+              <a:rPr lang="en-US" sz="1200" b="0" i="0" kern="1200" dirty="0" smtClean="0">
+                <a:solidFill>
+                  <a:schemeClr val="tx1"/>
+                </a:solidFill>
+                <a:effectLst/>
+                <a:latin typeface="+mn-lt"/>
+                <a:ea typeface="+mn-ea"/>
+                <a:cs typeface="+mn-cs"/>
+              </a:rPr>
+              <a:t>s, MVC became one of the first approaches to describe and implement software constructs in terms of their </a:t>
+            </a:r>
+            <a:r>
+              <a:rPr lang="en-US" sz="1200" b="0" i="0" u="none" strike="noStrike" kern="1200" dirty="0" smtClean="0">
+                <a:solidFill>
+                  <a:schemeClr val="tx1"/>
+                </a:solidFill>
+                <a:effectLst/>
+                <a:latin typeface="+mn-lt"/>
+                <a:ea typeface="+mn-ea"/>
+                <a:cs typeface="+mn-cs"/>
+                <a:hlinkClick r:id="rId3" tooltip="Single responsibility principle"/>
+              </a:rPr>
+              <a:t>responsibilities</a:t>
+            </a:r>
+            <a:r>
+              <a:rPr lang="en-US" sz="1200" b="0" i="0" kern="1200" dirty="0" smtClean="0">
+                <a:solidFill>
+                  <a:schemeClr val="tx1"/>
+                </a:solidFill>
+                <a:effectLst/>
+                <a:latin typeface="+mn-lt"/>
+                <a:ea typeface="+mn-ea"/>
+                <a:cs typeface="+mn-cs"/>
+              </a:rPr>
+              <a:t>.</a:t>
+            </a:r>
+            <a:r>
+              <a:rPr lang="en-US" sz="1200" b="0" i="0" u="none" strike="noStrike" kern="1200" baseline="30000" dirty="0" smtClean="0">
+                <a:solidFill>
+                  <a:schemeClr val="tx1"/>
+                </a:solidFill>
+                <a:effectLst/>
+                <a:latin typeface="+mn-lt"/>
+                <a:ea typeface="+mn-ea"/>
+                <a:cs typeface="+mn-cs"/>
+                <a:hlinkClick r:id="rId4"/>
+              </a:rPr>
+              <a:t>[9]</a:t>
+            </a:r>
+            <a:endParaRPr lang="hr-HR" sz="1200" b="0" i="0" u="none" strike="noStrike" kern="1200" baseline="30000" dirty="0" smtClean="0">
+              <a:solidFill>
+                <a:schemeClr val="tx1"/>
+              </a:solidFill>
+              <a:effectLst/>
+              <a:latin typeface="+mn-lt"/>
+              <a:ea typeface="+mn-ea"/>
+              <a:cs typeface="+mn-cs"/>
+            </a:endParaRPr>
+          </a:p>
+          <a:p>
+            <a:endParaRPr lang="hr-HR" sz="1200" b="0" i="0" u="none" strike="noStrike" kern="1200" baseline="30000" dirty="0" smtClean="0">
+              <a:solidFill>
+                <a:schemeClr val="tx1"/>
+              </a:solidFill>
+              <a:effectLst/>
+              <a:latin typeface="+mn-lt"/>
+              <a:ea typeface="+mn-ea"/>
+              <a:cs typeface="+mn-cs"/>
+            </a:endParaRPr>
+          </a:p>
+          <a:p>
+            <a:r>
+              <a:rPr lang="en-US" sz="1200" b="0" i="0" kern="1200" dirty="0" smtClean="0">
+                <a:solidFill>
+                  <a:schemeClr val="tx1"/>
+                </a:solidFill>
+                <a:effectLst/>
+                <a:latin typeface="+mn-lt"/>
+                <a:ea typeface="+mn-ea"/>
+                <a:cs typeface="+mn-cs"/>
+              </a:rPr>
+              <a:t>The </a:t>
+            </a:r>
+            <a:r>
+              <a:rPr lang="en-US" sz="1200" b="1" i="0" kern="1200" dirty="0" smtClean="0">
+                <a:solidFill>
+                  <a:schemeClr val="tx1"/>
+                </a:solidFill>
+                <a:effectLst/>
+                <a:latin typeface="+mn-lt"/>
+                <a:ea typeface="+mn-ea"/>
+                <a:cs typeface="+mn-cs"/>
+              </a:rPr>
+              <a:t>single responsibility principle</a:t>
+            </a:r>
+            <a:r>
+              <a:rPr lang="en-US" sz="1200" b="0" i="0" kern="1200" dirty="0" smtClean="0">
+                <a:solidFill>
+                  <a:schemeClr val="tx1"/>
+                </a:solidFill>
+                <a:effectLst/>
+                <a:latin typeface="+mn-lt"/>
+                <a:ea typeface="+mn-ea"/>
+                <a:cs typeface="+mn-cs"/>
+              </a:rPr>
+              <a:t> states that every </a:t>
+            </a:r>
+            <a:r>
+              <a:rPr lang="en-US" sz="1200" b="0" i="0" u="none" strike="noStrike" kern="1200" dirty="0" smtClean="0">
+                <a:solidFill>
+                  <a:schemeClr val="tx1"/>
+                </a:solidFill>
+                <a:effectLst/>
+                <a:latin typeface="+mn-lt"/>
+                <a:ea typeface="+mn-ea"/>
+                <a:cs typeface="+mn-cs"/>
+                <a:hlinkClick r:id="rId5" tooltip="Modular programming"/>
+              </a:rPr>
+              <a:t>module</a:t>
+            </a:r>
+            <a:r>
+              <a:rPr lang="en-US" sz="1200" b="0" i="0" kern="1200" dirty="0" smtClean="0">
+                <a:solidFill>
+                  <a:schemeClr val="tx1"/>
+                </a:solidFill>
+                <a:effectLst/>
+                <a:latin typeface="+mn-lt"/>
+                <a:ea typeface="+mn-ea"/>
+                <a:cs typeface="+mn-cs"/>
+              </a:rPr>
+              <a:t> or </a:t>
+            </a:r>
+            <a:r>
+              <a:rPr lang="en-US" sz="1200" b="0" i="0" u="none" strike="noStrike" kern="1200" dirty="0" smtClean="0">
+                <a:solidFill>
+                  <a:schemeClr val="tx1"/>
+                </a:solidFill>
+                <a:effectLst/>
+                <a:latin typeface="+mn-lt"/>
+                <a:ea typeface="+mn-ea"/>
+                <a:cs typeface="+mn-cs"/>
+                <a:hlinkClick r:id="rId6" tooltip="Class (computer programming)"/>
+              </a:rPr>
+              <a:t>class</a:t>
+            </a:r>
+            <a:r>
+              <a:rPr lang="en-US" sz="1200" b="0" i="0" kern="1200" dirty="0" smtClean="0">
+                <a:solidFill>
+                  <a:schemeClr val="tx1"/>
+                </a:solidFill>
+                <a:effectLst/>
+                <a:latin typeface="+mn-lt"/>
+                <a:ea typeface="+mn-ea"/>
+                <a:cs typeface="+mn-cs"/>
+              </a:rPr>
+              <a:t> should have responsibility over a single part of the </a:t>
+            </a:r>
+            <a:r>
+              <a:rPr lang="en-US" sz="1200" b="0" i="0" u="none" strike="noStrike" kern="1200" dirty="0" smtClean="0">
+                <a:solidFill>
+                  <a:schemeClr val="tx1"/>
+                </a:solidFill>
+                <a:effectLst/>
+                <a:latin typeface="+mn-lt"/>
+                <a:ea typeface="+mn-ea"/>
+                <a:cs typeface="+mn-cs"/>
+                <a:hlinkClick r:id="rId7" tooltip="Software feature"/>
+              </a:rPr>
+              <a:t>functionality</a:t>
+            </a:r>
+            <a:r>
+              <a:rPr lang="en-US" sz="1200" b="0" i="0" kern="1200" dirty="0" smtClean="0">
+                <a:solidFill>
+                  <a:schemeClr val="tx1"/>
+                </a:solidFill>
+                <a:effectLst/>
+                <a:latin typeface="+mn-lt"/>
+                <a:ea typeface="+mn-ea"/>
+                <a:cs typeface="+mn-cs"/>
+              </a:rPr>
+              <a:t> provided by the </a:t>
+            </a:r>
+            <a:r>
+              <a:rPr lang="en-US" sz="1200" b="0" i="0" u="none" strike="noStrike" kern="1200" dirty="0" smtClean="0">
+                <a:solidFill>
+                  <a:schemeClr val="tx1"/>
+                </a:solidFill>
+                <a:effectLst/>
+                <a:latin typeface="+mn-lt"/>
+                <a:ea typeface="+mn-ea"/>
+                <a:cs typeface="+mn-cs"/>
+                <a:hlinkClick r:id="rId8" tooltip="Software"/>
+              </a:rPr>
+              <a:t>software</a:t>
+            </a:r>
+            <a:r>
+              <a:rPr lang="en-US" sz="1200" b="0" i="0" kern="1200" dirty="0" smtClean="0">
+                <a:solidFill>
+                  <a:schemeClr val="tx1"/>
+                </a:solidFill>
+                <a:effectLst/>
+                <a:latin typeface="+mn-lt"/>
+                <a:ea typeface="+mn-ea"/>
+                <a:cs typeface="+mn-cs"/>
+              </a:rPr>
+              <a:t>, and that responsibility should be entirely </a:t>
+            </a:r>
+            <a:r>
+              <a:rPr lang="en-US" sz="1200" b="0" i="0" u="none" strike="noStrike" kern="1200" dirty="0" smtClean="0">
+                <a:solidFill>
+                  <a:schemeClr val="tx1"/>
+                </a:solidFill>
+                <a:effectLst/>
+                <a:latin typeface="+mn-lt"/>
+                <a:ea typeface="+mn-ea"/>
+                <a:cs typeface="+mn-cs"/>
+                <a:hlinkClick r:id="rId9" tooltip="Encapsulation (object-oriented programming)"/>
+              </a:rPr>
+              <a:t>encapsulated</a:t>
+            </a:r>
+            <a:r>
+              <a:rPr lang="en-US" sz="1200" b="0" i="0" kern="1200" dirty="0" smtClean="0">
+                <a:solidFill>
+                  <a:schemeClr val="tx1"/>
+                </a:solidFill>
+                <a:effectLst/>
+                <a:latin typeface="+mn-lt"/>
+                <a:ea typeface="+mn-ea"/>
+                <a:cs typeface="+mn-cs"/>
+              </a:rPr>
+              <a:t> by the class. All its </a:t>
+            </a:r>
+            <a:r>
+              <a:rPr lang="en-US" sz="1200" b="0" i="0" u="none" strike="noStrike" kern="1200" dirty="0" smtClean="0">
+                <a:solidFill>
+                  <a:schemeClr val="tx1"/>
+                </a:solidFill>
+                <a:effectLst/>
+                <a:latin typeface="+mn-lt"/>
+                <a:ea typeface="+mn-ea"/>
+                <a:cs typeface="+mn-cs"/>
+                <a:hlinkClick r:id="rId10" tooltip="Service (systems architecture)"/>
+              </a:rPr>
+              <a:t>services</a:t>
+            </a:r>
+            <a:r>
+              <a:rPr lang="en-US" sz="1200" b="0" i="0" kern="1200" dirty="0" smtClean="0">
+                <a:solidFill>
+                  <a:schemeClr val="tx1"/>
+                </a:solidFill>
+                <a:effectLst/>
+                <a:latin typeface="+mn-lt"/>
+                <a:ea typeface="+mn-ea"/>
+                <a:cs typeface="+mn-cs"/>
+              </a:rPr>
+              <a:t> should be narrowly aligned with that responsibility. </a:t>
+            </a:r>
+            <a:r>
+              <a:rPr lang="en-US" sz="1200" b="0" i="0" u="none" strike="noStrike" kern="1200" dirty="0" smtClean="0">
+                <a:solidFill>
+                  <a:schemeClr val="tx1"/>
+                </a:solidFill>
+                <a:effectLst/>
+                <a:latin typeface="+mn-lt"/>
+                <a:ea typeface="+mn-ea"/>
+                <a:cs typeface="+mn-cs"/>
+                <a:hlinkClick r:id="rId11" tooltip="Robert C. Martin"/>
+              </a:rPr>
+              <a:t>Robert C. Martin</a:t>
+            </a:r>
+            <a:r>
+              <a:rPr lang="en-US" sz="1200" b="0" i="0" kern="1200" dirty="0" smtClean="0">
+                <a:solidFill>
+                  <a:schemeClr val="tx1"/>
+                </a:solidFill>
+                <a:effectLst/>
+                <a:latin typeface="+mn-lt"/>
+                <a:ea typeface="+mn-ea"/>
+                <a:cs typeface="+mn-cs"/>
+              </a:rPr>
+              <a:t> expresses the principle as, "A class should have only one reason to change."</a:t>
+            </a:r>
+            <a:r>
+              <a:rPr lang="en-US" sz="1200" b="0" i="0" u="none" strike="noStrike" kern="1200" baseline="30000" dirty="0" smtClean="0">
+                <a:solidFill>
+                  <a:schemeClr val="tx1"/>
+                </a:solidFill>
+                <a:effectLst/>
+                <a:latin typeface="+mn-lt"/>
+                <a:ea typeface="+mn-ea"/>
+                <a:cs typeface="+mn-cs"/>
+                <a:hlinkClick r:id="rId12"/>
+              </a:rPr>
+              <a:t>[1]</a:t>
+            </a:r>
+            <a:endParaRPr lang="hr-HR" sz="1200" b="0" i="0" u="none" strike="noStrike" kern="1200" baseline="30000" dirty="0" smtClean="0">
+              <a:solidFill>
+                <a:schemeClr val="tx1"/>
+              </a:solidFill>
+              <a:effectLst/>
+              <a:latin typeface="+mn-lt"/>
+              <a:ea typeface="+mn-ea"/>
+              <a:cs typeface="+mn-cs"/>
+            </a:endParaRPr>
+          </a:p>
+          <a:p>
+            <a:endParaRPr lang="hr-HR" sz="1200" b="0" i="0" u="none" strike="noStrike" kern="1200" baseline="30000" dirty="0" smtClean="0">
+              <a:solidFill>
+                <a:schemeClr val="tx1"/>
+              </a:solidFill>
+              <a:effectLst/>
+              <a:latin typeface="+mn-lt"/>
+              <a:ea typeface="+mn-ea"/>
+              <a:cs typeface="+mn-cs"/>
+            </a:endParaRPr>
+          </a:p>
+          <a:p>
+            <a:r>
+              <a:rPr lang="hr-HR" sz="1200" b="0" i="0" u="none" strike="noStrike" kern="1200" baseline="30000" dirty="0" err="1" smtClean="0">
+                <a:solidFill>
+                  <a:schemeClr val="tx1"/>
+                </a:solidFill>
+                <a:effectLst/>
+                <a:latin typeface="+mn-lt"/>
+                <a:ea typeface="+mn-ea"/>
+                <a:cs typeface="+mn-cs"/>
+              </a:rPr>
+              <a:t>Coupling</a:t>
+            </a:r>
+            <a:r>
+              <a:rPr lang="hr-HR" sz="1200" b="0" i="0" u="none" strike="noStrike" kern="1200" baseline="30000" dirty="0" smtClean="0">
+                <a:solidFill>
+                  <a:schemeClr val="tx1"/>
+                </a:solidFill>
+                <a:effectLst/>
+                <a:latin typeface="+mn-lt"/>
+                <a:ea typeface="+mn-ea"/>
+                <a:cs typeface="+mn-cs"/>
+              </a:rPr>
+              <a:t>!</a:t>
+            </a:r>
+          </a:p>
+          <a:p>
+            <a:endParaRPr lang="hr-HR" sz="1200" b="0" i="0" u="none" strike="noStrike" kern="1200" baseline="30000" dirty="0" smtClean="0">
+              <a:solidFill>
+                <a:schemeClr val="tx1"/>
+              </a:solidFill>
+              <a:effectLst/>
+              <a:latin typeface="+mn-lt"/>
+              <a:ea typeface="+mn-ea"/>
+              <a:cs typeface="+mn-cs"/>
+            </a:endParaRPr>
+          </a:p>
+          <a:p>
+            <a:r>
+              <a:rPr lang="en-US" sz="1200" b="0" i="0" kern="1200" dirty="0" smtClean="0">
+                <a:solidFill>
+                  <a:schemeClr val="tx1"/>
+                </a:solidFill>
+                <a:effectLst/>
+                <a:latin typeface="+mn-lt"/>
+                <a:ea typeface="+mn-ea"/>
+                <a:cs typeface="+mn-cs"/>
+              </a:rPr>
+              <a:t>In </a:t>
+            </a:r>
+            <a:r>
+              <a:rPr lang="en-US" sz="1200" b="0" i="0" u="none" strike="noStrike" kern="1200" dirty="0" smtClean="0">
+                <a:solidFill>
+                  <a:schemeClr val="tx1"/>
+                </a:solidFill>
+                <a:effectLst/>
+                <a:latin typeface="+mn-lt"/>
+                <a:ea typeface="+mn-ea"/>
+                <a:cs typeface="+mn-cs"/>
+                <a:hlinkClick r:id="rId13" tooltip="Computer programming"/>
+              </a:rPr>
+              <a:t>computer programming</a:t>
+            </a:r>
+            <a:r>
+              <a:rPr lang="en-US" sz="1200" b="0" i="0" kern="1200" dirty="0" smtClean="0">
+                <a:solidFill>
+                  <a:schemeClr val="tx1"/>
+                </a:solidFill>
+                <a:effectLst/>
+                <a:latin typeface="+mn-lt"/>
+                <a:ea typeface="+mn-ea"/>
+                <a:cs typeface="+mn-cs"/>
+              </a:rPr>
+              <a:t>, </a:t>
+            </a:r>
+            <a:r>
+              <a:rPr lang="en-US" sz="1200" b="1" i="0" kern="1200" dirty="0" smtClean="0">
+                <a:solidFill>
+                  <a:schemeClr val="tx1"/>
+                </a:solidFill>
+                <a:effectLst/>
+                <a:latin typeface="+mn-lt"/>
+                <a:ea typeface="+mn-ea"/>
+                <a:cs typeface="+mn-cs"/>
+              </a:rPr>
+              <a:t>cohesion</a:t>
+            </a:r>
+            <a:r>
+              <a:rPr lang="en-US" sz="1200" b="0" i="0" kern="1200" dirty="0" smtClean="0">
+                <a:solidFill>
+                  <a:schemeClr val="tx1"/>
+                </a:solidFill>
+                <a:effectLst/>
+                <a:latin typeface="+mn-lt"/>
+                <a:ea typeface="+mn-ea"/>
+                <a:cs typeface="+mn-cs"/>
+              </a:rPr>
+              <a:t> refers to the </a:t>
+            </a:r>
+            <a:r>
+              <a:rPr lang="en-US" sz="1200" b="0" i="1" kern="1200" dirty="0" smtClean="0">
+                <a:solidFill>
+                  <a:schemeClr val="tx1"/>
+                </a:solidFill>
+                <a:effectLst/>
+                <a:latin typeface="+mn-lt"/>
+                <a:ea typeface="+mn-ea"/>
+                <a:cs typeface="+mn-cs"/>
+              </a:rPr>
+              <a:t>degree to which the elements inside a </a:t>
+            </a:r>
+            <a:r>
+              <a:rPr lang="en-US" sz="1200" b="0" i="1" u="none" strike="noStrike" kern="1200" dirty="0" smtClean="0">
+                <a:solidFill>
+                  <a:schemeClr val="tx1"/>
+                </a:solidFill>
+                <a:effectLst/>
+                <a:latin typeface="+mn-lt"/>
+                <a:ea typeface="+mn-ea"/>
+                <a:cs typeface="+mn-cs"/>
+                <a:hlinkClick r:id="rId14" tooltip="Module (programming)"/>
+              </a:rPr>
+              <a:t>module</a:t>
+            </a:r>
+            <a:r>
+              <a:rPr lang="en-US" sz="1200" b="0" i="1" kern="1200" dirty="0" smtClean="0">
+                <a:solidFill>
+                  <a:schemeClr val="tx1"/>
+                </a:solidFill>
+                <a:effectLst/>
+                <a:latin typeface="+mn-lt"/>
+                <a:ea typeface="+mn-ea"/>
+                <a:cs typeface="+mn-cs"/>
+              </a:rPr>
+              <a:t> belong together</a:t>
+            </a:r>
+            <a:r>
+              <a:rPr lang="en-US" sz="1200" b="0" i="0" kern="1200" dirty="0" smtClean="0">
+                <a:solidFill>
+                  <a:schemeClr val="tx1"/>
+                </a:solidFill>
+                <a:effectLst/>
+                <a:latin typeface="+mn-lt"/>
+                <a:ea typeface="+mn-ea"/>
+                <a:cs typeface="+mn-cs"/>
+              </a:rPr>
+              <a:t>.</a:t>
+            </a:r>
+            <a:r>
+              <a:rPr lang="en-US" sz="1200" b="0" i="0" u="none" strike="noStrike" kern="1200" baseline="30000" dirty="0" smtClean="0">
+                <a:solidFill>
+                  <a:schemeClr val="tx1"/>
+                </a:solidFill>
+                <a:effectLst/>
+                <a:latin typeface="+mn-lt"/>
+                <a:ea typeface="+mn-ea"/>
+                <a:cs typeface="+mn-cs"/>
+                <a:hlinkClick r:id="rId15"/>
+              </a:rPr>
+              <a:t>[1]</a:t>
+            </a:r>
+            <a:r>
+              <a:rPr lang="en-US" sz="1200" b="0" i="0" kern="1200" dirty="0" smtClean="0">
+                <a:solidFill>
+                  <a:schemeClr val="tx1"/>
+                </a:solidFill>
+                <a:effectLst/>
+                <a:latin typeface="+mn-lt"/>
+                <a:ea typeface="+mn-ea"/>
+                <a:cs typeface="+mn-cs"/>
+              </a:rPr>
+              <a:t> Thus, cohesion measures the strength of relationship between pieces of functionality within a given module. For example, in highly cohesive systems functionality is strongly related.</a:t>
+            </a:r>
+          </a:p>
+          <a:p>
+            <a:r>
+              <a:rPr lang="en-US" sz="1200" b="0" i="0" kern="1200" dirty="0" smtClean="0">
+                <a:solidFill>
+                  <a:schemeClr val="tx1"/>
+                </a:solidFill>
+                <a:effectLst/>
+                <a:latin typeface="+mn-lt"/>
+                <a:ea typeface="+mn-ea"/>
+                <a:cs typeface="+mn-cs"/>
+              </a:rPr>
+              <a:t>Cohesion is an </a:t>
+            </a:r>
+            <a:r>
+              <a:rPr lang="en-US" sz="1200" b="0" i="0" u="none" strike="noStrike" kern="1200" dirty="0" smtClean="0">
+                <a:solidFill>
+                  <a:schemeClr val="tx1"/>
+                </a:solidFill>
+                <a:effectLst/>
+                <a:latin typeface="+mn-lt"/>
+                <a:ea typeface="+mn-ea"/>
+                <a:cs typeface="+mn-cs"/>
+                <a:hlinkClick r:id="rId16" tooltip="Level of measurement"/>
+              </a:rPr>
+              <a:t>ordinal</a:t>
+            </a:r>
+            <a:r>
+              <a:rPr lang="en-US" sz="1200" b="0" i="0" kern="1200" dirty="0" smtClean="0">
+                <a:solidFill>
+                  <a:schemeClr val="tx1"/>
+                </a:solidFill>
+                <a:effectLst/>
+                <a:latin typeface="+mn-lt"/>
+                <a:ea typeface="+mn-ea"/>
+                <a:cs typeface="+mn-cs"/>
+              </a:rPr>
+              <a:t> type of measurement and is usually described as “high cohesion” or “low cohesion”. Modules with high cohesion tend to be preferable, because high cohesion is associated with several desirable traits of software including </a:t>
+            </a:r>
+            <a:r>
+              <a:rPr lang="en-US" sz="1200" b="0" i="0" u="none" strike="noStrike" kern="1200" dirty="0" smtClean="0">
+                <a:solidFill>
+                  <a:schemeClr val="tx1"/>
+                </a:solidFill>
+                <a:effectLst/>
+                <a:latin typeface="+mn-lt"/>
+                <a:ea typeface="+mn-ea"/>
+                <a:cs typeface="+mn-cs"/>
+                <a:hlinkClick r:id="rId17" tooltip="Robustness (computer science)"/>
+              </a:rPr>
+              <a:t>robustness</a:t>
+            </a:r>
+            <a:r>
+              <a:rPr lang="en-US" sz="1200" b="0" i="0" kern="1200" dirty="0" smtClean="0">
+                <a:solidFill>
+                  <a:schemeClr val="tx1"/>
+                </a:solidFill>
+                <a:effectLst/>
+                <a:latin typeface="+mn-lt"/>
+                <a:ea typeface="+mn-ea"/>
+                <a:cs typeface="+mn-cs"/>
+              </a:rPr>
+              <a:t>, reliability, </a:t>
+            </a:r>
+            <a:r>
+              <a:rPr lang="en-US" sz="1200" b="0" i="0" u="none" strike="noStrike" kern="1200" dirty="0" smtClean="0">
+                <a:solidFill>
+                  <a:schemeClr val="tx1"/>
+                </a:solidFill>
+                <a:effectLst/>
+                <a:latin typeface="+mn-lt"/>
+                <a:ea typeface="+mn-ea"/>
+                <a:cs typeface="+mn-cs"/>
+                <a:hlinkClick r:id="rId18" tooltip="Reusability"/>
+              </a:rPr>
+              <a:t>reusability</a:t>
+            </a:r>
+            <a:r>
+              <a:rPr lang="en-US" sz="1200" b="0" i="0" kern="1200" dirty="0" smtClean="0">
+                <a:solidFill>
+                  <a:schemeClr val="tx1"/>
+                </a:solidFill>
+                <a:effectLst/>
+                <a:latin typeface="+mn-lt"/>
+                <a:ea typeface="+mn-ea"/>
+                <a:cs typeface="+mn-cs"/>
+              </a:rPr>
+              <a:t>, and understandability. In contrast, low cohesion is associated with undesirable traits such as being difficult to maintain, test, reuse, or even understand.</a:t>
+            </a:r>
+          </a:p>
+          <a:p>
+            <a:endParaRPr lang="hr-HR" dirty="0"/>
+          </a:p>
+        </p:txBody>
+      </p:sp>
+      <p:sp>
+        <p:nvSpPr>
+          <p:cNvPr id="4" name="Slide Number Placeholder 3"/>
+          <p:cNvSpPr>
+            <a:spLocks noGrp="1"/>
+          </p:cNvSpPr>
+          <p:nvPr>
+            <p:ph type="sldNum" sz="quarter" idx="10"/>
+          </p:nvPr>
+        </p:nvSpPr>
+        <p:spPr/>
+        <p:txBody>
+          <a:bodyPr/>
+          <a:lstStyle/>
+          <a:p>
+            <a:fld id="{F0397A2A-5CE1-4FD2-A6C4-23278FA733EC}" type="slidenum">
+              <a:rPr lang="hr-HR" smtClean="0"/>
+              <a:t>5</a:t>
+            </a:fld>
+            <a:endParaRPr lang="hr-HR"/>
+          </a:p>
+        </p:txBody>
+      </p:sp>
+    </p:spTree>
+    <p:extLst>
+      <p:ext uri="{BB962C8B-B14F-4D97-AF65-F5344CB8AC3E}">
+        <p14:creationId xmlns:p14="http://schemas.microsoft.com/office/powerpoint/2010/main" val="3839434894"/>
+      </p:ext>
+    </p:extLst>
+  </p:cSld>
+  <p:clrMapOvr>
+    <a:masterClrMapping/>
+  </p:clrMapOvr>
+</p:notes>
+</file>
+
+<file path=ppt/notesSlides/notesSlide4.xml><?xml version="1.0" encoding="utf-8"?>
+<p:notes xmlns:a="http://schemas.openxmlformats.org/drawingml/2006/main" xmlns:r="http://schemas.openxmlformats.org/officeDocument/2006/relationships" xmlns:p="http://schemas.openxmlformats.org/presentationml/2006/main">
+  <p:cSld>
+    <p:spTree>
+      <p:nvGrpSpPr>
+        <p:cNvPr id="1" name=""/>
+        <p:cNvGrpSpPr/>
+        <p:nvPr/>
+      </p:nvGrpSpPr>
+      <p:grpSpPr>
+        <a:xfrm>
+          <a:off x="0" y="0"/>
+          <a:ext cx="0" cy="0"/>
+          <a:chOff x="0" y="0"/>
+          <a:chExt cx="0" cy="0"/>
+        </a:xfrm>
+      </p:grpSpPr>
+      <p:sp>
+        <p:nvSpPr>
+          <p:cNvPr id="2" name="Slide Image Placeholder 1"/>
+          <p:cNvSpPr>
+            <a:spLocks noGrp="1" noRot="1" noChangeAspect="1"/>
+          </p:cNvSpPr>
+          <p:nvPr>
+            <p:ph type="sldImg"/>
+          </p:nvPr>
+        </p:nvSpPr>
+        <p:spPr/>
+      </p:sp>
+      <p:sp>
+        <p:nvSpPr>
+          <p:cNvPr id="3" name="Notes Placeholder 2"/>
+          <p:cNvSpPr>
+            <a:spLocks noGrp="1"/>
+          </p:cNvSpPr>
+          <p:nvPr>
+            <p:ph type="body" idx="1"/>
+          </p:nvPr>
+        </p:nvSpPr>
+        <p:spPr/>
+        <p:txBody>
+          <a:bodyPr/>
+          <a:lstStyle/>
+          <a:p>
+            <a:r>
+              <a:rPr lang="en-US" sz="1200" b="0" i="0" u="none" strike="noStrike" kern="1200" baseline="0" dirty="0" smtClean="0">
+                <a:solidFill>
+                  <a:schemeClr val="tx1"/>
+                </a:solidFill>
+                <a:latin typeface="+mn-lt"/>
+                <a:ea typeface="+mn-ea"/>
+                <a:cs typeface="+mn-cs"/>
+              </a:rPr>
+              <a:t>Before MVC, user interface designs tended to lump</a:t>
+            </a:r>
+          </a:p>
+          <a:p>
+            <a:r>
+              <a:rPr lang="en-US" sz="1200" b="0" i="0" u="none" strike="noStrike" kern="1200" baseline="0" dirty="0" smtClean="0">
+                <a:solidFill>
+                  <a:schemeClr val="tx1"/>
+                </a:solidFill>
+                <a:latin typeface="+mn-lt"/>
+                <a:ea typeface="+mn-ea"/>
+                <a:cs typeface="+mn-cs"/>
+              </a:rPr>
+              <a:t>these objects together. MVC decouples them to increase flexibility and reuse.</a:t>
+            </a:r>
+          </a:p>
+          <a:p>
+            <a:r>
+              <a:rPr lang="en-US" sz="1200" b="0" i="0" u="none" strike="noStrike" kern="1200" baseline="0" dirty="0" smtClean="0">
+                <a:solidFill>
+                  <a:schemeClr val="tx1"/>
+                </a:solidFill>
+                <a:latin typeface="+mn-lt"/>
+                <a:ea typeface="+mn-ea"/>
+                <a:cs typeface="+mn-cs"/>
+              </a:rPr>
+              <a:t>MVC decouples views and models by establishing a subscribe/notify protocol between</a:t>
+            </a:r>
+          </a:p>
+          <a:p>
+            <a:r>
+              <a:rPr lang="en-US" sz="1200" b="0" i="0" u="none" strike="noStrike" kern="1200" baseline="0" dirty="0" smtClean="0">
+                <a:solidFill>
+                  <a:schemeClr val="tx1"/>
+                </a:solidFill>
+                <a:latin typeface="+mn-lt"/>
+                <a:ea typeface="+mn-ea"/>
+                <a:cs typeface="+mn-cs"/>
+              </a:rPr>
+              <a:t>them. A view must ensure that its appearance reflects the state of the model.</a:t>
+            </a:r>
+          </a:p>
+          <a:p>
+            <a:r>
+              <a:rPr lang="en-US" sz="1200" b="0" i="0" u="none" strike="noStrike" kern="1200" baseline="0" dirty="0" smtClean="0">
+                <a:solidFill>
+                  <a:schemeClr val="tx1"/>
+                </a:solidFill>
+                <a:latin typeface="+mn-lt"/>
+                <a:ea typeface="+mn-ea"/>
+                <a:cs typeface="+mn-cs"/>
+              </a:rPr>
+              <a:t>Whenever the model's data changes, the model notifies views that depend on it.</a:t>
+            </a:r>
+          </a:p>
+          <a:p>
+            <a:r>
+              <a:rPr lang="en-US" sz="1200" b="0" i="0" u="none" strike="noStrike" kern="1200" baseline="0" dirty="0" smtClean="0">
+                <a:solidFill>
+                  <a:schemeClr val="tx1"/>
+                </a:solidFill>
+                <a:latin typeface="+mn-lt"/>
+                <a:ea typeface="+mn-ea"/>
+                <a:cs typeface="+mn-cs"/>
+              </a:rPr>
+              <a:t>In response, each view gets an opportunity to update itself. This approach lets</a:t>
+            </a:r>
+          </a:p>
+          <a:p>
+            <a:r>
+              <a:rPr lang="en-US" sz="1200" b="0" i="0" u="none" strike="noStrike" kern="1200" baseline="0" dirty="0" smtClean="0">
+                <a:solidFill>
+                  <a:schemeClr val="tx1"/>
+                </a:solidFill>
+                <a:latin typeface="+mn-lt"/>
+                <a:ea typeface="+mn-ea"/>
+                <a:cs typeface="+mn-cs"/>
+              </a:rPr>
+              <a:t>you attach multiple views to a model to provide different presentations. You can</a:t>
+            </a:r>
+          </a:p>
+          <a:p>
+            <a:r>
+              <a:rPr lang="en-US" sz="1200" b="0" i="0" u="none" strike="noStrike" kern="1200" baseline="0" dirty="0" smtClean="0">
+                <a:solidFill>
+                  <a:schemeClr val="tx1"/>
+                </a:solidFill>
+                <a:latin typeface="+mn-lt"/>
+                <a:ea typeface="+mn-ea"/>
+                <a:cs typeface="+mn-cs"/>
+              </a:rPr>
+              <a:t>also create new views for a model without rewriting it.</a:t>
+            </a:r>
+            <a:endParaRPr lang="hr-HR" dirty="0"/>
+          </a:p>
+        </p:txBody>
+      </p:sp>
+      <p:sp>
+        <p:nvSpPr>
+          <p:cNvPr id="4" name="Slide Number Placeholder 3"/>
+          <p:cNvSpPr>
+            <a:spLocks noGrp="1"/>
+          </p:cNvSpPr>
+          <p:nvPr>
+            <p:ph type="sldNum" sz="quarter" idx="10"/>
+          </p:nvPr>
+        </p:nvSpPr>
+        <p:spPr/>
+        <p:txBody>
+          <a:bodyPr/>
+          <a:lstStyle/>
+          <a:p>
+            <a:fld id="{F0397A2A-5CE1-4FD2-A6C4-23278FA733EC}" type="slidenum">
+              <a:rPr lang="hr-HR" smtClean="0"/>
+              <a:t>6</a:t>
+            </a:fld>
+            <a:endParaRPr lang="hr-HR"/>
+          </a:p>
+        </p:txBody>
+      </p:sp>
+    </p:spTree>
+    <p:extLst>
+      <p:ext uri="{BB962C8B-B14F-4D97-AF65-F5344CB8AC3E}">
+        <p14:creationId xmlns:p14="http://schemas.microsoft.com/office/powerpoint/2010/main" val="1352185735"/>
+      </p:ext>
+    </p:extLst>
+  </p:cSld>
+  <p:clrMapOvr>
+    <a:masterClrMapping/>
+  </p:clrMapOvr>
+</p:notes>
+</file>
+
+<file path=ppt/notesSlides/notesSlide5.xml><?xml version="1.0" encoding="utf-8"?>
+<p:notes xmlns:a="http://schemas.openxmlformats.org/drawingml/2006/main" xmlns:r="http://schemas.openxmlformats.org/officeDocument/2006/relationships" xmlns:p="http://schemas.openxmlformats.org/presentationml/2006/main">
+  <p:cSld>
+    <p:spTree>
+      <p:nvGrpSpPr>
+        <p:cNvPr id="1" name=""/>
+        <p:cNvGrpSpPr/>
+        <p:nvPr/>
+      </p:nvGrpSpPr>
+      <p:grpSpPr>
+        <a:xfrm>
+          <a:off x="0" y="0"/>
+          <a:ext cx="0" cy="0"/>
+          <a:chOff x="0" y="0"/>
+          <a:chExt cx="0" cy="0"/>
+        </a:xfrm>
+      </p:grpSpPr>
+      <p:sp>
+        <p:nvSpPr>
+          <p:cNvPr id="2" name="Slide Image Placeholder 1"/>
+          <p:cNvSpPr>
+            <a:spLocks noGrp="1" noRot="1" noChangeAspect="1"/>
+          </p:cNvSpPr>
+          <p:nvPr>
+            <p:ph type="sldImg"/>
+          </p:nvPr>
+        </p:nvSpPr>
+        <p:spPr/>
+      </p:sp>
+      <p:sp>
+        <p:nvSpPr>
+          <p:cNvPr id="3" name="Notes Placeholder 2"/>
+          <p:cNvSpPr>
+            <a:spLocks noGrp="1"/>
+          </p:cNvSpPr>
+          <p:nvPr>
+            <p:ph type="body" idx="1"/>
+          </p:nvPr>
+        </p:nvSpPr>
+        <p:spPr/>
+        <p:txBody>
+          <a:bodyPr/>
+          <a:lstStyle/>
+          <a:p>
+            <a:endParaRPr lang="hr-HR" dirty="0"/>
+          </a:p>
+        </p:txBody>
+      </p:sp>
+      <p:sp>
+        <p:nvSpPr>
+          <p:cNvPr id="4" name="Slide Number Placeholder 3"/>
+          <p:cNvSpPr>
+            <a:spLocks noGrp="1"/>
+          </p:cNvSpPr>
+          <p:nvPr>
+            <p:ph type="sldNum" sz="quarter" idx="10"/>
+          </p:nvPr>
+        </p:nvSpPr>
+        <p:spPr/>
+        <p:txBody>
+          <a:bodyPr/>
+          <a:lstStyle/>
+          <a:p>
+            <a:fld id="{F0397A2A-5CE1-4FD2-A6C4-23278FA733EC}" type="slidenum">
+              <a:rPr lang="hr-HR" smtClean="0"/>
+              <a:t>10</a:t>
+            </a:fld>
+            <a:endParaRPr lang="hr-HR"/>
+          </a:p>
+        </p:txBody>
+      </p:sp>
+    </p:spTree>
+    <p:extLst>
+      <p:ext uri="{BB962C8B-B14F-4D97-AF65-F5344CB8AC3E}">
+        <p14:creationId xmlns:p14="http://schemas.microsoft.com/office/powerpoint/2010/main" val="694890768"/>
+      </p:ext>
+    </p:extLst>
+  </p:cSld>
+  <p:clrMapOvr>
+    <a:masterClrMapping/>
+  </p:clrMapOvr>
+</p:notes>
+</file>
+
 <file path=ppt/slideLayouts/slideLayout1.xml><?xml version="1.0" encoding="utf-8"?>
 <p:sldLayout xmlns:a="http://schemas.openxmlformats.org/drawingml/2006/main" xmlns:r="http://schemas.openxmlformats.org/officeDocument/2006/relationships" xmlns:p="http://schemas.openxmlformats.org/presentationml/2006/main" type="title" preserve="1">
   <p:cSld name="Title Slide">
@@ -247,7 +2048,7 @@
           <a:p>
             <a:fld id="{178714AC-CB27-47AA-AF05-C632DF7D71A8}" type="datetimeFigureOut">
               <a:rPr lang="hr-HR" smtClean="0"/>
-              <a:t>6.4.2017.</a:t>
+              <a:t>1.5.2017.</a:t>
             </a:fld>
             <a:endParaRPr lang="hr-HR" dirty="0"/>
           </a:p>
@@ -417,7 +2218,7 @@
           <a:p>
             <a:fld id="{178714AC-CB27-47AA-AF05-C632DF7D71A8}" type="datetimeFigureOut">
               <a:rPr lang="hr-HR" smtClean="0"/>
-              <a:t>6.4.2017.</a:t>
+              <a:t>1.5.2017.</a:t>
             </a:fld>
             <a:endParaRPr lang="hr-HR" dirty="0"/>
           </a:p>
@@ -597,7 +2398,7 @@
           <a:p>
             <a:fld id="{178714AC-CB27-47AA-AF05-C632DF7D71A8}" type="datetimeFigureOut">
               <a:rPr lang="hr-HR" smtClean="0"/>
-              <a:t>6.4.2017.</a:t>
+              <a:t>1.5.2017.</a:t>
             </a:fld>
             <a:endParaRPr lang="hr-HR" dirty="0"/>
           </a:p>
@@ -767,7 +2568,7 @@
           <a:p>
             <a:fld id="{178714AC-CB27-47AA-AF05-C632DF7D71A8}" type="datetimeFigureOut">
               <a:rPr lang="hr-HR" smtClean="0"/>
-              <a:t>6.4.2017.</a:t>
+              <a:t>1.5.2017.</a:t>
             </a:fld>
             <a:endParaRPr lang="hr-HR" dirty="0"/>
           </a:p>
@@ -1013,7 +2814,7 @@
           <a:p>
             <a:fld id="{178714AC-CB27-47AA-AF05-C632DF7D71A8}" type="datetimeFigureOut">
               <a:rPr lang="hr-HR" smtClean="0"/>
-              <a:t>6.4.2017.</a:t>
+              <a:t>1.5.2017.</a:t>
             </a:fld>
             <a:endParaRPr lang="hr-HR" dirty="0"/>
           </a:p>
@@ -1245,7 +3046,7 @@
           <a:p>
             <a:fld id="{178714AC-CB27-47AA-AF05-C632DF7D71A8}" type="datetimeFigureOut">
               <a:rPr lang="hr-HR" smtClean="0"/>
-              <a:t>6.4.2017.</a:t>
+              <a:t>1.5.2017.</a:t>
             </a:fld>
             <a:endParaRPr lang="hr-HR" dirty="0"/>
           </a:p>
@@ -1612,7 +3413,7 @@
           <a:p>
             <a:fld id="{178714AC-CB27-47AA-AF05-C632DF7D71A8}" type="datetimeFigureOut">
               <a:rPr lang="hr-HR" smtClean="0"/>
-              <a:t>6.4.2017.</a:t>
+              <a:t>1.5.2017.</a:t>
             </a:fld>
             <a:endParaRPr lang="hr-HR" dirty="0"/>
           </a:p>
@@ -1730,7 +3531,7 @@
           <a:p>
             <a:fld id="{178714AC-CB27-47AA-AF05-C632DF7D71A8}" type="datetimeFigureOut">
               <a:rPr lang="hr-HR" smtClean="0"/>
-              <a:t>6.4.2017.</a:t>
+              <a:t>1.5.2017.</a:t>
             </a:fld>
             <a:endParaRPr lang="hr-HR" dirty="0"/>
           </a:p>
@@ -1825,7 +3626,7 @@
           <a:p>
             <a:fld id="{178714AC-CB27-47AA-AF05-C632DF7D71A8}" type="datetimeFigureOut">
               <a:rPr lang="hr-HR" smtClean="0"/>
-              <a:t>6.4.2017.</a:t>
+              <a:t>1.5.2017.</a:t>
             </a:fld>
             <a:endParaRPr lang="hr-HR" dirty="0"/>
           </a:p>
@@ -2102,7 +3903,7 @@
           <a:p>
             <a:fld id="{178714AC-CB27-47AA-AF05-C632DF7D71A8}" type="datetimeFigureOut">
               <a:rPr lang="hr-HR" smtClean="0"/>
-              <a:t>6.4.2017.</a:t>
+              <a:t>1.5.2017.</a:t>
             </a:fld>
             <a:endParaRPr lang="hr-HR" dirty="0"/>
           </a:p>
@@ -2355,7 +4156,7 @@
           <a:p>
             <a:fld id="{178714AC-CB27-47AA-AF05-C632DF7D71A8}" type="datetimeFigureOut">
               <a:rPr lang="hr-HR" smtClean="0"/>
-              <a:t>6.4.2017.</a:t>
+              <a:t>1.5.2017.</a:t>
             </a:fld>
             <a:endParaRPr lang="hr-HR" dirty="0"/>
           </a:p>
@@ -2568,7 +4369,7 @@
           <a:p>
             <a:fld id="{178714AC-CB27-47AA-AF05-C632DF7D71A8}" type="datetimeFigureOut">
               <a:rPr lang="hr-HR" smtClean="0"/>
-              <a:t>6.4.2017.</a:t>
+              <a:t>1.5.2017.</a:t>
             </a:fld>
             <a:endParaRPr lang="hr-HR" dirty="0"/>
           </a:p>
@@ -2980,7 +4781,7 @@
             <a:spLocks noGrp="1"/>
           </p:cNvSpPr>
           <p:nvPr>
-            <p:ph type="title"/>
+            <p:ph type="ctrTitle"/>
           </p:nvPr>
         </p:nvSpPr>
         <p:spPr/>
@@ -2990,114 +4791,61 @@
           <a:p>
             <a:r>
               <a:rPr lang="hr-HR" dirty="0" smtClean="0"/>
-              <a:t>1-2 MVC </a:t>
-            </a:r>
-            <a:r>
-              <a:rPr lang="hr-HR" dirty="0" err="1" smtClean="0"/>
-              <a:t>pattern</a:t>
-            </a:r>
-            <a:endParaRPr lang="hr-HR" dirty="0"/>
-          </a:p>
-        </p:txBody>
-      </p:sp>
-      <p:sp>
-        <p:nvSpPr>
-          <p:cNvPr id="5" name="Content Placeholder 4"/>
-          <p:cNvSpPr>
-            <a:spLocks noGrp="1"/>
-          </p:cNvSpPr>
-          <p:nvPr>
-            <p:ph idx="1"/>
-          </p:nvPr>
-        </p:nvSpPr>
-        <p:spPr/>
-        <p:txBody>
-          <a:bodyPr>
-            <a:normAutofit lnSpcReduction="10000"/>
-          </a:bodyPr>
-          <a:lstStyle/>
-          <a:p>
-            <a:r>
-              <a:rPr lang="hr-HR" dirty="0" smtClean="0"/>
-              <a:t>1) Povijest, zašto je i do danas najuspješniji </a:t>
-            </a:r>
-            <a:r>
-              <a:rPr lang="hr-HR" dirty="0" err="1" smtClean="0"/>
-              <a:t>pattern</a:t>
-            </a:r>
-            <a:r>
-              <a:rPr lang="hr-HR" dirty="0" smtClean="0"/>
-              <a:t> koji pomaže u razvoju čistih i održivih aplikacija. </a:t>
-            </a:r>
-          </a:p>
-          <a:p>
-            <a:r>
-              <a:rPr lang="hr-HR" dirty="0" smtClean="0"/>
-              <a:t>2) Detaljan opis - prilika koja se mora iskoristiti za 3)</a:t>
-            </a:r>
-          </a:p>
-          <a:p>
-            <a:r>
-              <a:rPr lang="hr-HR" dirty="0" smtClean="0"/>
-              <a:t>3) Kako organizirati kod da odgovara toj arhitekturi.</a:t>
-            </a:r>
-          </a:p>
-          <a:p>
-            <a:r>
-              <a:rPr lang="hr-HR" dirty="0" smtClean="0"/>
-              <a:t>4) Razmišljanje - prikaz i način implementacije u </a:t>
-            </a:r>
-            <a:r>
-              <a:rPr lang="hr-HR" dirty="0" err="1" smtClean="0"/>
-              <a:t>Angular</a:t>
-            </a:r>
-            <a:r>
-              <a:rPr lang="hr-HR" dirty="0" smtClean="0"/>
-              <a:t> 1 </a:t>
-            </a:r>
-            <a:r>
-              <a:rPr lang="hr-HR" dirty="0" err="1" smtClean="0"/>
-              <a:t>controllera</a:t>
-            </a:r>
-            <a:r>
-              <a:rPr lang="hr-HR" dirty="0" smtClean="0"/>
-              <a:t> - servisa - </a:t>
-            </a:r>
-            <a:r>
-              <a:rPr lang="hr-HR" dirty="0" err="1" smtClean="0"/>
-              <a:t>viewa</a:t>
-            </a:r>
-            <a:r>
-              <a:rPr lang="hr-HR" dirty="0" smtClean="0"/>
-              <a:t>.</a:t>
-            </a:r>
-          </a:p>
-          <a:p>
-            <a:r>
-              <a:rPr lang="hr-HR" dirty="0" smtClean="0"/>
-              <a:t>5) Razmišljanje - prikaz i način implementacije u ASP.NET </a:t>
+              <a:t>1-2 </a:t>
             </a:r>
             <a:r>
               <a:rPr lang="hr-HR" dirty="0" err="1" smtClean="0"/>
               <a:t>Mvc</a:t>
             </a:r>
+            <a:endParaRPr lang="hr-HR" dirty="0"/>
+          </a:p>
+        </p:txBody>
+      </p:sp>
+      <p:sp>
+        <p:nvSpPr>
+          <p:cNvPr id="5" name="Subtitle 4"/>
+          <p:cNvSpPr>
+            <a:spLocks noGrp="1"/>
+          </p:cNvSpPr>
+          <p:nvPr>
+            <p:ph type="subTitle" idx="1"/>
+          </p:nvPr>
+        </p:nvSpPr>
+        <p:spPr/>
+        <p:txBody>
+          <a:bodyPr/>
+          <a:lstStyle/>
+          <a:p>
             <a:r>
               <a:rPr lang="hr-HR" dirty="0" smtClean="0"/>
-              <a:t>-u i </a:t>
+              <a:t>MS </a:t>
             </a:r>
             <a:r>
               <a:rPr lang="hr-HR" dirty="0" err="1" smtClean="0"/>
-              <a:t>WebAPI</a:t>
+              <a:t>Full</a:t>
             </a:r>
             <a:r>
               <a:rPr lang="hr-HR" dirty="0" smtClean="0"/>
-              <a:t>-au</a:t>
-            </a:r>
-          </a:p>
-          <a:p>
+              <a:t> </a:t>
+            </a:r>
+            <a:r>
+              <a:rPr lang="hr-HR" dirty="0" err="1" smtClean="0"/>
+              <a:t>Stack</a:t>
+            </a:r>
             <a:r>
               <a:rPr lang="hr-HR" dirty="0" smtClean="0"/>
-              <a:t>6) spomenuti varijantu MVVM za WPF aplikacije. Mini problematika pristupa (eventualno PRISM u 2-3 rečenice)</a:t>
+              <a:t> radionica</a:t>
+            </a:r>
+            <a:br>
+              <a:rPr lang="hr-HR" dirty="0" smtClean="0"/>
+            </a:br>
+            <a:r>
+              <a:rPr lang="hr-HR" dirty="0" smtClean="0"/>
+              <a:t>Maro Marčinko-Matija </a:t>
+            </a:r>
+            <a:r>
+              <a:rPr lang="hr-HR" dirty="0" err="1" smtClean="0"/>
+              <a:t>Hrženjak</a:t>
             </a:r>
             <a:endParaRPr lang="hr-HR" dirty="0"/>
           </a:p>
@@ -3106,13 +4854,410 @@
     </p:spTree>
     <p:extLst>
       <p:ext uri="{BB962C8B-B14F-4D97-AF65-F5344CB8AC3E}">
-        <p14:creationId xmlns:p14="http://schemas.microsoft.com/office/powerpoint/2010/main" val="2583431650"/>
+        <p14:creationId xmlns:p14="http://schemas.microsoft.com/office/powerpoint/2010/main" val="1326051941"/>
       </p:ext>
     </p:extLst>
   </p:cSld>
   <p:clrMapOvr>
     <a:masterClrMapping/>
   </p:clrMapOvr>
+  <p:timing>
+    <p:tnLst>
+      <p:par>
+        <p:cTn id="1" dur="indefinite" restart="never" nodeType="tmRoot"/>
+      </p:par>
+    </p:tnLst>
+  </p:timing>
+</p:sld>
+</file>
+
+<file path=ppt/slides/slide10.xml><?xml version="1.0" encoding="utf-8"?>
+<p:sld xmlns:a="http://schemas.openxmlformats.org/drawingml/2006/main" xmlns:r="http://schemas.openxmlformats.org/officeDocument/2006/relationships" xmlns:p="http://schemas.openxmlformats.org/presentationml/2006/main">
+  <p:cSld>
+    <p:spTree>
+      <p:nvGrpSpPr>
+        <p:cNvPr id="1" name=""/>
+        <p:cNvGrpSpPr/>
+        <p:nvPr/>
+      </p:nvGrpSpPr>
+      <p:grpSpPr>
+        <a:xfrm>
+          <a:off x="0" y="0"/>
+          <a:ext cx="0" cy="0"/>
+          <a:chOff x="0" y="0"/>
+          <a:chExt cx="0" cy="0"/>
+        </a:xfrm>
+      </p:grpSpPr>
+      <p:sp>
+        <p:nvSpPr>
+          <p:cNvPr id="2" name="Title 1"/>
+          <p:cNvSpPr>
+            <a:spLocks noGrp="1"/>
+          </p:cNvSpPr>
+          <p:nvPr>
+            <p:ph type="title"/>
+          </p:nvPr>
+        </p:nvSpPr>
+        <p:spPr/>
+        <p:txBody>
+          <a:bodyPr/>
+          <a:lstStyle/>
+          <a:p>
+            <a:r>
+              <a:rPr lang="hr-HR" dirty="0" smtClean="0"/>
+              <a:t>Varijante</a:t>
+            </a:r>
+            <a:endParaRPr lang="hr-HR" dirty="0"/>
+          </a:p>
+        </p:txBody>
+      </p:sp>
+      <p:sp>
+        <p:nvSpPr>
+          <p:cNvPr id="3" name="Content Placeholder 2"/>
+          <p:cNvSpPr>
+            <a:spLocks noGrp="1"/>
+          </p:cNvSpPr>
+          <p:nvPr>
+            <p:ph idx="1"/>
+          </p:nvPr>
+        </p:nvSpPr>
+        <p:spPr/>
+        <p:txBody>
+          <a:bodyPr/>
+          <a:lstStyle/>
+          <a:p>
+            <a:r>
+              <a:rPr lang="hr-HR" dirty="0" smtClean="0"/>
+              <a:t>Model – </a:t>
+            </a:r>
+            <a:r>
+              <a:rPr lang="hr-HR" dirty="0" err="1" smtClean="0"/>
+              <a:t>View</a:t>
+            </a:r>
+            <a:r>
+              <a:rPr lang="hr-HR" dirty="0" smtClean="0"/>
+              <a:t> – </a:t>
+            </a:r>
+            <a:r>
+              <a:rPr lang="hr-HR" dirty="0" err="1" smtClean="0"/>
+              <a:t>Presenter</a:t>
+            </a:r>
+            <a:endParaRPr lang="hr-HR" dirty="0" smtClean="0"/>
+          </a:p>
+          <a:p>
+            <a:r>
+              <a:rPr lang="hr-HR" dirty="0" smtClean="0"/>
+              <a:t>Model – </a:t>
+            </a:r>
+            <a:r>
+              <a:rPr lang="hr-HR" dirty="0" err="1" smtClean="0"/>
+              <a:t>View</a:t>
+            </a:r>
+            <a:r>
+              <a:rPr lang="hr-HR" dirty="0" smtClean="0"/>
+              <a:t> – </a:t>
+            </a:r>
+            <a:r>
+              <a:rPr lang="hr-HR" dirty="0" err="1" smtClean="0"/>
+              <a:t>ViewModel</a:t>
+            </a:r>
+            <a:r>
+              <a:rPr lang="hr-HR" dirty="0" smtClean="0"/>
+              <a:t> (PRISM)</a:t>
+            </a:r>
+            <a:endParaRPr lang="hr-HR" dirty="0"/>
+          </a:p>
+        </p:txBody>
+      </p:sp>
+      <p:pic>
+        <p:nvPicPr>
+          <p:cNvPr id="3074" name="Picture 2" descr="https://manojjaggavarapu.files.wordpress.com/2012/05/mvpsequence.png"/>
+          <p:cNvPicPr>
+            <a:picLocks noChangeAspect="1" noChangeArrowheads="1"/>
+          </p:cNvPicPr>
+          <p:nvPr/>
+        </p:nvPicPr>
+        <p:blipFill>
+          <a:blip r:embed="rId3">
+            <a:extLst>
+              <a:ext uri="{28A0092B-C50C-407E-A947-70E740481C1C}">
+                <a14:useLocalDpi xmlns:a14="http://schemas.microsoft.com/office/drawing/2010/main" val="0"/>
+              </a:ext>
+            </a:extLst>
+          </a:blip>
+          <a:srcRect/>
+          <a:stretch>
+            <a:fillRect/>
+          </a:stretch>
+        </p:blipFill>
+        <p:spPr bwMode="auto">
+          <a:xfrm>
+            <a:off x="6943237" y="1382529"/>
+            <a:ext cx="4791075" cy="2275071"/>
+          </a:xfrm>
+          <a:prstGeom prst="rect">
+            <a:avLst/>
+          </a:prstGeom>
+          <a:noFill/>
+          <a:extLst>
+            <a:ext uri="{909E8E84-426E-40DD-AFC4-6F175D3DCCD1}">
+              <a14:hiddenFill xmlns:a14="http://schemas.microsoft.com/office/drawing/2010/main">
+                <a:solidFill>
+                  <a:srgbClr val="FFFFFF"/>
+                </a:solidFill>
+              </a14:hiddenFill>
+            </a:ext>
+          </a:extLst>
+        </p:spPr>
+      </p:pic>
+      <p:pic>
+        <p:nvPicPr>
+          <p:cNvPr id="3076" name="Picture 4" descr="mvp-supervisingcontroller.png (723×469)"/>
+          <p:cNvPicPr>
+            <a:picLocks noChangeAspect="1" noChangeArrowheads="1"/>
+          </p:cNvPicPr>
+          <p:nvPr/>
+        </p:nvPicPr>
+        <p:blipFill>
+          <a:blip r:embed="rId4">
+            <a:extLst>
+              <a:ext uri="{28A0092B-C50C-407E-A947-70E740481C1C}">
+                <a14:useLocalDpi xmlns:a14="http://schemas.microsoft.com/office/drawing/2010/main" val="0"/>
+              </a:ext>
+            </a:extLst>
+          </a:blip>
+          <a:srcRect/>
+          <a:stretch>
+            <a:fillRect/>
+          </a:stretch>
+        </p:blipFill>
+        <p:spPr bwMode="auto">
+          <a:xfrm>
+            <a:off x="554160" y="2989751"/>
+            <a:ext cx="4674578" cy="3134580"/>
+          </a:xfrm>
+          <a:prstGeom prst="rect">
+            <a:avLst/>
+          </a:prstGeom>
+          <a:noFill/>
+          <a:extLst>
+            <a:ext uri="{909E8E84-426E-40DD-AFC4-6F175D3DCCD1}">
+              <a14:hiddenFill xmlns:a14="http://schemas.microsoft.com/office/drawing/2010/main">
+                <a:solidFill>
+                  <a:srgbClr val="FFFFFF"/>
+                </a:solidFill>
+              </a14:hiddenFill>
+            </a:ext>
+          </a:extLst>
+        </p:spPr>
+      </p:pic>
+      <p:pic>
+        <p:nvPicPr>
+          <p:cNvPr id="3078" name="Picture 6" descr="https://manojjaggavarapu.files.wordpress.com/2012/05/image.png"/>
+          <p:cNvPicPr>
+            <a:picLocks noChangeAspect="1" noChangeArrowheads="1"/>
+          </p:cNvPicPr>
+          <p:nvPr/>
+        </p:nvPicPr>
+        <p:blipFill>
+          <a:blip r:embed="rId5">
+            <a:extLst>
+              <a:ext uri="{28A0092B-C50C-407E-A947-70E740481C1C}">
+                <a14:useLocalDpi xmlns:a14="http://schemas.microsoft.com/office/drawing/2010/main" val="0"/>
+              </a:ext>
+            </a:extLst>
+          </a:blip>
+          <a:srcRect/>
+          <a:stretch>
+            <a:fillRect/>
+          </a:stretch>
+        </p:blipFill>
+        <p:spPr bwMode="auto">
+          <a:xfrm>
+            <a:off x="5955323" y="3657600"/>
+            <a:ext cx="5778989" cy="2446826"/>
+          </a:xfrm>
+          <a:prstGeom prst="rect">
+            <a:avLst/>
+          </a:prstGeom>
+          <a:noFill/>
+          <a:extLst>
+            <a:ext uri="{909E8E84-426E-40DD-AFC4-6F175D3DCCD1}">
+              <a14:hiddenFill xmlns:a14="http://schemas.microsoft.com/office/drawing/2010/main">
+                <a:solidFill>
+                  <a:srgbClr val="FFFFFF"/>
+                </a:solidFill>
+              </a14:hiddenFill>
+            </a:ext>
+          </a:extLst>
+        </p:spPr>
+      </p:pic>
+    </p:spTree>
+    <p:extLst>
+      <p:ext uri="{BB962C8B-B14F-4D97-AF65-F5344CB8AC3E}">
+        <p14:creationId xmlns:p14="http://schemas.microsoft.com/office/powerpoint/2010/main" val="3030211836"/>
+      </p:ext>
+    </p:extLst>
+  </p:cSld>
+  <p:clrMapOvr>
+    <a:masterClrMapping/>
+  </p:clrMapOvr>
+  <p:timing>
+    <p:tnLst>
+      <p:par>
+        <p:cTn id="1" dur="indefinite" restart="never" nodeType="tmRoot"/>
+      </p:par>
+    </p:tnLst>
+  </p:timing>
+</p:sld>
+</file>
+
+<file path=ppt/slides/slide11.xml><?xml version="1.0" encoding="utf-8"?>
+<p:sld xmlns:a="http://schemas.openxmlformats.org/drawingml/2006/main" xmlns:r="http://schemas.openxmlformats.org/officeDocument/2006/relationships" xmlns:p="http://schemas.openxmlformats.org/presentationml/2006/main">
+  <p:cSld>
+    <p:spTree>
+      <p:nvGrpSpPr>
+        <p:cNvPr id="1" name=""/>
+        <p:cNvGrpSpPr/>
+        <p:nvPr/>
+      </p:nvGrpSpPr>
+      <p:grpSpPr>
+        <a:xfrm>
+          <a:off x="0" y="0"/>
+          <a:ext cx="0" cy="0"/>
+          <a:chOff x="0" y="0"/>
+          <a:chExt cx="0" cy="0"/>
+        </a:xfrm>
+      </p:grpSpPr>
+      <p:sp>
+        <p:nvSpPr>
+          <p:cNvPr id="2" name="Title 1"/>
+          <p:cNvSpPr>
+            <a:spLocks noGrp="1"/>
+          </p:cNvSpPr>
+          <p:nvPr>
+            <p:ph type="title"/>
+          </p:nvPr>
+        </p:nvSpPr>
+        <p:spPr/>
+        <p:txBody>
+          <a:bodyPr/>
+          <a:lstStyle/>
+          <a:p>
+            <a:r>
+              <a:rPr lang="hr-HR" dirty="0" smtClean="0"/>
+              <a:t>Koristi se</a:t>
+            </a:r>
+            <a:endParaRPr lang="hr-HR" dirty="0"/>
+          </a:p>
+        </p:txBody>
+      </p:sp>
+      <p:pic>
+        <p:nvPicPr>
+          <p:cNvPr id="4098" name="Picture 2" descr="http://o7planning.org/en/10129/cache/images/i/710264.png"/>
+          <p:cNvPicPr>
+            <a:picLocks noChangeAspect="1" noChangeArrowheads="1"/>
+          </p:cNvPicPr>
+          <p:nvPr/>
+        </p:nvPicPr>
+        <p:blipFill>
+          <a:blip r:embed="rId2">
+            <a:extLst>
+              <a:ext uri="{28A0092B-C50C-407E-A947-70E740481C1C}">
+                <a14:useLocalDpi xmlns:a14="http://schemas.microsoft.com/office/drawing/2010/main" val="0"/>
+              </a:ext>
+            </a:extLst>
+          </a:blip>
+          <a:srcRect/>
+          <a:stretch>
+            <a:fillRect/>
+          </a:stretch>
+        </p:blipFill>
+        <p:spPr bwMode="auto">
+          <a:xfrm>
+            <a:off x="659667" y="1751013"/>
+            <a:ext cx="4064733" cy="1905000"/>
+          </a:xfrm>
+          <a:prstGeom prst="rect">
+            <a:avLst/>
+          </a:prstGeom>
+          <a:noFill/>
+          <a:extLst>
+            <a:ext uri="{909E8E84-426E-40DD-AFC4-6F175D3DCCD1}">
+              <a14:hiddenFill xmlns:a14="http://schemas.microsoft.com/office/drawing/2010/main">
+                <a:solidFill>
+                  <a:srgbClr val="FFFFFF"/>
+                </a:solidFill>
+              </a14:hiddenFill>
+            </a:ext>
+          </a:extLst>
+        </p:spPr>
+      </p:pic>
+      <p:pic>
+        <p:nvPicPr>
+          <p:cNvPr id="5" name="Picture 4"/>
+          <p:cNvPicPr>
+            <a:picLocks noChangeAspect="1"/>
+          </p:cNvPicPr>
+          <p:nvPr/>
+        </p:nvPicPr>
+        <p:blipFill>
+          <a:blip r:embed="rId3"/>
+          <a:stretch>
+            <a:fillRect/>
+          </a:stretch>
+        </p:blipFill>
+        <p:spPr>
+          <a:xfrm>
+            <a:off x="5591908" y="1690687"/>
+            <a:ext cx="3763107" cy="1965325"/>
+          </a:xfrm>
+          <a:prstGeom prst="rect">
+            <a:avLst/>
+          </a:prstGeom>
+        </p:spPr>
+      </p:pic>
+      <p:pic>
+        <p:nvPicPr>
+          <p:cNvPr id="7" name="Picture 6"/>
+          <p:cNvPicPr>
+            <a:picLocks noChangeAspect="1"/>
+          </p:cNvPicPr>
+          <p:nvPr/>
+        </p:nvPicPr>
+        <p:blipFill>
+          <a:blip r:embed="rId4"/>
+          <a:stretch>
+            <a:fillRect/>
+          </a:stretch>
+        </p:blipFill>
+        <p:spPr>
+          <a:xfrm>
+            <a:off x="2535358" y="3728059"/>
+            <a:ext cx="5436334" cy="2297601"/>
+          </a:xfrm>
+          <a:prstGeom prst="rect">
+            <a:avLst/>
+          </a:prstGeom>
+        </p:spPr>
+      </p:pic>
+    </p:spTree>
+    <p:extLst>
+      <p:ext uri="{BB962C8B-B14F-4D97-AF65-F5344CB8AC3E}">
+        <p14:creationId xmlns:p14="http://schemas.microsoft.com/office/powerpoint/2010/main" val="4114524084"/>
+      </p:ext>
+    </p:extLst>
+  </p:cSld>
+  <p:clrMapOvr>
+    <a:masterClrMapping/>
+  </p:clrMapOvr>
+  <p:timing>
+    <p:tnLst>
+      <p:par>
+        <p:cTn id="1" dur="indefinite" restart="never" nodeType="tmRoot"/>
+      </p:par>
+    </p:tnLst>
+  </p:timing>
 </p:sld>
 </file>
 
@@ -3150,7 +5295,7 @@
           <a:p>
             <a:r>
               <a:rPr lang="hr-HR" dirty="0" smtClean="0"/>
-              <a:t>Povijest</a:t>
+              <a:t>Sadržaj</a:t>
             </a:r>
             <a:endParaRPr lang="hr-HR" dirty="0"/>
           </a:p>
@@ -3168,44 +5313,77 @@
         </p:nvSpPr>
         <p:spPr/>
         <p:txBody>
-          <a:bodyPr/>
+          <a:bodyPr>
+            <a:normAutofit/>
+          </a:bodyPr>
           <a:lstStyle/>
           <a:p>
             <a:r>
               <a:rPr lang="hr-HR" dirty="0" smtClean="0"/>
-              <a:t>Zamišljen za desktop razvoj</a:t>
-            </a:r>
+              <a:t>Povijest i zašto se koristi</a:t>
+            </a:r>
+            <a:endParaRPr lang="hr-HR" dirty="0"/>
           </a:p>
           <a:p>
             <a:r>
               <a:rPr lang="hr-HR" dirty="0" smtClean="0"/>
-              <a:t>Pojavio se još u 80-ima, ali zaživio tek 96-e</a:t>
-            </a:r>
+              <a:t>Detaljan opis i organizacija koda</a:t>
+            </a:r>
+            <a:endParaRPr lang="hr-HR" dirty="0"/>
           </a:p>
           <a:p>
             <a:r>
               <a:rPr lang="hr-HR" dirty="0" smtClean="0"/>
-              <a:t>Razne vrste se </a:t>
+              <a:t>Kako </a:t>
+            </a:r>
+            <a:r>
+              <a:rPr lang="hr-HR" dirty="0"/>
+              <a:t>organizirati kod da odgovara toj arhitekturi.</a:t>
+            </a:r>
+          </a:p>
+          <a:p>
+            <a:r>
+              <a:rPr lang="hr-HR" dirty="0" smtClean="0"/>
+              <a:t>Način </a:t>
+            </a:r>
+            <a:r>
+              <a:rPr lang="hr-HR" dirty="0"/>
+              <a:t>implementacije u ASP.NET </a:t>
+            </a:r>
+            <a:r>
+              <a:rPr lang="hr-HR" dirty="0" err="1"/>
+              <a:t>Mvc</a:t>
+            </a:r>
+            <a:r>
+              <a:rPr lang="hr-HR" dirty="0"/>
+              <a:t>-u i </a:t>
+            </a:r>
+            <a:r>
+              <a:rPr lang="hr-HR" dirty="0" err="1"/>
+              <a:t>WebAPI</a:t>
+            </a:r>
+            <a:r>
+              <a:rPr lang="hr-HR" dirty="0"/>
+              <a:t>-au</a:t>
+            </a:r>
+          </a:p>
+          <a:p>
+            <a:r>
+              <a:rPr lang="hr-HR" dirty="0" smtClean="0"/>
+              <a:t>Razne varijante </a:t>
             </a:r>
             <a:r>
               <a:rPr lang="hr-HR" dirty="0" err="1" smtClean="0"/>
-              <a:t>izgranale</a:t>
-            </a:r>
-            <a:r>
-              <a:rPr lang="hr-HR" dirty="0" smtClean="0"/>
-              <a:t> – MVVM, MVA…</a:t>
-            </a:r>
-          </a:p>
-          <a:p>
-            <a:r>
-              <a:rPr lang="hr-HR" dirty="0" smtClean="0"/>
-              <a:t>Danas popularan jedinstveni naziv MVW</a:t>
-            </a:r>
-          </a:p>
-          <a:p>
-            <a:endParaRPr lang="hr-HR" dirty="0" smtClean="0"/>
-          </a:p>
-          <a:p>
+              <a:t>Mvc</a:t>
+            </a:r>
+            <a:r>
+              <a:rPr lang="hr-HR" dirty="0"/>
+              <a:t> </a:t>
+            </a:r>
+            <a:r>
+              <a:rPr lang="hr-HR" dirty="0" err="1" smtClean="0"/>
+              <a:t>patterna</a:t>
+            </a:r>
             <a:endParaRPr lang="hr-HR" dirty="0"/>
           </a:p>
         </p:txBody>
@@ -3213,13 +5391,20 @@
     </p:spTree>
     <p:extLst>
       <p:ext uri="{BB962C8B-B14F-4D97-AF65-F5344CB8AC3E}">
-        <p14:creationId xmlns:p14="http://schemas.microsoft.com/office/powerpoint/2010/main" val="1045409781"/>
+        <p14:creationId xmlns:p14="http://schemas.microsoft.com/office/powerpoint/2010/main" val="2861341759"/>
       </p:ext>
     </p:extLst>
   </p:cSld>
   <p:clrMapOvr>
     <a:masterClrMapping/>
   </p:clrMapOvr>
+  <p:timing>
+    <p:tnLst>
+      <p:par>
+        <p:cTn id="1" dur="indefinite" restart="never" nodeType="tmRoot"/>
+      </p:par>
+    </p:tnLst>
+  </p:timing>
 </p:sld>
 </file>
 
@@ -3255,124 +5440,100 @@
           <a:bodyPr/>
           <a:lstStyle/>
           <a:p>
-            <a:r>
-              <a:rPr lang="hr-HR" dirty="0" smtClean="0"/>
-              <a:t>MVC</a:t>
-            </a:r>
-            <a:endParaRPr lang="hr-HR" dirty="0"/>
-          </a:p>
-        </p:txBody>
-      </p:sp>
-      <p:sp>
-        <p:nvSpPr>
-          <p:cNvPr id="3" name="Content Placeholder 2"/>
-          <p:cNvSpPr>
-            <a:spLocks noGrp="1"/>
-          </p:cNvSpPr>
-          <p:nvPr>
-            <p:ph idx="1"/>
-          </p:nvPr>
-        </p:nvSpPr>
-        <p:spPr/>
+            <a:endParaRPr lang="hr-HR"/>
+          </a:p>
+        </p:txBody>
+      </p:sp>
+      <p:sp>
+        <p:nvSpPr>
+          <p:cNvPr id="10" name="Rectangle 5"/>
+          <p:cNvSpPr>
+            <a:spLocks noChangeArrowheads="1"/>
+          </p:cNvSpPr>
+          <p:nvPr/>
+        </p:nvSpPr>
+        <p:spPr bwMode="auto">
+          <a:xfrm>
+            <a:off x="2719254" y="2129243"/>
+            <a:ext cx="5638800" cy="2308225"/>
+          </a:xfrm>
+          <a:prstGeom prst="rect">
+            <a:avLst/>
+          </a:prstGeom>
+          <a:noFill/>
+          <a:ln w="9525">
+            <a:noFill/>
+            <a:miter lim="800000"/>
+            <a:headEnd/>
+            <a:tailEnd/>
+          </a:ln>
+        </p:spPr>
         <p:txBody>
           <a:bodyPr>
-            <a:normAutofit lnSpcReduction="10000"/>
+            <a:spAutoFit/>
           </a:bodyPr>
           <a:lstStyle/>
           <a:p>
-            <a:r>
-              <a:rPr lang="hr-HR" dirty="0" smtClean="0"/>
-              <a:t>Model, </a:t>
-            </a:r>
-            <a:r>
-              <a:rPr lang="hr-HR" dirty="0" err="1" smtClean="0"/>
-              <a:t>View</a:t>
-            </a:r>
-            <a:r>
-              <a:rPr lang="hr-HR" dirty="0" smtClean="0"/>
-              <a:t>, </a:t>
-            </a:r>
-            <a:r>
-              <a:rPr lang="hr-HR" dirty="0" err="1" smtClean="0"/>
-              <a:t>Controller</a:t>
-            </a:r>
-            <a:endParaRPr lang="hr-HR" dirty="0" smtClean="0"/>
-          </a:p>
-          <a:p>
-            <a:r>
-              <a:rPr lang="hr-HR" dirty="0" smtClean="0"/>
-              <a:t>Model</a:t>
-            </a:r>
-          </a:p>
-          <a:p>
-            <a:pPr lvl="1"/>
-            <a:r>
-              <a:rPr lang="hr-HR" dirty="0" smtClean="0"/>
-              <a:t>Domenska logika</a:t>
-            </a:r>
-          </a:p>
-          <a:p>
-            <a:pPr lvl="1"/>
-            <a:r>
-              <a:rPr lang="hr-HR" dirty="0" smtClean="0"/>
-              <a:t>Obrada, dohvat i pohrana podataka</a:t>
-            </a:r>
-            <a:endParaRPr lang="hr-HR" dirty="0"/>
-          </a:p>
-          <a:p>
-            <a:r>
-              <a:rPr lang="hr-HR" dirty="0" err="1" smtClean="0"/>
-              <a:t>View</a:t>
-            </a:r>
-            <a:endParaRPr lang="hr-HR" dirty="0" smtClean="0"/>
-          </a:p>
-          <a:p>
-            <a:pPr lvl="1"/>
-            <a:r>
-              <a:rPr lang="hr-HR" dirty="0" smtClean="0"/>
-              <a:t>Prikaz podataka</a:t>
-            </a:r>
-          </a:p>
-          <a:p>
-            <a:pPr lvl="1"/>
-            <a:r>
-              <a:rPr lang="hr-HR" dirty="0" smtClean="0"/>
-              <a:t>Prikaz korisničkih opcija</a:t>
-            </a:r>
-          </a:p>
-          <a:p>
-            <a:r>
-              <a:rPr lang="hr-HR" dirty="0" err="1" smtClean="0"/>
-              <a:t>Controller</a:t>
-            </a:r>
-            <a:endParaRPr lang="hr-HR" dirty="0" smtClean="0"/>
-          </a:p>
-          <a:p>
-            <a:pPr lvl="1"/>
-            <a:r>
-              <a:rPr lang="hr-HR" dirty="0" smtClean="0"/>
-              <a:t>Pretvorba domenskih podataka u podatke za prikaz</a:t>
-            </a:r>
-          </a:p>
-          <a:p>
-            <a:pPr lvl="1"/>
-            <a:r>
-              <a:rPr lang="hr-HR" dirty="0" smtClean="0"/>
-              <a:t>Prihvaćanje korisničkih akcija i pozivanje metoda iz modela</a:t>
-            </a:r>
+            <a:pPr algn="ctr"/>
+            <a:r>
+              <a:rPr lang="en-US" sz="2400" b="1" i="1" dirty="0">
+                <a:latin typeface="Century Schoolbook" pitchFamily="18" charset="0"/>
+              </a:rPr>
+              <a:t>Any fool can write code that a computer can understand.</a:t>
+            </a:r>
+          </a:p>
+          <a:p>
+            <a:pPr algn="ctr"/>
+            <a:r>
+              <a:rPr lang="en-US" sz="2400" b="1" i="1" dirty="0">
+                <a:latin typeface="Century Schoolbook" pitchFamily="18" charset="0"/>
+              </a:rPr>
+              <a:t>Good programmers write code that humans can understand.</a:t>
+            </a:r>
+          </a:p>
+          <a:p>
+            <a:pPr algn="ctr"/>
+            <a:endParaRPr lang="hr-HR" sz="2400" b="1" i="1" dirty="0">
+              <a:latin typeface="Century Schoolbook" pitchFamily="18" charset="0"/>
+            </a:endParaRPr>
+          </a:p>
+          <a:p>
+            <a:pPr algn="just"/>
+            <a:r>
+              <a:rPr lang="hr-HR" sz="2400" b="1" i="1" dirty="0">
+                <a:latin typeface="Century Schoolbook" pitchFamily="18" charset="0"/>
+              </a:rPr>
+              <a:t>			     Martin </a:t>
+            </a:r>
+            <a:r>
+              <a:rPr lang="hr-HR" sz="2400" b="1" i="1" dirty="0" err="1">
+                <a:latin typeface="Century Schoolbook" pitchFamily="18" charset="0"/>
+              </a:rPr>
+              <a:t>Fowler</a:t>
+            </a:r>
+            <a:endParaRPr lang="en-US" sz="2400" b="1" i="1" dirty="0">
+              <a:latin typeface="Century Schoolbook" pitchFamily="18" charset="0"/>
+            </a:endParaRPr>
           </a:p>
         </p:txBody>
       </p:sp>
     </p:spTree>
     <p:extLst>
       <p:ext uri="{BB962C8B-B14F-4D97-AF65-F5344CB8AC3E}">
-        <p14:creationId xmlns:p14="http://schemas.microsoft.com/office/powerpoint/2010/main" val="748501356"/>
+        <p14:creationId xmlns:p14="http://schemas.microsoft.com/office/powerpoint/2010/main" val="3531353895"/>
       </p:ext>
     </p:extLst>
   </p:cSld>
   <p:clrMapOvr>
     <a:masterClrMapping/>
   </p:clrMapOvr>
+  <p:timing>
+    <p:tnLst>
+      <p:par>
+        <p:cTn id="1" dur="indefinite" restart="never" nodeType="tmRoot"/>
+      </p:par>
+    </p:tnLst>
+  </p:timing>
 </p:sld>
 </file>
 
@@ -3410,7 +5571,7 @@
           <a:p>
             <a:r>
               <a:rPr lang="hr-HR" dirty="0" smtClean="0"/>
-              <a:t>Prednosti</a:t>
+              <a:t>Povijest</a:t>
             </a:r>
             <a:endParaRPr lang="hr-HR" dirty="0"/>
           </a:p>
@@ -3428,125 +5589,206 @@
         </p:nvSpPr>
         <p:spPr/>
         <p:txBody>
-          <a:bodyPr>
-            <a:normAutofit lnSpcReduction="10000"/>
-          </a:bodyPr>
+          <a:bodyPr/>
           <a:lstStyle/>
           <a:p>
             <a:r>
               <a:rPr lang="hr-HR" dirty="0" smtClean="0"/>
-              <a:t>Timski rad</a:t>
-            </a:r>
-          </a:p>
-          <a:p>
-            <a:pPr lvl="1"/>
-            <a:r>
-              <a:rPr lang="hr-HR" dirty="0" smtClean="0"/>
-              <a:t>Moguće podijeliti posao za pojedini sloj</a:t>
-            </a:r>
-          </a:p>
-          <a:p>
-            <a:pPr lvl="1"/>
-            <a:r>
-              <a:rPr lang="hr-HR" dirty="0" smtClean="0"/>
-              <a:t>Moguće podijeliti posao po logičkoj cjelini</a:t>
-            </a:r>
-          </a:p>
-          <a:p>
-            <a:r>
-              <a:rPr lang="hr-HR" dirty="0" err="1" smtClean="0"/>
-              <a:t>Loose</a:t>
-            </a:r>
-            <a:r>
-              <a:rPr lang="hr-HR" dirty="0" smtClean="0"/>
+              <a:t>Kreirao ga </a:t>
+            </a:r>
+            <a:r>
+              <a:rPr lang="hr-HR" dirty="0"/>
+              <a:t>je </a:t>
+            </a:r>
+            <a:r>
+              <a:rPr lang="hr-HR" i="1" dirty="0" err="1"/>
+              <a:t>Trygve</a:t>
+            </a:r>
+            <a:r>
+              <a:rPr lang="hr-HR" i="1" dirty="0"/>
               <a:t> </a:t>
             </a:r>
             <a:r>
-              <a:rPr lang="hr-HR" dirty="0" err="1" smtClean="0"/>
-              <a:t>coupling</a:t>
-            </a:r>
-            <a:endParaRPr lang="hr-HR" dirty="0" smtClean="0"/>
-          </a:p>
-          <a:p>
-            <a:pPr lvl="1"/>
-            <a:r>
-              <a:rPr lang="hr-HR" dirty="0" smtClean="0"/>
-              <a:t>Lagano zamijeniti pojedini dio</a:t>
-            </a:r>
-          </a:p>
-          <a:p>
-            <a:pPr lvl="1"/>
-            <a:r>
-              <a:rPr lang="hr-HR" dirty="0" smtClean="0"/>
-              <a:t>Lako nadograditi</a:t>
-            </a:r>
-            <a:endParaRPr lang="hr-HR" dirty="0"/>
-          </a:p>
-          <a:p>
-            <a:r>
-              <a:rPr lang="hr-HR" dirty="0" smtClean="0"/>
-              <a:t>Moguće imati više </a:t>
-            </a:r>
-            <a:r>
-              <a:rPr lang="hr-HR" dirty="0" err="1" smtClean="0"/>
-              <a:t>Viewova</a:t>
-            </a:r>
-            <a:r>
-              <a:rPr lang="hr-HR" dirty="0" smtClean="0"/>
-              <a:t> za isti model</a:t>
-            </a:r>
-          </a:p>
-          <a:p>
-            <a:pPr lvl="1"/>
-            <a:r>
-              <a:rPr lang="hr-HR" dirty="0" err="1" smtClean="0"/>
-              <a:t>Device</a:t>
-            </a:r>
-            <a:r>
-              <a:rPr lang="hr-HR" dirty="0" smtClean="0"/>
+              <a:rPr lang="hr-HR" i="1" dirty="0" err="1"/>
+              <a:t>Mikkjel</a:t>
+            </a:r>
+            <a:r>
+              <a:rPr lang="hr-HR" i="1" dirty="0"/>
               <a:t> </a:t>
             </a:r>
             <a:r>
-              <a:rPr lang="hr-HR" dirty="0" err="1" smtClean="0"/>
-              <a:t>specific</a:t>
-            </a:r>
-            <a:r>
-              <a:rPr lang="hr-HR" dirty="0" smtClean="0"/>
+              <a:rPr lang="hr-HR" i="1" dirty="0" err="1"/>
+              <a:t>Heyerdahl</a:t>
+            </a:r>
+            <a:r>
+              <a:rPr lang="hr-HR" i="1" dirty="0"/>
               <a:t> </a:t>
             </a:r>
             <a:r>
-              <a:rPr lang="hr-HR" dirty="0" err="1" smtClean="0"/>
-              <a:t>view</a:t>
-            </a:r>
-            <a:endParaRPr lang="hr-HR" dirty="0" smtClean="0"/>
-          </a:p>
-          <a:p>
-            <a:endParaRPr lang="hr-HR" dirty="0"/>
-          </a:p>
-          <a:p>
-            <a:r>
-              <a:rPr lang="hr-HR" dirty="0" smtClean="0"/>
-              <a:t>Koji sloj je zadužen za autorizaciju?</a:t>
-            </a:r>
+              <a:rPr lang="hr-HR" i="1" dirty="0" err="1"/>
+              <a:t>Reenskau</a:t>
+            </a:r>
+            <a:endParaRPr lang="hr-HR" i="1" dirty="0"/>
           </a:p>
           <a:p>
             <a:pPr marL="0" indent="0">
               <a:buNone/>
             </a:pPr>
+            <a:r>
+              <a:rPr lang="hr-HR" dirty="0" smtClean="0"/>
+              <a:t>1979 godine</a:t>
+            </a:r>
+          </a:p>
+          <a:p>
+            <a:r>
+              <a:rPr lang="hr-HR" dirty="0" smtClean="0"/>
+              <a:t>Inicijalno zamišljen </a:t>
+            </a:r>
+            <a:r>
+              <a:rPr lang="hr-HR" dirty="0" smtClean="0"/>
+              <a:t>za desktop </a:t>
+            </a:r>
+            <a:r>
+              <a:rPr lang="hr-HR" dirty="0" smtClean="0"/>
+              <a:t>razvoj – Smalltalk-76</a:t>
+            </a:r>
+          </a:p>
+          <a:p>
+            <a:r>
+              <a:rPr lang="hr-HR" dirty="0" smtClean="0"/>
+              <a:t>1988 se pojavio kao koncept u </a:t>
+            </a:r>
+            <a:r>
+              <a:rPr lang="en-US" i="1" dirty="0"/>
+              <a:t>The Journal of Object Technology</a:t>
+            </a:r>
+            <a:r>
+              <a:rPr lang="en-US" dirty="0"/>
+              <a:t> </a:t>
+            </a:r>
             <a:endParaRPr lang="hr-HR" dirty="0" smtClean="0"/>
           </a:p>
-        </p:txBody>
-      </p:sp>
+          <a:p>
+            <a:r>
+              <a:rPr lang="hr-HR" dirty="0" smtClean="0"/>
+              <a:t>Koristio se u 80tim i 90tm</a:t>
+            </a:r>
+          </a:p>
+          <a:p>
+            <a:r>
+              <a:rPr lang="hr-HR" dirty="0" smtClean="0"/>
+              <a:t>1996 – </a:t>
+            </a:r>
+            <a:r>
+              <a:rPr lang="hr-HR" dirty="0" err="1" smtClean="0"/>
+              <a:t>Apple’s</a:t>
+            </a:r>
+            <a:r>
+              <a:rPr lang="hr-HR" dirty="0" smtClean="0"/>
+              <a:t> </a:t>
+            </a:r>
+            <a:r>
+              <a:rPr lang="hr-HR" dirty="0" err="1" smtClean="0"/>
+              <a:t>WebObjects</a:t>
+            </a:r>
+            <a:r>
+              <a:rPr lang="hr-HR" dirty="0" smtClean="0"/>
+              <a:t> (</a:t>
+            </a:r>
+            <a:r>
+              <a:rPr lang="hr-HR" dirty="0" err="1" smtClean="0"/>
+              <a:t>Objective</a:t>
+            </a:r>
+            <a:r>
+              <a:rPr lang="hr-HR" dirty="0"/>
+              <a:t>-</a:t>
+            </a:r>
+            <a:r>
+              <a:rPr lang="hr-HR" dirty="0" smtClean="0"/>
+              <a:t>C)</a:t>
+            </a:r>
+            <a:endParaRPr lang="hr-HR" dirty="0" smtClean="0"/>
+          </a:p>
+          <a:p>
+            <a:r>
+              <a:rPr lang="hr-HR" dirty="0" smtClean="0"/>
+              <a:t>Danas se koristi na svim platformama</a:t>
+            </a:r>
+            <a:endParaRPr lang="hr-HR" dirty="0" smtClean="0"/>
+          </a:p>
+          <a:p>
+            <a:r>
+              <a:rPr lang="hr-HR" dirty="0" smtClean="0"/>
+              <a:t>MV*W*</a:t>
+            </a:r>
+            <a:endParaRPr lang="hr-HR" dirty="0" smtClean="0"/>
+          </a:p>
+          <a:p>
+            <a:endParaRPr lang="hr-HR" dirty="0" smtClean="0"/>
+          </a:p>
+          <a:p>
+            <a:endParaRPr lang="hr-HR" dirty="0"/>
+          </a:p>
+        </p:txBody>
+      </p:sp>
+      <p:pic>
+        <p:nvPicPr>
+          <p:cNvPr id="2050" name="Picture 2" descr="https://upload.wikimedia.org/wikipedia/commons/thumb/7/77/Trygve_Reenskaug_%282010%29.jpg/220px-Trygve_Reenskaug_%282010%29.jpg"/>
+          <p:cNvPicPr>
+            <a:picLocks noChangeAspect="1" noChangeArrowheads="1"/>
+          </p:cNvPicPr>
+          <p:nvPr/>
+        </p:nvPicPr>
+        <p:blipFill>
+          <a:blip r:embed="rId3">
+            <a:extLst>
+              <a:ext uri="{28A0092B-C50C-407E-A947-70E740481C1C}">
+                <a14:useLocalDpi xmlns:a14="http://schemas.microsoft.com/office/drawing/2010/main" val="0"/>
+              </a:ext>
+            </a:extLst>
+          </a:blip>
+          <a:srcRect/>
+          <a:stretch>
+            <a:fillRect/>
+          </a:stretch>
+        </p:blipFill>
+        <p:spPr bwMode="auto">
+          <a:xfrm>
+            <a:off x="8580453" y="1359877"/>
+            <a:ext cx="2251669" cy="2095255"/>
+          </a:xfrm>
+          <a:prstGeom prst="rect">
+            <a:avLst/>
+          </a:prstGeom>
+          <a:noFill/>
+          <a:extLst>
+            <a:ext uri="{909E8E84-426E-40DD-AFC4-6F175D3DCCD1}">
+              <a14:hiddenFill xmlns:a14="http://schemas.microsoft.com/office/drawing/2010/main">
+                <a:solidFill>
+                  <a:srgbClr val="FFFFFF"/>
+                </a:solidFill>
+              </a14:hiddenFill>
+            </a:ext>
+          </a:extLst>
+        </p:spPr>
+      </p:pic>
     </p:spTree>
     <p:extLst>
       <p:ext uri="{BB962C8B-B14F-4D97-AF65-F5344CB8AC3E}">
-        <p14:creationId xmlns:p14="http://schemas.microsoft.com/office/powerpoint/2010/main" val="3758539750"/>
+        <p14:creationId xmlns:p14="http://schemas.microsoft.com/office/powerpoint/2010/main" val="1045409781"/>
       </p:ext>
     </p:extLst>
   </p:cSld>
   <p:clrMapOvr>
     <a:masterClrMapping/>
   </p:clrMapOvr>
+  <p:timing>
+    <p:tnLst>
+      <p:par>
+        <p:cTn id="1" dur="indefinite" restart="never" nodeType="tmRoot"/>
+      </p:par>
+    </p:tnLst>
+  </p:timing>
 </p:sld>
 </file>
 
@@ -3583,6 +5825,753 @@
           <a:lstStyle/>
           <a:p>
             <a:r>
+              <a:rPr lang="hr-HR" dirty="0" err="1" smtClean="0"/>
+              <a:t>Mvc</a:t>
+            </a:r>
+            <a:r>
+              <a:rPr lang="hr-HR" dirty="0" smtClean="0"/>
+              <a:t> </a:t>
+            </a:r>
+            <a:r>
+              <a:rPr lang="hr-HR" dirty="0" err="1" smtClean="0"/>
+              <a:t>Pattern</a:t>
+            </a:r>
+            <a:endParaRPr lang="hr-HR" dirty="0"/>
+          </a:p>
+        </p:txBody>
+      </p:sp>
+      <p:pic>
+        <p:nvPicPr>
+          <p:cNvPr id="1026" name="Picture 2" descr="Slikovni rezultat za about Mvc pattern"/>
+          <p:cNvPicPr>
+            <a:picLocks noGrp="1" noChangeAspect="1" noChangeArrowheads="1"/>
+          </p:cNvPicPr>
+          <p:nvPr>
+            <p:ph idx="1"/>
+          </p:nvPr>
+        </p:nvPicPr>
+        <p:blipFill>
+          <a:blip r:embed="rId3">
+            <a:extLst>
+              <a:ext uri="{28A0092B-C50C-407E-A947-70E740481C1C}">
+                <a14:useLocalDpi xmlns:a14="http://schemas.microsoft.com/office/drawing/2010/main" val="0"/>
+              </a:ext>
+            </a:extLst>
+          </a:blip>
+          <a:srcRect/>
+          <a:stretch>
+            <a:fillRect/>
+          </a:stretch>
+        </p:blipFill>
+        <p:spPr bwMode="auto">
+          <a:xfrm>
+            <a:off x="838200" y="1690688"/>
+            <a:ext cx="5229225" cy="3114675"/>
+          </a:xfrm>
+          <a:prstGeom prst="rect">
+            <a:avLst/>
+          </a:prstGeom>
+          <a:noFill/>
+          <a:extLst>
+            <a:ext uri="{909E8E84-426E-40DD-AFC4-6F175D3DCCD1}">
+              <a14:hiddenFill xmlns:a14="http://schemas.microsoft.com/office/drawing/2010/main">
+                <a:solidFill>
+                  <a:srgbClr val="FFFFFF"/>
+                </a:solidFill>
+              </a14:hiddenFill>
+            </a:ext>
+          </a:extLst>
+        </p:spPr>
+      </p:pic>
+      <p:sp>
+        <p:nvSpPr>
+          <p:cNvPr id="4" name="TextBox 3"/>
+          <p:cNvSpPr txBox="1"/>
+          <p:nvPr/>
+        </p:nvSpPr>
+        <p:spPr>
+          <a:xfrm>
+            <a:off x="7184571" y="1994263"/>
+            <a:ext cx="4344266" cy="646331"/>
+          </a:xfrm>
+          <a:prstGeom prst="rect">
+            <a:avLst/>
+          </a:prstGeom>
+          <a:noFill/>
+        </p:spPr>
+        <p:txBody>
+          <a:bodyPr wrap="none" rtlCol="0">
+            <a:spAutoFit/>
+          </a:bodyPr>
+          <a:lstStyle/>
+          <a:p>
+            <a:r>
+              <a:rPr lang="hr-HR" dirty="0" smtClean="0"/>
+              <a:t>Softverski </a:t>
+            </a:r>
+            <a:r>
+              <a:rPr lang="hr-HR" dirty="0" err="1" smtClean="0"/>
+              <a:t>arhitekturalni</a:t>
+            </a:r>
+            <a:r>
+              <a:rPr lang="hr-HR" dirty="0" smtClean="0"/>
+              <a:t> </a:t>
+            </a:r>
+            <a:r>
+              <a:rPr lang="hr-HR" dirty="0" err="1" smtClean="0"/>
+              <a:t>pattern</a:t>
+            </a:r>
+            <a:r>
+              <a:rPr lang="hr-HR" dirty="0" smtClean="0"/>
+              <a:t> koji pomaže</a:t>
+            </a:r>
+            <a:br>
+              <a:rPr lang="hr-HR" dirty="0" smtClean="0"/>
+            </a:br>
+            <a:r>
+              <a:rPr lang="hr-HR" dirty="0" smtClean="0"/>
+              <a:t>u kvalitetnoj implementaciji </a:t>
+            </a:r>
+            <a:r>
+              <a:rPr lang="hr-HR" dirty="0" err="1" smtClean="0"/>
+              <a:t>User</a:t>
+            </a:r>
+            <a:r>
+              <a:rPr lang="hr-HR" dirty="0" smtClean="0"/>
+              <a:t> </a:t>
+            </a:r>
+            <a:r>
+              <a:rPr lang="hr-HR" dirty="0" err="1" smtClean="0"/>
+              <a:t>Interfacea</a:t>
+            </a:r>
+            <a:endParaRPr lang="hr-HR" dirty="0"/>
+          </a:p>
+        </p:txBody>
+      </p:sp>
+      <p:pic>
+        <p:nvPicPr>
+          <p:cNvPr id="1028" name="Picture 4" descr="https://upload.wikimedia.org/wikipedia/commons/thumb/a/a0/MVC-Process.svg/200px-MVC-Process.svg.png"/>
+          <p:cNvPicPr>
+            <a:picLocks noChangeAspect="1" noChangeArrowheads="1"/>
+          </p:cNvPicPr>
+          <p:nvPr/>
+        </p:nvPicPr>
+        <p:blipFill>
+          <a:blip r:embed="rId4">
+            <a:extLst>
+              <a:ext uri="{28A0092B-C50C-407E-A947-70E740481C1C}">
+                <a14:useLocalDpi xmlns:a14="http://schemas.microsoft.com/office/drawing/2010/main" val="0"/>
+              </a:ext>
+            </a:extLst>
+          </a:blip>
+          <a:srcRect/>
+          <a:stretch>
+            <a:fillRect/>
+          </a:stretch>
+        </p:blipFill>
+        <p:spPr bwMode="auto">
+          <a:xfrm>
+            <a:off x="7184571" y="2783340"/>
+            <a:ext cx="4169229" cy="2095501"/>
+          </a:xfrm>
+          <a:prstGeom prst="rect">
+            <a:avLst/>
+          </a:prstGeom>
+          <a:noFill/>
+          <a:extLst>
+            <a:ext uri="{909E8E84-426E-40DD-AFC4-6F175D3DCCD1}">
+              <a14:hiddenFill xmlns:a14="http://schemas.microsoft.com/office/drawing/2010/main">
+                <a:solidFill>
+                  <a:srgbClr val="FFFFFF"/>
+                </a:solidFill>
+              </a14:hiddenFill>
+            </a:ext>
+          </a:extLst>
+        </p:spPr>
+      </p:pic>
+    </p:spTree>
+    <p:extLst>
+      <p:ext uri="{BB962C8B-B14F-4D97-AF65-F5344CB8AC3E}">
+        <p14:creationId xmlns:p14="http://schemas.microsoft.com/office/powerpoint/2010/main" val="28879240"/>
+      </p:ext>
+    </p:extLst>
+  </p:cSld>
+  <p:clrMapOvr>
+    <a:masterClrMapping/>
+  </p:clrMapOvr>
+  <p:timing>
+    <p:tnLst>
+      <p:par>
+        <p:cTn id="1" dur="indefinite" restart="never" nodeType="tmRoot"/>
+      </p:par>
+    </p:tnLst>
+  </p:timing>
+</p:sld>
+</file>
+
+<file path=ppt/slides/slide6.xml><?xml version="1.0" encoding="utf-8"?>
+<p:sld xmlns:a="http://schemas.openxmlformats.org/drawingml/2006/main" xmlns:r="http://schemas.openxmlformats.org/officeDocument/2006/relationships" xmlns:p="http://schemas.openxmlformats.org/presentationml/2006/main">
+  <p:cSld>
+    <p:spTree>
+      <p:nvGrpSpPr>
+        <p:cNvPr id="1" name=""/>
+        <p:cNvGrpSpPr/>
+        <p:nvPr/>
+      </p:nvGrpSpPr>
+      <p:grpSpPr>
+        <a:xfrm>
+          <a:off x="0" y="0"/>
+          <a:ext cx="0" cy="0"/>
+          <a:chOff x="0" y="0"/>
+          <a:chExt cx="0" cy="0"/>
+        </a:xfrm>
+      </p:grpSpPr>
+      <p:sp>
+        <p:nvSpPr>
+          <p:cNvPr id="2" name="Title 1"/>
+          <p:cNvSpPr>
+            <a:spLocks noGrp="1"/>
+          </p:cNvSpPr>
+          <p:nvPr>
+            <p:ph type="title"/>
+          </p:nvPr>
+        </p:nvSpPr>
+        <p:spPr/>
+        <p:txBody>
+          <a:bodyPr/>
+          <a:lstStyle/>
+          <a:p>
+            <a:r>
+              <a:rPr lang="hr-HR" dirty="0" err="1" smtClean="0"/>
+              <a:t>Mvc</a:t>
+            </a:r>
+            <a:r>
+              <a:rPr lang="hr-HR" dirty="0" smtClean="0"/>
+              <a:t> </a:t>
+            </a:r>
+            <a:r>
+              <a:rPr lang="hr-HR" dirty="0" err="1" smtClean="0"/>
+              <a:t>Pattern</a:t>
+            </a:r>
+            <a:endParaRPr lang="hr-HR" dirty="0"/>
+          </a:p>
+        </p:txBody>
+      </p:sp>
+      <p:sp>
+        <p:nvSpPr>
+          <p:cNvPr id="3" name="Content Placeholder 2"/>
+          <p:cNvSpPr>
+            <a:spLocks noGrp="1"/>
+          </p:cNvSpPr>
+          <p:nvPr>
+            <p:ph idx="1"/>
+          </p:nvPr>
+        </p:nvSpPr>
+        <p:spPr/>
+        <p:txBody>
+          <a:bodyPr>
+            <a:normAutofit lnSpcReduction="10000"/>
+          </a:bodyPr>
+          <a:lstStyle/>
+          <a:p>
+            <a:r>
+              <a:rPr lang="hr-HR" dirty="0" smtClean="0"/>
+              <a:t>Glavne </a:t>
+            </a:r>
+            <a:r>
+              <a:rPr lang="hr-HR" dirty="0" err="1" smtClean="0"/>
+              <a:t>kompoment</a:t>
+            </a:r>
+            <a:endParaRPr lang="hr-HR" dirty="0" smtClean="0"/>
+          </a:p>
+          <a:p>
+            <a:pPr lvl="1"/>
+            <a:r>
+              <a:rPr lang="hr-HR" b="1" dirty="0" smtClean="0"/>
+              <a:t>Model </a:t>
+            </a:r>
+            <a:r>
+              <a:rPr lang="hr-HR" dirty="0" smtClean="0"/>
+              <a:t>-</a:t>
+            </a:r>
+            <a:r>
+              <a:rPr lang="en-US" dirty="0"/>
+              <a:t> </a:t>
+            </a:r>
+            <a:r>
+              <a:rPr lang="hr-HR" dirty="0" smtClean="0"/>
+              <a:t>nezavisni aplikacijski objekt koji sadrži dio domenske reprezentacije (ponekad i validacije i logike). </a:t>
+            </a:r>
+            <a:r>
+              <a:rPr lang="hr-HR" dirty="0"/>
+              <a:t>Domenska </a:t>
+            </a:r>
+            <a:r>
+              <a:rPr lang="hr-HR" dirty="0" smtClean="0"/>
+              <a:t>logika i  obrada podataka</a:t>
+            </a:r>
+            <a:endParaRPr lang="en-US" dirty="0"/>
+          </a:p>
+          <a:p>
+            <a:pPr lvl="1"/>
+            <a:r>
+              <a:rPr lang="hr-HR" b="1" dirty="0" err="1" smtClean="0"/>
+              <a:t>View</a:t>
+            </a:r>
+            <a:r>
+              <a:rPr lang="hr-HR" dirty="0" smtClean="0"/>
+              <a:t> – ekranska </a:t>
+            </a:r>
+            <a:r>
+              <a:rPr lang="hr-HR" dirty="0" err="1" smtClean="0"/>
+              <a:t>reprezenacija</a:t>
+            </a:r>
+            <a:r>
+              <a:rPr lang="hr-HR" dirty="0" smtClean="0"/>
+              <a:t> podataka. Za isti model možemo imati više vrsta </a:t>
+            </a:r>
+            <a:r>
+              <a:rPr lang="hr-HR" dirty="0" err="1" smtClean="0"/>
+              <a:t>viewova</a:t>
+            </a:r>
+            <a:endParaRPr lang="en-US" dirty="0"/>
+          </a:p>
+          <a:p>
+            <a:pPr lvl="1"/>
+            <a:r>
+              <a:rPr lang="hr-HR" b="1" dirty="0" err="1" smtClean="0"/>
+              <a:t>Controller</a:t>
+            </a:r>
+            <a:r>
+              <a:rPr lang="hr-HR" dirty="0" smtClean="0"/>
+              <a:t> – definira sve akcije-komande koje sistem može zaprimiti.</a:t>
+            </a:r>
+            <a:br>
+              <a:rPr lang="hr-HR" dirty="0" smtClean="0"/>
+            </a:br>
+            <a:r>
+              <a:rPr lang="hr-HR" dirty="0" smtClean="0"/>
+              <a:t>Šalje zahtjeve za pretvorbom </a:t>
+            </a:r>
+            <a:r>
+              <a:rPr lang="hr-HR" dirty="0"/>
+              <a:t>domenskih podataka u podatke za </a:t>
+            </a:r>
+            <a:r>
+              <a:rPr lang="hr-HR" dirty="0" smtClean="0"/>
+              <a:t>prikaz. </a:t>
+            </a:r>
+            <a:br>
+              <a:rPr lang="hr-HR" dirty="0" smtClean="0"/>
+            </a:br>
+            <a:r>
+              <a:rPr lang="hr-HR" dirty="0" smtClean="0"/>
+              <a:t>Prihvaćanje </a:t>
+            </a:r>
+            <a:r>
+              <a:rPr lang="hr-HR" dirty="0"/>
+              <a:t>korisničkih </a:t>
+            </a:r>
+            <a:r>
+              <a:rPr lang="hr-HR" dirty="0" smtClean="0"/>
+              <a:t>akcija.</a:t>
+            </a:r>
+            <a:endParaRPr lang="hr-HR" dirty="0"/>
+          </a:p>
+          <a:p>
+            <a:pPr lvl="1"/>
+            <a:endParaRPr lang="hr-HR" dirty="0" smtClean="0"/>
+          </a:p>
+          <a:p>
+            <a:r>
+              <a:rPr lang="hr-HR" dirty="0" err="1" smtClean="0"/>
+              <a:t>ViewModel</a:t>
+            </a:r>
+            <a:r>
+              <a:rPr lang="hr-HR" dirty="0" smtClean="0"/>
+              <a:t> – konverzijom jednog ili više domenskih objekata u specifični ekranski model, postižemo fleksibilnost i neograničene mogućnosti prezentacije</a:t>
+            </a:r>
+            <a:endParaRPr lang="en-US" dirty="0"/>
+          </a:p>
+          <a:p>
+            <a:endParaRPr lang="hr-HR" dirty="0"/>
+          </a:p>
+        </p:txBody>
+      </p:sp>
+    </p:spTree>
+    <p:extLst>
+      <p:ext uri="{BB962C8B-B14F-4D97-AF65-F5344CB8AC3E}">
+        <p14:creationId xmlns:p14="http://schemas.microsoft.com/office/powerpoint/2010/main" val="1208759363"/>
+      </p:ext>
+    </p:extLst>
+  </p:cSld>
+  <p:clrMapOvr>
+    <a:masterClrMapping/>
+  </p:clrMapOvr>
+  <p:timing>
+    <p:tnLst>
+      <p:par>
+        <p:cTn id="1" dur="indefinite" restart="never" nodeType="tmRoot"/>
+      </p:par>
+    </p:tnLst>
+  </p:timing>
+</p:sld>
+</file>
+
+<file path=ppt/slides/slide7.xml><?xml version="1.0" encoding="utf-8"?>
+<p:sld xmlns:a="http://schemas.openxmlformats.org/drawingml/2006/main" xmlns:r="http://schemas.openxmlformats.org/officeDocument/2006/relationships" xmlns:p="http://schemas.openxmlformats.org/presentationml/2006/main">
+  <p:cSld>
+    <p:spTree>
+      <p:nvGrpSpPr>
+        <p:cNvPr id="1" name=""/>
+        <p:cNvGrpSpPr/>
+        <p:nvPr/>
+      </p:nvGrpSpPr>
+      <p:grpSpPr>
+        <a:xfrm>
+          <a:off x="0" y="0"/>
+          <a:ext cx="0" cy="0"/>
+          <a:chOff x="0" y="0"/>
+          <a:chExt cx="0" cy="0"/>
+        </a:xfrm>
+      </p:grpSpPr>
+      <p:sp>
+        <p:nvSpPr>
+          <p:cNvPr id="2" name="Title 1"/>
+          <p:cNvSpPr>
+            <a:spLocks noGrp="1"/>
+          </p:cNvSpPr>
+          <p:nvPr>
+            <p:ph type="title"/>
+          </p:nvPr>
+        </p:nvSpPr>
+        <p:spPr/>
+        <p:txBody>
+          <a:bodyPr/>
+          <a:lstStyle/>
+          <a:p>
+            <a:r>
+              <a:rPr lang="hr-HR" dirty="0" err="1" smtClean="0"/>
+              <a:t>Mvc</a:t>
+            </a:r>
+            <a:r>
+              <a:rPr lang="hr-HR" dirty="0" smtClean="0"/>
+              <a:t> </a:t>
+            </a:r>
+            <a:r>
+              <a:rPr lang="hr-HR" dirty="0" err="1" smtClean="0"/>
+              <a:t>Pattern</a:t>
+            </a:r>
+            <a:endParaRPr lang="hr-HR" dirty="0"/>
+          </a:p>
+        </p:txBody>
+      </p:sp>
+      <p:sp>
+        <p:nvSpPr>
+          <p:cNvPr id="3" name="Content Placeholder 2"/>
+          <p:cNvSpPr>
+            <a:spLocks noGrp="1"/>
+          </p:cNvSpPr>
+          <p:nvPr>
+            <p:ph idx="1"/>
+          </p:nvPr>
+        </p:nvSpPr>
+        <p:spPr/>
+        <p:txBody>
+          <a:bodyPr/>
+          <a:lstStyle/>
+          <a:p>
+            <a:r>
+              <a:rPr lang="hr-HR" dirty="0" smtClean="0"/>
+              <a:t>UI logika-aplikacija se dijeli u tri povezana dijela, tako da se interna reprezentacija apstrahira od prezentacije korisniku ili zaprimanja od korisnika</a:t>
+            </a:r>
+          </a:p>
+          <a:p>
+            <a:pPr marL="457200" lvl="1" indent="0">
+              <a:buNone/>
+            </a:pPr>
+            <a:r>
+              <a:rPr lang="en-US" b="1" dirty="0"/>
+              <a:t>MVC </a:t>
+            </a:r>
+            <a:r>
+              <a:rPr lang="hr-HR" b="1" dirty="0" err="1" smtClean="0"/>
+              <a:t>pattern</a:t>
+            </a:r>
+            <a:r>
+              <a:rPr lang="hr-HR" b="1" dirty="0" smtClean="0"/>
+              <a:t> omogućava da se </a:t>
+            </a:r>
+            <a:r>
+              <a:rPr lang="en-US" b="1" dirty="0" smtClean="0"/>
+              <a:t>model </a:t>
+            </a:r>
+            <a:r>
+              <a:rPr lang="hr-HR" b="1" dirty="0" smtClean="0"/>
+              <a:t>klase „ponovno iskorištavaju” bez promjena</a:t>
+            </a:r>
+            <a:br>
+              <a:rPr lang="hr-HR" b="1" dirty="0" smtClean="0"/>
+            </a:br>
+            <a:r>
+              <a:rPr lang="hr-HR" b="1" dirty="0" smtClean="0"/>
+              <a:t>SRP (Single </a:t>
+            </a:r>
+            <a:r>
+              <a:rPr lang="hr-HR" b="1" dirty="0" err="1" smtClean="0"/>
+              <a:t>Responsability</a:t>
+            </a:r>
+            <a:r>
+              <a:rPr lang="hr-HR" b="1" dirty="0" smtClean="0"/>
+              <a:t> </a:t>
+            </a:r>
+            <a:r>
+              <a:rPr lang="hr-HR" b="1" dirty="0" err="1" smtClean="0"/>
+              <a:t>Principle</a:t>
+            </a:r>
+            <a:r>
+              <a:rPr lang="hr-HR" b="1" dirty="0" smtClean="0"/>
+              <a:t>) na djelu</a:t>
+            </a:r>
+            <a:endParaRPr lang="hr-HR" dirty="0"/>
+          </a:p>
+        </p:txBody>
+      </p:sp>
+    </p:spTree>
+    <p:extLst>
+      <p:ext uri="{BB962C8B-B14F-4D97-AF65-F5344CB8AC3E}">
+        <p14:creationId xmlns:p14="http://schemas.microsoft.com/office/powerpoint/2010/main" val="2501109108"/>
+      </p:ext>
+    </p:extLst>
+  </p:cSld>
+  <p:clrMapOvr>
+    <a:masterClrMapping/>
+  </p:clrMapOvr>
+  <p:timing>
+    <p:tnLst>
+      <p:par>
+        <p:cTn id="1" dur="indefinite" restart="never" nodeType="tmRoot"/>
+      </p:par>
+    </p:tnLst>
+  </p:timing>
+</p:sld>
+</file>
+
+<file path=ppt/slides/slide8.xml><?xml version="1.0" encoding="utf-8"?>
+<p:sld xmlns:a="http://schemas.openxmlformats.org/drawingml/2006/main" xmlns:r="http://schemas.openxmlformats.org/officeDocument/2006/relationships" xmlns:p="http://schemas.openxmlformats.org/presentationml/2006/main">
+  <p:cSld>
+    <p:spTree>
+      <p:nvGrpSpPr>
+        <p:cNvPr id="1" name=""/>
+        <p:cNvGrpSpPr/>
+        <p:nvPr/>
+      </p:nvGrpSpPr>
+      <p:grpSpPr>
+        <a:xfrm>
+          <a:off x="0" y="0"/>
+          <a:ext cx="0" cy="0"/>
+          <a:chOff x="0" y="0"/>
+          <a:chExt cx="0" cy="0"/>
+        </a:xfrm>
+      </p:grpSpPr>
+      <p:sp>
+        <p:nvSpPr>
+          <p:cNvPr id="2" name="Title 1"/>
+          <p:cNvSpPr>
+            <a:spLocks noGrp="1"/>
+          </p:cNvSpPr>
+          <p:nvPr>
+            <p:ph type="title"/>
+          </p:nvPr>
+        </p:nvSpPr>
+        <p:spPr/>
+        <p:txBody>
+          <a:bodyPr/>
+          <a:lstStyle/>
+          <a:p>
+            <a:r>
+              <a:rPr lang="hr-HR" dirty="0" smtClean="0"/>
+              <a:t>Prednosti</a:t>
+            </a:r>
+            <a:endParaRPr lang="hr-HR" dirty="0"/>
+          </a:p>
+        </p:txBody>
+      </p:sp>
+      <p:sp>
+        <p:nvSpPr>
+          <p:cNvPr id="3" name="Content Placeholder 2"/>
+          <p:cNvSpPr>
+            <a:spLocks noGrp="1"/>
+          </p:cNvSpPr>
+          <p:nvPr>
+            <p:ph idx="1"/>
+          </p:nvPr>
+        </p:nvSpPr>
+        <p:spPr/>
+        <p:txBody>
+          <a:bodyPr>
+            <a:normAutofit/>
+          </a:bodyPr>
+          <a:lstStyle/>
+          <a:p>
+            <a:r>
+              <a:rPr lang="hr-HR" dirty="0" smtClean="0"/>
+              <a:t>Timski rad</a:t>
+            </a:r>
+          </a:p>
+          <a:p>
+            <a:pPr lvl="1"/>
+            <a:r>
+              <a:rPr lang="hr-HR" dirty="0" smtClean="0"/>
+              <a:t>Moguće podijeliti posao za pojedini sloj</a:t>
+            </a:r>
+          </a:p>
+          <a:p>
+            <a:pPr lvl="1"/>
+            <a:r>
+              <a:rPr lang="hr-HR" dirty="0" smtClean="0"/>
+              <a:t>Moguće podijeliti posao po logičkoj cjelini</a:t>
+            </a:r>
+          </a:p>
+          <a:p>
+            <a:r>
+              <a:rPr lang="hr-HR" dirty="0" err="1" smtClean="0"/>
+              <a:t>Loose</a:t>
+            </a:r>
+            <a:r>
+              <a:rPr lang="hr-HR" dirty="0" smtClean="0"/>
+              <a:t> </a:t>
+            </a:r>
+            <a:r>
+              <a:rPr lang="hr-HR" dirty="0" err="1" smtClean="0"/>
+              <a:t>coupling</a:t>
+            </a:r>
+            <a:endParaRPr lang="hr-HR" dirty="0" smtClean="0"/>
+          </a:p>
+          <a:p>
+            <a:pPr lvl="1"/>
+            <a:r>
+              <a:rPr lang="hr-HR" dirty="0" smtClean="0"/>
+              <a:t>Lagano zamijeniti pojedini dio</a:t>
+            </a:r>
+          </a:p>
+          <a:p>
+            <a:pPr lvl="1"/>
+            <a:r>
+              <a:rPr lang="hr-HR" dirty="0" smtClean="0"/>
+              <a:t>Lako nadograditi</a:t>
+            </a:r>
+            <a:endParaRPr lang="hr-HR" dirty="0"/>
+          </a:p>
+          <a:p>
+            <a:r>
+              <a:rPr lang="hr-HR" dirty="0" smtClean="0"/>
+              <a:t>Moguće imati više </a:t>
+            </a:r>
+            <a:r>
+              <a:rPr lang="hr-HR" dirty="0" err="1" smtClean="0"/>
+              <a:t>Viewova</a:t>
+            </a:r>
+            <a:r>
+              <a:rPr lang="hr-HR" dirty="0" smtClean="0"/>
+              <a:t> za isti model</a:t>
+            </a:r>
+          </a:p>
+          <a:p>
+            <a:pPr lvl="1"/>
+            <a:r>
+              <a:rPr lang="hr-HR" dirty="0" err="1" smtClean="0"/>
+              <a:t>Device</a:t>
+            </a:r>
+            <a:r>
+              <a:rPr lang="hr-HR" dirty="0" smtClean="0"/>
+              <a:t> </a:t>
+            </a:r>
+            <a:r>
+              <a:rPr lang="hr-HR" dirty="0" err="1" smtClean="0"/>
+              <a:t>specific</a:t>
+            </a:r>
+            <a:r>
+              <a:rPr lang="hr-HR" dirty="0" smtClean="0"/>
+              <a:t> </a:t>
+            </a:r>
+            <a:r>
+              <a:rPr lang="hr-HR" dirty="0" err="1" smtClean="0"/>
+              <a:t>view</a:t>
+            </a:r>
+            <a:endParaRPr lang="hr-HR" dirty="0" smtClean="0"/>
+          </a:p>
+          <a:p>
+            <a:pPr marL="457200" lvl="1" indent="0">
+              <a:buNone/>
+            </a:pPr>
+            <a:endParaRPr lang="hr-HR" dirty="0"/>
+          </a:p>
+          <a:p>
+            <a:pPr marL="457200" lvl="1" indent="0">
+              <a:buNone/>
+            </a:pPr>
+            <a:r>
+              <a:rPr lang="hr-HR" b="1" dirty="0" smtClean="0"/>
+              <a:t>	</a:t>
+            </a:r>
+            <a:endParaRPr lang="hr-HR" dirty="0" smtClean="0"/>
+          </a:p>
+        </p:txBody>
+      </p:sp>
+    </p:spTree>
+    <p:extLst>
+      <p:ext uri="{BB962C8B-B14F-4D97-AF65-F5344CB8AC3E}">
+        <p14:creationId xmlns:p14="http://schemas.microsoft.com/office/powerpoint/2010/main" val="3758539750"/>
+      </p:ext>
+    </p:extLst>
+  </p:cSld>
+  <p:clrMapOvr>
+    <a:masterClrMapping/>
+  </p:clrMapOvr>
+  <p:timing>
+    <p:tnLst>
+      <p:par>
+        <p:cTn id="1" dur="indefinite" restart="never" nodeType="tmRoot"/>
+      </p:par>
+    </p:tnLst>
+  </p:timing>
+</p:sld>
+</file>
+
+<file path=ppt/slides/slide9.xml><?xml version="1.0" encoding="utf-8"?>
+<p:sld xmlns:a="http://schemas.openxmlformats.org/drawingml/2006/main" xmlns:r="http://schemas.openxmlformats.org/officeDocument/2006/relationships" xmlns:p="http://schemas.openxmlformats.org/presentationml/2006/main">
+  <p:cSld>
+    <p:spTree>
+      <p:nvGrpSpPr>
+        <p:cNvPr id="1" name=""/>
+        <p:cNvGrpSpPr/>
+        <p:nvPr/>
+      </p:nvGrpSpPr>
+      <p:grpSpPr>
+        <a:xfrm>
+          <a:off x="0" y="0"/>
+          <a:ext cx="0" cy="0"/>
+          <a:chOff x="0" y="0"/>
+          <a:chExt cx="0" cy="0"/>
+        </a:xfrm>
+      </p:grpSpPr>
+      <p:sp>
+        <p:nvSpPr>
+          <p:cNvPr id="2" name="Title 1"/>
+          <p:cNvSpPr>
+            <a:spLocks noGrp="1"/>
+          </p:cNvSpPr>
+          <p:nvPr>
+            <p:ph type="title"/>
+          </p:nvPr>
+        </p:nvSpPr>
+        <p:spPr/>
+        <p:txBody>
+          <a:bodyPr/>
+          <a:lstStyle/>
+          <a:p>
+            <a:r>
               <a:rPr lang="hr-HR" dirty="0" smtClean="0"/>
               <a:t>Organizacija koda</a:t>
             </a:r>
@@ -3602,10 +6591,992 @@
         </p:nvSpPr>
         <p:spPr/>
         <p:txBody>
-          <a:bodyPr/>
+          <a:bodyPr>
+            <a:noAutofit/>
+          </a:bodyPr>
           <a:lstStyle/>
           <a:p>
-            <a:endParaRPr lang="hr-HR" dirty="0"/>
+            <a:pPr marL="0" indent="0">
+              <a:buNone/>
+            </a:pPr>
+            <a:r>
+              <a:rPr lang="hr-HR" sz="1200" dirty="0" err="1">
+                <a:solidFill>
+                  <a:srgbClr val="0000FF"/>
+                </a:solidFill>
+                <a:highlight>
+                  <a:srgbClr val="FFFFFF"/>
+                </a:highlight>
+                <a:latin typeface="Consolas" panose="020B0609020204030204" pitchFamily="49" charset="0"/>
+              </a:rPr>
+              <a:t>public</a:t>
+            </a:r>
+            <a:r>
+              <a:rPr lang="hr-HR" sz="1200" dirty="0">
+                <a:solidFill>
+                  <a:srgbClr val="0000FF"/>
+                </a:solidFill>
+                <a:highlight>
+                  <a:srgbClr val="FFFFFF"/>
+                </a:highlight>
+                <a:latin typeface="Consolas" panose="020B0609020204030204" pitchFamily="49" charset="0"/>
+              </a:rPr>
+              <a:t> </a:t>
+            </a:r>
+            <a:r>
+              <a:rPr lang="hr-HR" sz="1200" dirty="0" err="1">
+                <a:solidFill>
+                  <a:srgbClr val="0000FF"/>
+                </a:solidFill>
+                <a:highlight>
+                  <a:srgbClr val="FFFFFF"/>
+                </a:highlight>
+                <a:latin typeface="Consolas" panose="020B0609020204030204" pitchFamily="49" charset="0"/>
+              </a:rPr>
+              <a:t>HttpResponseMessage</a:t>
+            </a:r>
+            <a:r>
+              <a:rPr lang="hr-HR" sz="1200" dirty="0">
+                <a:solidFill>
+                  <a:srgbClr val="0000FF"/>
+                </a:solidFill>
+                <a:highlight>
+                  <a:srgbClr val="FFFFFF"/>
+                </a:highlight>
+                <a:latin typeface="Consolas" panose="020B0609020204030204" pitchFamily="49" charset="0"/>
+              </a:rPr>
+              <a:t> </a:t>
+            </a:r>
+            <a:r>
+              <a:rPr lang="hr-HR" sz="1200" dirty="0" err="1">
+                <a:solidFill>
+                  <a:srgbClr val="0000FF"/>
+                </a:solidFill>
+                <a:highlight>
+                  <a:srgbClr val="FFFFFF"/>
+                </a:highlight>
+                <a:latin typeface="Consolas" panose="020B0609020204030204" pitchFamily="49" charset="0"/>
+              </a:rPr>
+              <a:t>GetOrderDetails</a:t>
+            </a:r>
+            <a:r>
+              <a:rPr lang="hr-HR" sz="1200" dirty="0">
+                <a:solidFill>
+                  <a:srgbClr val="0000FF"/>
+                </a:solidFill>
+                <a:highlight>
+                  <a:srgbClr val="FFFFFF"/>
+                </a:highlight>
+                <a:latin typeface="Consolas" panose="020B0609020204030204" pitchFamily="49" charset="0"/>
+              </a:rPr>
+              <a:t>(</a:t>
+            </a:r>
+            <a:r>
+              <a:rPr lang="hr-HR" sz="1200" dirty="0" err="1">
+                <a:solidFill>
+                  <a:srgbClr val="0000FF"/>
+                </a:solidFill>
+                <a:highlight>
+                  <a:srgbClr val="FFFFFF"/>
+                </a:highlight>
+                <a:latin typeface="Consolas" panose="020B0609020204030204" pitchFamily="49" charset="0"/>
+              </a:rPr>
+              <a:t>string</a:t>
+            </a:r>
+            <a:r>
+              <a:rPr lang="hr-HR" sz="1200" dirty="0">
+                <a:solidFill>
+                  <a:srgbClr val="0000FF"/>
+                </a:solidFill>
+                <a:highlight>
+                  <a:srgbClr val="FFFFFF"/>
+                </a:highlight>
+                <a:latin typeface="Consolas" panose="020B0609020204030204" pitchFamily="49" charset="0"/>
+              </a:rPr>
+              <a:t> </a:t>
+            </a:r>
+            <a:r>
+              <a:rPr lang="hr-HR" sz="1200" dirty="0" err="1">
+                <a:solidFill>
+                  <a:srgbClr val="0000FF"/>
+                </a:solidFill>
+                <a:highlight>
+                  <a:srgbClr val="FFFFFF"/>
+                </a:highlight>
+                <a:latin typeface="Consolas" panose="020B0609020204030204" pitchFamily="49" charset="0"/>
+              </a:rPr>
+              <a:t>orderId</a:t>
+            </a:r>
+            <a:r>
+              <a:rPr lang="hr-HR" sz="1200" dirty="0">
+                <a:solidFill>
+                  <a:srgbClr val="0000FF"/>
+                </a:solidFill>
+                <a:highlight>
+                  <a:srgbClr val="FFFFFF"/>
+                </a:highlight>
+                <a:latin typeface="Consolas" panose="020B0609020204030204" pitchFamily="49" charset="0"/>
+              </a:rPr>
+              <a:t>)</a:t>
+            </a:r>
+          </a:p>
+          <a:p>
+            <a:pPr marL="0" indent="0">
+              <a:buNone/>
+            </a:pPr>
+            <a:r>
+              <a:rPr lang="hr-HR" sz="1200" dirty="0" smtClean="0">
+                <a:solidFill>
+                  <a:srgbClr val="0000FF"/>
+                </a:solidFill>
+                <a:highlight>
+                  <a:srgbClr val="FFFFFF"/>
+                </a:highlight>
+                <a:latin typeface="Consolas" panose="020B0609020204030204" pitchFamily="49" charset="0"/>
+              </a:rPr>
+              <a:t>{</a:t>
+            </a:r>
+            <a:endParaRPr lang="hr-HR" sz="1200" dirty="0">
+              <a:solidFill>
+                <a:srgbClr val="0000FF"/>
+              </a:solidFill>
+              <a:highlight>
+                <a:srgbClr val="FFFFFF"/>
+              </a:highlight>
+              <a:latin typeface="Consolas" panose="020B0609020204030204" pitchFamily="49" charset="0"/>
+            </a:endParaRPr>
+          </a:p>
+          <a:p>
+            <a:pPr marL="0" indent="0">
+              <a:buNone/>
+            </a:pPr>
+            <a:r>
+              <a:rPr lang="hr-HR" sz="1200" dirty="0">
+                <a:solidFill>
+                  <a:srgbClr val="0000FF"/>
+                </a:solidFill>
+                <a:highlight>
+                  <a:srgbClr val="FFFFFF"/>
+                </a:highlight>
+                <a:latin typeface="Consolas" panose="020B0609020204030204" pitchFamily="49" charset="0"/>
+              </a:rPr>
+              <a:t>    </a:t>
+            </a:r>
+            <a:r>
+              <a:rPr lang="hr-HR" sz="1200" dirty="0" err="1" smtClean="0">
+                <a:solidFill>
+                  <a:srgbClr val="0000FF"/>
+                </a:solidFill>
+                <a:highlight>
+                  <a:srgbClr val="FFFFFF"/>
+                </a:highlight>
+                <a:latin typeface="Consolas" panose="020B0609020204030204" pitchFamily="49" charset="0"/>
+              </a:rPr>
+              <a:t>try</a:t>
+            </a:r>
+            <a:endParaRPr lang="hr-HR" sz="1200" dirty="0">
+              <a:solidFill>
+                <a:srgbClr val="0000FF"/>
+              </a:solidFill>
+              <a:highlight>
+                <a:srgbClr val="FFFFFF"/>
+              </a:highlight>
+              <a:latin typeface="Consolas" panose="020B0609020204030204" pitchFamily="49" charset="0"/>
+            </a:endParaRPr>
+          </a:p>
+          <a:p>
+            <a:pPr marL="0" indent="0">
+              <a:buNone/>
+            </a:pPr>
+            <a:r>
+              <a:rPr lang="hr-HR" sz="1200" dirty="0">
+                <a:solidFill>
+                  <a:srgbClr val="0000FF"/>
+                </a:solidFill>
+                <a:highlight>
+                  <a:srgbClr val="FFFFFF"/>
+                </a:highlight>
+                <a:latin typeface="Consolas" panose="020B0609020204030204" pitchFamily="49" charset="0"/>
+              </a:rPr>
+              <a:t>    </a:t>
+            </a:r>
+            <a:r>
+              <a:rPr lang="hr-HR" sz="1200" dirty="0" smtClean="0">
+                <a:solidFill>
+                  <a:srgbClr val="0000FF"/>
+                </a:solidFill>
+                <a:highlight>
+                  <a:srgbClr val="FFFFFF"/>
+                </a:highlight>
+                <a:latin typeface="Consolas" panose="020B0609020204030204" pitchFamily="49" charset="0"/>
+              </a:rPr>
+              <a:t>{ </a:t>
+            </a:r>
+            <a:endParaRPr lang="hr-HR" sz="1200" dirty="0">
+              <a:solidFill>
+                <a:srgbClr val="0000FF"/>
+              </a:solidFill>
+              <a:highlight>
+                <a:srgbClr val="FFFFFF"/>
+              </a:highlight>
+              <a:latin typeface="Consolas" panose="020B0609020204030204" pitchFamily="49" charset="0"/>
+            </a:endParaRPr>
+          </a:p>
+          <a:p>
+            <a:pPr marL="0" indent="0">
+              <a:buNone/>
+            </a:pPr>
+            <a:r>
+              <a:rPr lang="hr-HR" sz="1200" dirty="0" smtClean="0">
+                <a:solidFill>
+                  <a:srgbClr val="0000FF"/>
+                </a:solidFill>
+                <a:highlight>
+                  <a:srgbClr val="FFFFFF"/>
+                </a:highlight>
+                <a:latin typeface="Consolas" panose="020B0609020204030204" pitchFamily="49" charset="0"/>
+              </a:rPr>
+              <a:t>	var </a:t>
+            </a:r>
+            <a:r>
+              <a:rPr lang="hr-HR" sz="1200" dirty="0" err="1">
+                <a:solidFill>
+                  <a:srgbClr val="0000FF"/>
+                </a:solidFill>
+                <a:highlight>
+                  <a:srgbClr val="FFFFFF"/>
+                </a:highlight>
+                <a:latin typeface="Consolas" panose="020B0609020204030204" pitchFamily="49" charset="0"/>
+              </a:rPr>
+              <a:t>user</a:t>
+            </a:r>
+            <a:r>
+              <a:rPr lang="hr-HR" sz="1200" dirty="0">
+                <a:solidFill>
+                  <a:srgbClr val="0000FF"/>
+                </a:solidFill>
+                <a:highlight>
+                  <a:srgbClr val="FFFFFF"/>
+                </a:highlight>
+                <a:latin typeface="Consolas" panose="020B0609020204030204" pitchFamily="49" charset="0"/>
+              </a:rPr>
+              <a:t> = _</a:t>
+            </a:r>
+            <a:r>
+              <a:rPr lang="hr-HR" sz="1200" dirty="0" err="1">
+                <a:solidFill>
+                  <a:srgbClr val="0000FF"/>
+                </a:solidFill>
+                <a:highlight>
+                  <a:srgbClr val="FFFFFF"/>
+                </a:highlight>
+                <a:latin typeface="Consolas" panose="020B0609020204030204" pitchFamily="49" charset="0"/>
+              </a:rPr>
+              <a:t>userService.GetCurrentUser</a:t>
+            </a:r>
+            <a:r>
+              <a:rPr lang="hr-HR" sz="1200" dirty="0" smtClean="0">
+                <a:solidFill>
+                  <a:srgbClr val="0000FF"/>
+                </a:solidFill>
+                <a:highlight>
+                  <a:srgbClr val="FFFFFF"/>
+                </a:highlight>
+                <a:latin typeface="Consolas" panose="020B0609020204030204" pitchFamily="49" charset="0"/>
+              </a:rPr>
+              <a:t>();</a:t>
+            </a:r>
+            <a:endParaRPr lang="hr-HR" sz="1200" dirty="0">
+              <a:solidFill>
+                <a:srgbClr val="0000FF"/>
+              </a:solidFill>
+              <a:highlight>
+                <a:srgbClr val="FFFFFF"/>
+              </a:highlight>
+              <a:latin typeface="Consolas" panose="020B0609020204030204" pitchFamily="49" charset="0"/>
+            </a:endParaRPr>
+          </a:p>
+          <a:p>
+            <a:pPr marL="0" indent="0">
+              <a:buNone/>
+            </a:pPr>
+            <a:r>
+              <a:rPr lang="hr-HR" sz="1200" dirty="0">
+                <a:solidFill>
+                  <a:srgbClr val="0000FF"/>
+                </a:solidFill>
+                <a:highlight>
+                  <a:srgbClr val="FFFFFF"/>
+                </a:highlight>
+                <a:latin typeface="Consolas" panose="020B0609020204030204" pitchFamily="49" charset="0"/>
+              </a:rPr>
+              <a:t>           </a:t>
+            </a:r>
+            <a:r>
+              <a:rPr lang="hr-HR" sz="1200" dirty="0" smtClean="0">
+                <a:solidFill>
+                  <a:srgbClr val="0000FF"/>
+                </a:solidFill>
+                <a:highlight>
+                  <a:srgbClr val="FFFFFF"/>
+                </a:highlight>
+                <a:latin typeface="Consolas" panose="020B0609020204030204" pitchFamily="49" charset="0"/>
+              </a:rPr>
+              <a:t>var </a:t>
+            </a:r>
+            <a:r>
+              <a:rPr lang="hr-HR" sz="1200" dirty="0" err="1">
+                <a:solidFill>
+                  <a:srgbClr val="0000FF"/>
+                </a:solidFill>
+                <a:highlight>
+                  <a:srgbClr val="FFFFFF"/>
+                </a:highlight>
+                <a:latin typeface="Consolas" panose="020B0609020204030204" pitchFamily="49" charset="0"/>
+              </a:rPr>
+              <a:t>order</a:t>
+            </a:r>
+            <a:r>
+              <a:rPr lang="hr-HR" sz="1200" dirty="0">
+                <a:solidFill>
+                  <a:srgbClr val="0000FF"/>
+                </a:solidFill>
+                <a:highlight>
+                  <a:srgbClr val="FFFFFF"/>
+                </a:highlight>
+                <a:latin typeface="Consolas" panose="020B0609020204030204" pitchFamily="49" charset="0"/>
+              </a:rPr>
+              <a:t> = _</a:t>
+            </a:r>
+            <a:r>
+              <a:rPr lang="hr-HR" sz="1200" dirty="0" err="1">
+                <a:solidFill>
+                  <a:srgbClr val="0000FF"/>
+                </a:solidFill>
+                <a:highlight>
+                  <a:srgbClr val="FFFFFF"/>
+                </a:highlight>
+                <a:latin typeface="Consolas" panose="020B0609020204030204" pitchFamily="49" charset="0"/>
+              </a:rPr>
+              <a:t>ordersService.GetOrderDetails</a:t>
+            </a:r>
+            <a:r>
+              <a:rPr lang="hr-HR" sz="1200" dirty="0">
+                <a:solidFill>
+                  <a:srgbClr val="0000FF"/>
+                </a:solidFill>
+                <a:highlight>
+                  <a:srgbClr val="FFFFFF"/>
+                </a:highlight>
+                <a:latin typeface="Consolas" panose="020B0609020204030204" pitchFamily="49" charset="0"/>
+              </a:rPr>
+              <a:t>(</a:t>
+            </a:r>
+            <a:r>
+              <a:rPr lang="hr-HR" sz="1200" dirty="0" err="1">
+                <a:solidFill>
+                  <a:srgbClr val="0000FF"/>
+                </a:solidFill>
+                <a:highlight>
+                  <a:srgbClr val="FFFFFF"/>
+                </a:highlight>
+                <a:latin typeface="Consolas" panose="020B0609020204030204" pitchFamily="49" charset="0"/>
+              </a:rPr>
+              <a:t>orderId</a:t>
+            </a:r>
+            <a:r>
+              <a:rPr lang="hr-HR" sz="1200" dirty="0" smtClean="0">
+                <a:solidFill>
+                  <a:srgbClr val="0000FF"/>
+                </a:solidFill>
+                <a:highlight>
+                  <a:srgbClr val="FFFFFF"/>
+                </a:highlight>
+                <a:latin typeface="Consolas" panose="020B0609020204030204" pitchFamily="49" charset="0"/>
+              </a:rPr>
+              <a:t>);</a:t>
+            </a:r>
+            <a:endParaRPr lang="hr-HR" sz="1200" dirty="0">
+              <a:solidFill>
+                <a:srgbClr val="0000FF"/>
+              </a:solidFill>
+              <a:highlight>
+                <a:srgbClr val="FFFFFF"/>
+              </a:highlight>
+              <a:latin typeface="Consolas" panose="020B0609020204030204" pitchFamily="49" charset="0"/>
+            </a:endParaRPr>
+          </a:p>
+          <a:p>
+            <a:pPr marL="0" indent="0">
+              <a:buNone/>
+            </a:pPr>
+            <a:r>
+              <a:rPr lang="hr-HR" sz="1200" dirty="0">
+                <a:solidFill>
+                  <a:srgbClr val="0000FF"/>
+                </a:solidFill>
+                <a:highlight>
+                  <a:srgbClr val="FFFFFF"/>
+                </a:highlight>
+                <a:latin typeface="Consolas" panose="020B0609020204030204" pitchFamily="49" charset="0"/>
+              </a:rPr>
+              <a:t>           </a:t>
+            </a:r>
+            <a:r>
+              <a:rPr lang="hr-HR" sz="1200" dirty="0" err="1" smtClean="0">
+                <a:solidFill>
+                  <a:srgbClr val="0000FF"/>
+                </a:solidFill>
+                <a:highlight>
+                  <a:srgbClr val="FFFFFF"/>
+                </a:highlight>
+                <a:latin typeface="Consolas" panose="020B0609020204030204" pitchFamily="49" charset="0"/>
+              </a:rPr>
+              <a:t>return</a:t>
+            </a:r>
+            <a:r>
+              <a:rPr lang="hr-HR" sz="1200" dirty="0" smtClean="0">
+                <a:solidFill>
+                  <a:srgbClr val="0000FF"/>
+                </a:solidFill>
+                <a:highlight>
+                  <a:srgbClr val="FFFFFF"/>
+                </a:highlight>
+                <a:latin typeface="Consolas" panose="020B0609020204030204" pitchFamily="49" charset="0"/>
+              </a:rPr>
+              <a:t> </a:t>
+            </a:r>
+            <a:r>
+              <a:rPr lang="hr-HR" sz="1200" dirty="0" err="1">
+                <a:solidFill>
+                  <a:srgbClr val="0000FF"/>
+                </a:solidFill>
+                <a:highlight>
+                  <a:srgbClr val="FFFFFF"/>
+                </a:highlight>
+                <a:latin typeface="Consolas" panose="020B0609020204030204" pitchFamily="49" charset="0"/>
+              </a:rPr>
+              <a:t>Request.CreateResponse</a:t>
+            </a:r>
+            <a:r>
+              <a:rPr lang="hr-HR" sz="1200" dirty="0">
+                <a:solidFill>
+                  <a:srgbClr val="0000FF"/>
+                </a:solidFill>
+                <a:highlight>
+                  <a:srgbClr val="FFFFFF"/>
+                </a:highlight>
+                <a:latin typeface="Consolas" panose="020B0609020204030204" pitchFamily="49" charset="0"/>
+              </a:rPr>
+              <a:t>(</a:t>
+            </a:r>
+            <a:r>
+              <a:rPr lang="hr-HR" sz="1200" dirty="0" err="1">
+                <a:solidFill>
+                  <a:srgbClr val="0000FF"/>
+                </a:solidFill>
+                <a:highlight>
+                  <a:srgbClr val="FFFFFF"/>
+                </a:highlight>
+                <a:latin typeface="Consolas" panose="020B0609020204030204" pitchFamily="49" charset="0"/>
+              </a:rPr>
+              <a:t>HttpStatusCode.OK</a:t>
+            </a:r>
+            <a:r>
+              <a:rPr lang="hr-HR" sz="1200" dirty="0">
+                <a:solidFill>
+                  <a:srgbClr val="0000FF"/>
+                </a:solidFill>
+                <a:highlight>
+                  <a:srgbClr val="FFFFFF"/>
+                </a:highlight>
+                <a:latin typeface="Consolas" panose="020B0609020204030204" pitchFamily="49" charset="0"/>
+              </a:rPr>
+              <a:t>, </a:t>
+            </a:r>
+            <a:r>
+              <a:rPr lang="hr-HR" sz="1200" dirty="0" err="1">
+                <a:solidFill>
+                  <a:srgbClr val="0000FF"/>
+                </a:solidFill>
+                <a:highlight>
+                  <a:srgbClr val="FFFFFF"/>
+                </a:highlight>
+                <a:latin typeface="Consolas" panose="020B0609020204030204" pitchFamily="49" charset="0"/>
+              </a:rPr>
+              <a:t>order.ToOrderModel</a:t>
+            </a:r>
+            <a:r>
+              <a:rPr lang="hr-HR" sz="1200" dirty="0">
+                <a:solidFill>
+                  <a:srgbClr val="0000FF"/>
+                </a:solidFill>
+                <a:highlight>
+                  <a:srgbClr val="FFFFFF"/>
+                </a:highlight>
+                <a:latin typeface="Consolas" panose="020B0609020204030204" pitchFamily="49" charset="0"/>
+              </a:rPr>
+              <a:t>(</a:t>
+            </a:r>
+            <a:r>
+              <a:rPr lang="hr-HR" sz="1200" dirty="0" err="1">
+                <a:solidFill>
+                  <a:srgbClr val="0000FF"/>
+                </a:solidFill>
+                <a:highlight>
+                  <a:srgbClr val="FFFFFF"/>
+                </a:highlight>
+                <a:latin typeface="Consolas" panose="020B0609020204030204" pitchFamily="49" charset="0"/>
+              </a:rPr>
+              <a:t>user.IsClubMember</a:t>
+            </a:r>
+            <a:r>
+              <a:rPr lang="hr-HR" sz="1200" dirty="0">
+                <a:solidFill>
+                  <a:srgbClr val="0000FF"/>
+                </a:solidFill>
+                <a:highlight>
+                  <a:srgbClr val="FFFFFF"/>
+                </a:highlight>
+                <a:latin typeface="Consolas" panose="020B0609020204030204" pitchFamily="49" charset="0"/>
+              </a:rPr>
+              <a:t>));</a:t>
+            </a:r>
+          </a:p>
+          <a:p>
+            <a:pPr marL="0" indent="0">
+              <a:buNone/>
+            </a:pPr>
+            <a:r>
+              <a:rPr lang="hr-HR" sz="1200" dirty="0" smtClean="0">
+                <a:solidFill>
+                  <a:srgbClr val="0000FF"/>
+                </a:solidFill>
+                <a:highlight>
+                  <a:srgbClr val="FFFFFF"/>
+                </a:highlight>
+                <a:latin typeface="Consolas" panose="020B0609020204030204" pitchFamily="49" charset="0"/>
+              </a:rPr>
+              <a:t>     }</a:t>
+            </a:r>
+            <a:endParaRPr lang="hr-HR" sz="1200" dirty="0">
+              <a:solidFill>
+                <a:srgbClr val="0000FF"/>
+              </a:solidFill>
+              <a:highlight>
+                <a:srgbClr val="FFFFFF"/>
+              </a:highlight>
+              <a:latin typeface="Consolas" panose="020B0609020204030204" pitchFamily="49" charset="0"/>
+            </a:endParaRPr>
+          </a:p>
+          <a:p>
+            <a:pPr marL="0" indent="0">
+              <a:buNone/>
+            </a:pPr>
+            <a:r>
+              <a:rPr lang="hr-HR" sz="1200" dirty="0" smtClean="0">
+                <a:solidFill>
+                  <a:srgbClr val="0000FF"/>
+                </a:solidFill>
+                <a:highlight>
+                  <a:srgbClr val="FFFFFF"/>
+                </a:highlight>
+                <a:latin typeface="Consolas" panose="020B0609020204030204" pitchFamily="49" charset="0"/>
+              </a:rPr>
+              <a:t>     </a:t>
+            </a:r>
+            <a:r>
+              <a:rPr lang="hr-HR" sz="1200" dirty="0" err="1" smtClean="0">
+                <a:solidFill>
+                  <a:srgbClr val="0000FF"/>
+                </a:solidFill>
+                <a:highlight>
+                  <a:srgbClr val="FFFFFF"/>
+                </a:highlight>
+                <a:latin typeface="Consolas" panose="020B0609020204030204" pitchFamily="49" charset="0"/>
+              </a:rPr>
+              <a:t>catch</a:t>
+            </a:r>
+            <a:r>
+              <a:rPr lang="hr-HR" sz="1200" dirty="0" smtClean="0">
+                <a:solidFill>
+                  <a:srgbClr val="0000FF"/>
+                </a:solidFill>
+                <a:highlight>
+                  <a:srgbClr val="FFFFFF"/>
+                </a:highlight>
+                <a:latin typeface="Consolas" panose="020B0609020204030204" pitchFamily="49" charset="0"/>
+              </a:rPr>
+              <a:t>(</a:t>
+            </a:r>
+            <a:r>
+              <a:rPr lang="hr-HR" sz="1200" dirty="0" err="1" smtClean="0">
+                <a:solidFill>
+                  <a:srgbClr val="0000FF"/>
+                </a:solidFill>
+                <a:highlight>
+                  <a:srgbClr val="FFFFFF"/>
+                </a:highlight>
+                <a:latin typeface="Consolas" panose="020B0609020204030204" pitchFamily="49" charset="0"/>
+              </a:rPr>
+              <a:t>Exception</a:t>
+            </a:r>
+            <a:r>
+              <a:rPr lang="hr-HR" sz="1200" dirty="0" smtClean="0">
+                <a:solidFill>
+                  <a:srgbClr val="0000FF"/>
+                </a:solidFill>
+                <a:highlight>
+                  <a:srgbClr val="FFFFFF"/>
+                </a:highlight>
+                <a:latin typeface="Consolas" panose="020B0609020204030204" pitchFamily="49" charset="0"/>
+              </a:rPr>
+              <a:t> </a:t>
+            </a:r>
+            <a:r>
+              <a:rPr lang="hr-HR" sz="1200" dirty="0" err="1">
+                <a:solidFill>
+                  <a:srgbClr val="0000FF"/>
+                </a:solidFill>
+                <a:highlight>
+                  <a:srgbClr val="FFFFFF"/>
+                </a:highlight>
+                <a:latin typeface="Consolas" panose="020B0609020204030204" pitchFamily="49" charset="0"/>
+              </a:rPr>
+              <a:t>exc</a:t>
+            </a:r>
+            <a:r>
+              <a:rPr lang="hr-HR" sz="1200" dirty="0">
+                <a:solidFill>
+                  <a:srgbClr val="0000FF"/>
+                </a:solidFill>
+                <a:highlight>
+                  <a:srgbClr val="FFFFFF"/>
+                </a:highlight>
+                <a:latin typeface="Consolas" panose="020B0609020204030204" pitchFamily="49" charset="0"/>
+              </a:rPr>
+              <a:t>)</a:t>
+            </a:r>
+          </a:p>
+          <a:p>
+            <a:pPr marL="0" indent="0">
+              <a:buNone/>
+            </a:pPr>
+            <a:r>
+              <a:rPr lang="hr-HR" sz="1200" dirty="0">
+                <a:solidFill>
+                  <a:srgbClr val="0000FF"/>
+                </a:solidFill>
+                <a:highlight>
+                  <a:srgbClr val="FFFFFF"/>
+                </a:highlight>
+                <a:latin typeface="Consolas" panose="020B0609020204030204" pitchFamily="49" charset="0"/>
+              </a:rPr>
+              <a:t>     </a:t>
+            </a:r>
+            <a:r>
+              <a:rPr lang="hr-HR" sz="1200" dirty="0" smtClean="0">
+                <a:solidFill>
+                  <a:srgbClr val="0000FF"/>
+                </a:solidFill>
+                <a:highlight>
+                  <a:srgbClr val="FFFFFF"/>
+                </a:highlight>
+                <a:latin typeface="Consolas" panose="020B0609020204030204" pitchFamily="49" charset="0"/>
+              </a:rPr>
+              <a:t>{</a:t>
+            </a:r>
+            <a:endParaRPr lang="hr-HR" sz="1200" dirty="0">
+              <a:solidFill>
+                <a:srgbClr val="0000FF"/>
+              </a:solidFill>
+              <a:highlight>
+                <a:srgbClr val="FFFFFF"/>
+              </a:highlight>
+              <a:latin typeface="Consolas" panose="020B0609020204030204" pitchFamily="49" charset="0"/>
+            </a:endParaRPr>
+          </a:p>
+          <a:p>
+            <a:pPr marL="0" indent="0">
+              <a:buNone/>
+            </a:pPr>
+            <a:r>
+              <a:rPr lang="hr-HR" sz="1200" dirty="0">
+                <a:solidFill>
+                  <a:srgbClr val="0000FF"/>
+                </a:solidFill>
+                <a:highlight>
+                  <a:srgbClr val="FFFFFF"/>
+                </a:highlight>
+                <a:latin typeface="Consolas" panose="020B0609020204030204" pitchFamily="49" charset="0"/>
+              </a:rPr>
+              <a:t>                _</a:t>
+            </a:r>
+            <a:r>
+              <a:rPr lang="hr-HR" sz="1200" dirty="0" err="1">
+                <a:solidFill>
+                  <a:srgbClr val="0000FF"/>
+                </a:solidFill>
+                <a:highlight>
+                  <a:srgbClr val="FFFFFF"/>
+                </a:highlight>
+                <a:latin typeface="Consolas" panose="020B0609020204030204" pitchFamily="49" charset="0"/>
+              </a:rPr>
+              <a:t>logger.Error</a:t>
+            </a:r>
+            <a:r>
+              <a:rPr lang="hr-HR" sz="1200" dirty="0">
+                <a:solidFill>
+                  <a:srgbClr val="0000FF"/>
+                </a:solidFill>
+                <a:highlight>
+                  <a:srgbClr val="FFFFFF"/>
+                </a:highlight>
+                <a:latin typeface="Consolas" panose="020B0609020204030204" pitchFamily="49" charset="0"/>
+              </a:rPr>
+              <a:t>("</a:t>
+            </a:r>
+            <a:r>
+              <a:rPr lang="hr-HR" sz="1200" dirty="0" err="1">
+                <a:solidFill>
+                  <a:srgbClr val="0000FF"/>
+                </a:solidFill>
+                <a:highlight>
+                  <a:srgbClr val="FFFFFF"/>
+                </a:highlight>
+                <a:latin typeface="Consolas" panose="020B0609020204030204" pitchFamily="49" charset="0"/>
+              </a:rPr>
+              <a:t>Order</a:t>
+            </a:r>
+            <a:r>
+              <a:rPr lang="hr-HR" sz="1200" dirty="0">
+                <a:solidFill>
+                  <a:srgbClr val="0000FF"/>
+                </a:solidFill>
+                <a:highlight>
+                  <a:srgbClr val="FFFFFF"/>
+                </a:highlight>
+                <a:latin typeface="Consolas" panose="020B0609020204030204" pitchFamily="49" charset="0"/>
+              </a:rPr>
+              <a:t> </a:t>
+            </a:r>
+            <a:r>
+              <a:rPr lang="hr-HR" sz="1200" dirty="0" err="1" smtClean="0">
+                <a:solidFill>
+                  <a:srgbClr val="0000FF"/>
+                </a:solidFill>
+                <a:highlight>
+                  <a:srgbClr val="FFFFFF"/>
+                </a:highlight>
+                <a:latin typeface="Consolas" panose="020B0609020204030204" pitchFamily="49" charset="0"/>
+              </a:rPr>
+              <a:t>Details</a:t>
+            </a:r>
+            <a:r>
+              <a:rPr lang="hr-HR" sz="1200" dirty="0" smtClean="0">
+                <a:solidFill>
+                  <a:srgbClr val="0000FF"/>
+                </a:solidFill>
+                <a:highlight>
+                  <a:srgbClr val="FFFFFF"/>
+                </a:highlight>
+                <a:latin typeface="Consolas" panose="020B0609020204030204" pitchFamily="49" charset="0"/>
+              </a:rPr>
+              <a:t> </a:t>
+            </a:r>
+            <a:r>
+              <a:rPr lang="hr-HR" sz="1200" dirty="0" err="1" smtClean="0">
+                <a:solidFill>
+                  <a:srgbClr val="0000FF"/>
+                </a:solidFill>
+                <a:highlight>
+                  <a:srgbClr val="FFFFFF"/>
+                </a:highlight>
+                <a:latin typeface="Consolas" panose="020B0609020204030204" pitchFamily="49" charset="0"/>
+              </a:rPr>
+              <a:t>error</a:t>
+            </a:r>
+            <a:r>
+              <a:rPr lang="hr-HR" sz="1200" dirty="0" smtClean="0">
+                <a:solidFill>
+                  <a:srgbClr val="0000FF"/>
+                </a:solidFill>
+                <a:highlight>
+                  <a:srgbClr val="FFFFFF"/>
+                </a:highlight>
+                <a:latin typeface="Consolas" panose="020B0609020204030204" pitchFamily="49" charset="0"/>
+              </a:rPr>
+              <a:t>", </a:t>
+            </a:r>
+            <a:r>
+              <a:rPr lang="hr-HR" sz="1200" dirty="0" err="1">
+                <a:solidFill>
+                  <a:srgbClr val="0000FF"/>
+                </a:solidFill>
+                <a:highlight>
+                  <a:srgbClr val="FFFFFF"/>
+                </a:highlight>
+                <a:latin typeface="Consolas" panose="020B0609020204030204" pitchFamily="49" charset="0"/>
+              </a:rPr>
+              <a:t>exc</a:t>
+            </a:r>
+            <a:r>
+              <a:rPr lang="hr-HR" sz="1200" dirty="0">
+                <a:solidFill>
+                  <a:srgbClr val="0000FF"/>
+                </a:solidFill>
+                <a:highlight>
+                  <a:srgbClr val="FFFFFF"/>
+                </a:highlight>
+                <a:latin typeface="Consolas" panose="020B0609020204030204" pitchFamily="49" charset="0"/>
+              </a:rPr>
+              <a:t>);</a:t>
+            </a:r>
+          </a:p>
+          <a:p>
+            <a:pPr marL="0" indent="0">
+              <a:buNone/>
+            </a:pPr>
+            <a:r>
+              <a:rPr lang="hr-HR" sz="1200" dirty="0">
+                <a:solidFill>
+                  <a:srgbClr val="0000FF"/>
+                </a:solidFill>
+                <a:highlight>
+                  <a:srgbClr val="FFFFFF"/>
+                </a:highlight>
+                <a:latin typeface="Consolas" panose="020B0609020204030204" pitchFamily="49" charset="0"/>
+              </a:rPr>
+              <a:t>                </a:t>
+            </a:r>
+            <a:r>
+              <a:rPr lang="hr-HR" sz="1200" dirty="0" err="1">
+                <a:solidFill>
+                  <a:srgbClr val="0000FF"/>
+                </a:solidFill>
+                <a:highlight>
+                  <a:srgbClr val="FFFFFF"/>
+                </a:highlight>
+                <a:latin typeface="Consolas" panose="020B0609020204030204" pitchFamily="49" charset="0"/>
+              </a:rPr>
+              <a:t>return</a:t>
+            </a:r>
+            <a:r>
+              <a:rPr lang="hr-HR" sz="1200" dirty="0">
+                <a:solidFill>
+                  <a:srgbClr val="0000FF"/>
+                </a:solidFill>
+                <a:highlight>
+                  <a:srgbClr val="FFFFFF"/>
+                </a:highlight>
+                <a:latin typeface="Consolas" panose="020B0609020204030204" pitchFamily="49" charset="0"/>
+              </a:rPr>
+              <a:t> </a:t>
+            </a:r>
+            <a:r>
+              <a:rPr lang="hr-HR" sz="1200" dirty="0" err="1">
+                <a:solidFill>
+                  <a:srgbClr val="0000FF"/>
+                </a:solidFill>
+                <a:highlight>
+                  <a:srgbClr val="FFFFFF"/>
+                </a:highlight>
+                <a:latin typeface="Consolas" panose="020B0609020204030204" pitchFamily="49" charset="0"/>
+              </a:rPr>
+              <a:t>Request.CreateResponse</a:t>
+            </a:r>
+            <a:r>
+              <a:rPr lang="hr-HR" sz="1200" dirty="0">
+                <a:solidFill>
+                  <a:srgbClr val="0000FF"/>
+                </a:solidFill>
+                <a:highlight>
+                  <a:srgbClr val="FFFFFF"/>
+                </a:highlight>
+                <a:latin typeface="Consolas" panose="020B0609020204030204" pitchFamily="49" charset="0"/>
+              </a:rPr>
+              <a:t>(</a:t>
+            </a:r>
+            <a:r>
+              <a:rPr lang="hr-HR" sz="1200" dirty="0" err="1">
+                <a:solidFill>
+                  <a:srgbClr val="0000FF"/>
+                </a:solidFill>
+                <a:highlight>
+                  <a:srgbClr val="FFFFFF"/>
+                </a:highlight>
+                <a:latin typeface="Consolas" panose="020B0609020204030204" pitchFamily="49" charset="0"/>
+              </a:rPr>
+              <a:t>HttpStatusCode.InternalServerError</a:t>
+            </a:r>
+            <a:r>
+              <a:rPr lang="hr-HR" sz="1200" dirty="0" smtClean="0">
+                <a:solidFill>
+                  <a:srgbClr val="0000FF"/>
+                </a:solidFill>
+                <a:highlight>
+                  <a:srgbClr val="FFFFFF"/>
+                </a:highlight>
+                <a:latin typeface="Consolas" panose="020B0609020204030204" pitchFamily="49" charset="0"/>
+              </a:rPr>
+              <a:t>);</a:t>
+            </a:r>
+          </a:p>
+          <a:p>
+            <a:pPr marL="0" indent="0">
+              <a:buNone/>
+            </a:pPr>
+            <a:r>
+              <a:rPr lang="hr-HR" sz="1200" dirty="0">
+                <a:solidFill>
+                  <a:srgbClr val="0000FF"/>
+                </a:solidFill>
+                <a:highlight>
+                  <a:srgbClr val="FFFFFF"/>
+                </a:highlight>
+                <a:latin typeface="Consolas" panose="020B0609020204030204" pitchFamily="49" charset="0"/>
+              </a:rPr>
+              <a:t> </a:t>
+            </a:r>
+            <a:r>
+              <a:rPr lang="hr-HR" sz="1200" dirty="0" smtClean="0">
+                <a:solidFill>
+                  <a:srgbClr val="0000FF"/>
+                </a:solidFill>
+                <a:highlight>
+                  <a:srgbClr val="FFFFFF"/>
+                </a:highlight>
+                <a:latin typeface="Consolas" panose="020B0609020204030204" pitchFamily="49" charset="0"/>
+              </a:rPr>
+              <a:t>     }</a:t>
+            </a:r>
+            <a:endParaRPr lang="hr-HR" sz="1200" dirty="0">
+              <a:solidFill>
+                <a:srgbClr val="0000FF"/>
+              </a:solidFill>
+              <a:highlight>
+                <a:srgbClr val="FFFFFF"/>
+              </a:highlight>
+              <a:latin typeface="Consolas" panose="020B0609020204030204" pitchFamily="49" charset="0"/>
+            </a:endParaRPr>
+          </a:p>
+          <a:p>
+            <a:pPr marL="0" indent="0">
+              <a:buNone/>
+            </a:pPr>
+            <a:r>
+              <a:rPr lang="hr-HR" sz="1200" dirty="0" smtClean="0">
+                <a:solidFill>
+                  <a:srgbClr val="0000FF"/>
+                </a:solidFill>
+                <a:highlight>
+                  <a:srgbClr val="FFFFFF"/>
+                </a:highlight>
+                <a:latin typeface="Consolas" panose="020B0609020204030204" pitchFamily="49" charset="0"/>
+              </a:rPr>
+              <a:t>}</a:t>
+            </a:r>
+            <a:endParaRPr lang="hr-HR" sz="1200" dirty="0"/>
           </a:p>
         </p:txBody>
       </p:sp>
@@ -3619,6 +7590,13 @@
   <p:clrMapOvr>
     <a:masterClrMapping/>
   </p:clrMapOvr>
+  <p:timing>
+    <p:tnLst>
+      <p:par>
+        <p:cTn id="1" dur="indefinite" restart="never" nodeType="tmRoot"/>
+      </p:par>
+    </p:tnLst>
+  </p:timing>
 </p:sld>
 </file>
 
@@ -3881,4 +7859,265 @@
     </a:ext>
   </a:extLst>
 </a:theme>
+</file>
+
+<file path=ppt/theme/theme2.xml><?xml version="1.0" encoding="utf-8"?>
+<a:theme xmlns:a="http://schemas.openxmlformats.org/drawingml/2006/main" name="Office Theme">
+  <a:themeElements>
+    <a:clrScheme name="Office">
+      <a:dk1>
+        <a:sysClr val="windowText" lastClr="000000"/>
+      </a:dk1>
+      <a:lt1>
+        <a:sysClr val="window" lastClr="FFFFFF"/>
+      </a:lt1>
+      <a:dk2>
+        <a:srgbClr val="44546A"/>
+      </a:dk2>
+      <a:lt2>
+        <a:srgbClr val="E7E6E6"/>
+      </a:lt2>
+      <a:accent1>
+        <a:srgbClr val="5B9BD5"/>
+      </a:accent1>
+      <a:accent2>
+        <a:srgbClr val="ED7D31"/>
+      </a:accent2>
+      <a:accent3>
+        <a:srgbClr val="A5A5A5"/>
+      </a:accent3>
+      <a:accent4>
+        <a:srgbClr val="FFC000"/>
+      </a:accent4>
+      <a:accent5>
+        <a:srgbClr val="4472C4"/>
+      </a:accent5>
+      <a:accent6>
+        <a:srgbClr val="70AD47"/>
+      </a:accent6>
+      <a:hlink>
+        <a:srgbClr val="0563C1"/>
+      </a:hlink>
+      <a:folHlink>
+        <a:srgbClr val="954F72"/>
+      </a:folHlink>
+    </a:clrScheme>
+    <a:fontScheme name="Office">
+      <a:majorFont>
+        <a:latin typeface="Calibri Light" panose="020F0302020204030204"/>
+        <a:ea typeface=""/>
+        <a:cs typeface=""/>
+        <a:font script="Jpan" typeface="ＭＳ Ｐゴシック"/>
+        <a:font script="Hang" typeface="맑은 고딕"/>
+        <a:font script="Hans" typeface="宋体"/>
+        <a:font script="Hant" typeface="新細明體"/>
+        <a:font script="Arab" typeface="Times New Roman"/>
+        <a:font script="Hebr" typeface="Times New Roman"/>
+        <a:font script="Thai" typeface="Angsana New"/>
+        <a:font script="Ethi" typeface="Nyala"/>
+        <a:font script="Beng" typeface="Vrinda"/>
+        <a:font script="Gujr" typeface="Shruti"/>
+        <a:font script="Khmr" typeface="MoolBoran"/>
+        <a:font script="Knda" typeface="Tunga"/>
+        <a:font script="Guru" typeface="Raavi"/>
+        <a:font script="Cans" typeface="Euphemia"/>
+        <a:font script="Cher" typeface="Plantagenet Cherokee"/>
+        <a:font script="Yiii" typeface="Microsoft Yi Baiti"/>
+        <a:font script="Tibt" typeface="Microsoft Himalaya"/>
+        <a:font script="Thaa" typeface="MV Boli"/>
+        <a:font script="Deva" typeface="Mangal"/>
+        <a:font script="Telu" typeface="Gautami"/>
+        <a:font script="Taml" typeface="Latha"/>
+        <a:font script="Syrc" typeface="Estrangelo Edessa"/>
+        <a:font script="Orya" typeface="Kalinga"/>
+        <a:font script="Mlym" typeface="Kartika"/>
+        <a:font script="Laoo" typeface="DokChampa"/>
+        <a:font script="Sinh" typeface="Iskoola Pota"/>
+        <a:font script="Mong" typeface="Mongolian Baiti"/>
+        <a:font script="Viet" typeface="Times New Roman"/>
+        <a:font script="Uigh" typeface="Microsoft Uighur"/>
+        <a:font script="Geor" typeface="Sylfaen"/>
+      </a:majorFont>
+      <a:minorFont>
+        <a:latin typeface="Calibri" panose="020F0502020204030204"/>
+        <a:ea typeface=""/>
+        <a:cs typeface=""/>
+        <a:font script="Jpan" typeface="ＭＳ Ｐゴシック"/>
+        <a:font script="Hang" typeface="맑은 고딕"/>
+        <a:font script="Hans" typeface="宋体"/>
+        <a:font script="Hant" typeface="新細明體"/>
+        <a:font script="Arab" typeface="Arial"/>
+        <a:font script="Hebr" typeface="Arial"/>
+        <a:font script="Thai" typeface="Cordia New"/>
+        <a:font script="Ethi" typeface="Nyala"/>
+        <a:font script="Beng" typeface="Vrinda"/>
+        <a:font script="Gujr" typeface="Shruti"/>
+        <a:font script="Khmr" typeface="DaunPenh"/>
+        <a:font script="Knda" typeface="Tunga"/>
+        <a:font script="Guru" typeface="Raavi"/>
+        <a:font script="Cans" typeface="Euphemia"/>
+        <a:font script="Cher" typeface="Plantagenet Cherokee"/>
+        <a:font script="Yiii" typeface="Microsoft Yi Baiti"/>
+        <a:font script="Tibt" typeface="Microsoft Himalaya"/>
+        <a:font script="Thaa" typeface="MV Boli"/>
+        <a:font script="Deva" typeface="Mangal"/>
+        <a:font script="Telu" typeface="Gautami"/>
+        <a:font script="Taml" typeface="Latha"/>
+        <a:font script="Syrc" typeface="Estrangelo Edessa"/>
+        <a:font script="Orya" typeface="Kalinga"/>
+        <a:font script="Mlym" typeface="Kartika"/>
+        <a:font script="Laoo" typeface="DokChampa"/>
+        <a:font script="Sinh" typeface="Iskoola Pota"/>
+        <a:font script="Mong" typeface="Mongolian Baiti"/>
+        <a:font script="Viet" typeface="Arial"/>
+        <a:font script="Uigh" typeface="Microsoft Uighur"/>
+        <a:font script="Geor" typeface="Sylfaen"/>
+      </a:minorFont>
+    </a:fontScheme>
+    <a:fmtScheme name="Office">
+      <a:fillStyleLst>
+        <a:solidFill>
+          <a:schemeClr val="phClr"/>
+        </a:solidFill>
+        <a:gradFill rotWithShape="1">
+          <a:gsLst>
+            <a:gs pos="0">
+              <a:schemeClr val="phClr">
+                <a:lumMod val="110000"/>
+                <a:satMod val="105000"/>
+                <a:tint val="67000"/>
+              </a:schemeClr>
+            </a:gs>
+            <a:gs pos="50000">
+              <a:schemeClr val="phClr">
+                <a:lumMod val="105000"/>
+                <a:satMod val="103000"/>
+                <a:tint val="73000"/>
+              </a:schemeClr>
+            </a:gs>
+            <a:gs pos="100000">
+              <a:schemeClr val="phClr">
+                <a:lumMod val="105000"/>
+                <a:satMod val="109000"/>
+                <a:tint val="81000"/>
+              </a:schemeClr>
+            </a:gs>
+          </a:gsLst>
+          <a:lin ang="5400000" scaled="0"/>
+        </a:gradFill>
+        <a:gradFill rotWithShape="1">
+          <a:gsLst>
+            <a:gs pos="0">
+              <a:schemeClr val="phClr">
+                <a:satMod val="103000"/>
+                <a:lumMod val="102000"/>
+                <a:tint val="94000"/>
+              </a:schemeClr>
+            </a:gs>
+            <a:gs pos="50000">
+              <a:schemeClr val="phClr">
+                <a:satMod val="110000"/>
+                <a:lumMod val="100000"/>
+                <a:shade val="100000"/>
+              </a:schemeClr>
+            </a:gs>
+            <a:gs pos="100000">
+              <a:schemeClr val="phClr">
+                <a:lumMod val="99000"/>
+                <a:satMod val="120000"/>
+                <a:shade val="78000"/>
+              </a:schemeClr>
+            </a:gs>
+          </a:gsLst>
+          <a:lin ang="5400000" scaled="0"/>
+        </a:gradFill>
+      </a:fillStyleLst>
+      <a:lnStyleLst>
+        <a:ln w="6350" cap="flat" cmpd="sng" algn="ctr">
+          <a:solidFill>
+            <a:schemeClr val="phClr"/>
+          </a:solidFill>
+          <a:prstDash val="solid"/>
+          <a:miter lim="800000"/>
+        </a:ln>
+        <a:ln w="12700" cap="flat" cmpd="sng" algn="ctr">
+          <a:solidFill>
+            <a:schemeClr val="phClr"/>
+          </a:solidFill>
+          <a:prstDash val="solid"/>
+          <a:miter lim="800000"/>
+        </a:ln>
+        <a:ln w="19050" cap="flat" cmpd="sng" algn="ctr">
+          <a:solidFill>
+            <a:schemeClr val="phClr"/>
+          </a:solidFill>
+          <a:prstDash val="solid"/>
+          <a:miter lim="800000"/>
+        </a:ln>
+      </a:lnStyleLst>
+      <a:effectStyleLst>
+        <a:effectStyle>
+          <a:effectLst/>
+        </a:effectStyle>
+        <a:effectStyle>
+          <a:effectLst/>
+        </a:effectStyle>
+        <a:effectStyle>
+          <a:effectLst>
+            <a:outerShdw blurRad="57150" dist="19050" dir="5400000" algn="ctr" rotWithShape="0">
+              <a:srgbClr val="000000">
+                <a:alpha val="63000"/>
+              </a:srgbClr>
+            </a:outerShdw>
+          </a:effectLst>
+        </a:effectStyle>
+      </a:effectStyleLst>
+      <a:bgFillStyleLst>
+        <a:solidFill>
+          <a:schemeClr val="phClr"/>
+        </a:solidFill>
+        <a:solidFill>
+          <a:schemeClr val="phClr">
+            <a:tint val="95000"/>
+            <a:satMod val="170000"/>
+          </a:schemeClr>
+        </a:solidFill>
+        <a:gradFill rotWithShape="1">
+          <a:gsLst>
+            <a:gs pos="0">
+              <a:schemeClr val="phClr">
+                <a:tint val="93000"/>
+                <a:satMod val="150000"/>
+                <a:shade val="98000"/>
+                <a:lumMod val="102000"/>
+              </a:schemeClr>
+            </a:gs>
+            <a:gs pos="50000">
+              <a:schemeClr val="phClr">
+                <a:tint val="98000"/>
+                <a:satMod val="130000"/>
+                <a:shade val="90000"/>
+                <a:lumMod val="103000"/>
+              </a:schemeClr>
+            </a:gs>
+            <a:gs pos="100000">
+              <a:schemeClr val="phClr">
+                <a:shade val="63000"/>
+                <a:satMod val="120000"/>
+              </a:schemeClr>
+            </a:gs>
+          </a:gsLst>
+          <a:lin ang="5400000" scaled="0"/>
+        </a:gradFill>
+      </a:bgFillStyleLst>
+    </a:fmtScheme>
+  </a:themeElements>
+  <a:objectDefaults/>
+  <a:extraClrSchemeLst/>
+  <a:extLst>
+    <a:ext uri="{05A4C25C-085E-4340-85A3-A5531E510DB2}">
+      <thm15:themeFamily xmlns:thm15="http://schemas.microsoft.com/office/thememl/2012/main" name="Office Theme" id="{62F939B6-93AF-4DB8-9C6B-D6C7DFDC589F}" vid="{4A3C46E8-61CC-4603-A589-7422A47A8E4A}"/>
+    </a:ext>
+  </a:extLst>
+</a:theme>
 </file>
--- a/prezentacije/1-2 Mvc pattern.pptx
+++ b/prezentacije/1-2 Mvc pattern.pptx
@@ -8,7 +8,7 @@
     <p:notesMasterId r:id="rId13"/>
   </p:notesMasterIdLst>
   <p:sldIdLst>
-    <p:sldId id="261" r:id="rId2"/>
+    <p:sldId id="269" r:id="rId2"/>
     <p:sldId id="263" r:id="rId3"/>
     <p:sldId id="262" r:id="rId4"/>
     <p:sldId id="257" r:id="rId5"/>
@@ -4774,9 +4774,32 @@
           <a:chExt cx="0" cy="0"/>
         </a:xfrm>
       </p:grpSpPr>
-      <p:sp>
-        <p:nvSpPr>
-          <p:cNvPr id="4" name="Title 3"/>
+      <p:pic>
+        <p:nvPicPr>
+          <p:cNvPr id="7" name="Picture 6"/>
+          <p:cNvPicPr>
+            <a:picLocks noChangeAspect="1"/>
+          </p:cNvPicPr>
+          <p:nvPr/>
+        </p:nvPicPr>
+        <p:blipFill rotWithShape="1">
+          <a:blip r:embed="rId2"/>
+          <a:srcRect l="27535" t="4176" r="27697" b="2733"/>
+          <a:stretch/>
+        </p:blipFill>
+        <p:spPr>
+          <a:xfrm>
+            <a:off x="3158836" y="2616273"/>
+            <a:ext cx="1625696" cy="1690255"/>
+          </a:xfrm>
+          <a:prstGeom prst="rect">
+            <a:avLst/>
+          </a:prstGeom>
+        </p:spPr>
+      </p:pic>
+      <p:sp>
+        <p:nvSpPr>
+          <p:cNvPr id="2" name="Title 1"/>
           <p:cNvSpPr>
             <a:spLocks noGrp="1"/>
           </p:cNvSpPr>
@@ -4784,18 +4807,19 @@
             <p:ph type="ctrTitle"/>
           </p:nvPr>
         </p:nvSpPr>
-        <p:spPr/>
+        <p:spPr>
+          <a:xfrm>
+            <a:off x="1524000" y="171595"/>
+            <a:ext cx="9144000" cy="2387600"/>
+          </a:xfrm>
+        </p:spPr>
         <p:txBody>
           <a:bodyPr/>
           <a:lstStyle/>
           <a:p>
             <a:r>
               <a:rPr lang="hr-HR" dirty="0" smtClean="0"/>
-              <a:t>1-2 </a:t>
-            </a:r>
-            <a:r>
-              <a:rPr lang="hr-HR" dirty="0" err="1" smtClean="0"/>
-              <a:t>Mvc</a:t>
+              <a:t>1-2 MVC PATTERN</a:t>
             </a:r>
             <a:endParaRPr lang="hr-HR" dirty="0"/>
           </a:p>
@@ -4803,7 +4827,7 @@
       </p:sp>
       <p:sp>
         <p:nvSpPr>
-          <p:cNvPr id="5" name="Subtitle 4"/>
+          <p:cNvPr id="3" name="Subtitle 2"/>
           <p:cNvSpPr>
             <a:spLocks noGrp="1"/>
           </p:cNvSpPr>
@@ -4811,63 +4835,74 @@
             <p:ph type="subTitle" idx="1"/>
           </p:nvPr>
         </p:nvSpPr>
-        <p:spPr/>
-        <p:txBody>
-          <a:bodyPr/>
+        <p:spPr>
+          <a:xfrm>
+            <a:off x="1524000" y="4802765"/>
+            <a:ext cx="9144000" cy="1655762"/>
+          </a:xfrm>
+        </p:spPr>
+        <p:txBody>
+          <a:bodyPr>
+            <a:normAutofit lnSpcReduction="10000"/>
+          </a:bodyPr>
           <a:lstStyle/>
           <a:p>
             <a:r>
               <a:rPr lang="hr-HR" dirty="0" smtClean="0"/>
-              <a:t>MS </a:t>
-            </a:r>
-            <a:r>
-              <a:rPr lang="hr-HR" dirty="0" err="1" smtClean="0"/>
-              <a:t>Full</a:t>
-            </a:r>
+              <a:t>Maro Marčinko</a:t>
+            </a:r>
+          </a:p>
+          <a:p>
             <a:r>
               <a:rPr lang="hr-HR" dirty="0" smtClean="0"/>
-              <a:t> </a:t>
-            </a:r>
-            <a:r>
-              <a:rPr lang="hr-HR" dirty="0" err="1" smtClean="0"/>
-              <a:t>Stack</a:t>
-            </a:r>
+              <a:t>Matija Hrženjak</a:t>
+            </a:r>
+          </a:p>
+          <a:p>
+            <a:endParaRPr lang="hr-HR" dirty="0"/>
+          </a:p>
+          <a:p>
             <a:r>
               <a:rPr lang="hr-HR" dirty="0" smtClean="0"/>
-              <a:t> radionica</a:t>
-            </a:r>
-            <a:br>
-              <a:rPr lang="hr-HR" dirty="0" smtClean="0"/>
-            </a:br>
-            <a:r>
-              <a:rPr lang="hr-HR" dirty="0" smtClean="0"/>
-              <a:t>Maro Marčinko-Matija </a:t>
-            </a:r>
-            <a:r>
-              <a:rPr lang="hr-HR" dirty="0" err="1" smtClean="0"/>
-              <a:t>Hrženjak</a:t>
+              <a:t>IN2, 2017.</a:t>
             </a:r>
             <a:endParaRPr lang="hr-HR" dirty="0"/>
           </a:p>
         </p:txBody>
       </p:sp>
+      <p:pic>
+        <p:nvPicPr>
+          <p:cNvPr id="8" name="Picture 7"/>
+          <p:cNvPicPr>
+            <a:picLocks noChangeAspect="1"/>
+          </p:cNvPicPr>
+          <p:nvPr/>
+        </p:nvPicPr>
+        <p:blipFill rotWithShape="1">
+          <a:blip r:embed="rId3"/>
+          <a:srcRect t="37740" b="36771"/>
+          <a:stretch/>
+        </p:blipFill>
+        <p:spPr>
+          <a:xfrm>
+            <a:off x="5418556" y="2950876"/>
+            <a:ext cx="4005820" cy="1021050"/>
+          </a:xfrm>
+          <a:prstGeom prst="rect">
+            <a:avLst/>
+          </a:prstGeom>
+        </p:spPr>
+      </p:pic>
     </p:spTree>
     <p:extLst>
       <p:ext uri="{BB962C8B-B14F-4D97-AF65-F5344CB8AC3E}">
-        <p14:creationId xmlns:p14="http://schemas.microsoft.com/office/powerpoint/2010/main" val="1326051941"/>
+        <p14:creationId xmlns:p14="http://schemas.microsoft.com/office/powerpoint/2010/main" val="2064695748"/>
       </p:ext>
     </p:extLst>
   </p:cSld>
   <p:clrMapOvr>
     <a:masterClrMapping/>
   </p:clrMapOvr>
-  <p:timing>
-    <p:tnLst>
-      <p:par>
-        <p:cTn id="1" dur="indefinite" restart="never" nodeType="tmRoot"/>
-      </p:par>
-    </p:tnLst>
-  </p:timing>
 </p:sld>
 </file>
 
@@ -5642,15 +5677,7 @@
           <a:p>
             <a:r>
               <a:rPr lang="hr-HR" dirty="0" smtClean="0"/>
-              <a:t>Inicijalno zamišljen </a:t>
-            </a:r>
-            <a:r>
-              <a:rPr lang="hr-HR" dirty="0" smtClean="0"/>
-              <a:t>za desktop </a:t>
-            </a:r>
-            <a:r>
-              <a:rPr lang="hr-HR" dirty="0" smtClean="0"/>
-              <a:t>razvoj – Smalltalk-76</a:t>
+              <a:t>Inicijalno zamišljen za desktop razvoj – Smalltalk-76</a:t>
             </a:r>
           </a:p>
           <a:p>
@@ -5707,21 +5734,18 @@
               <a:rPr lang="hr-HR" dirty="0" smtClean="0"/>
               <a:t>C)</a:t>
             </a:r>
-            <a:endParaRPr lang="hr-HR" dirty="0" smtClean="0"/>
           </a:p>
           <a:p>
             <a:r>
               <a:rPr lang="hr-HR" dirty="0" smtClean="0"/>
               <a:t>Danas se koristi na svim platformama</a:t>
             </a:r>
-            <a:endParaRPr lang="hr-HR" dirty="0" smtClean="0"/>
           </a:p>
           <a:p>
             <a:r>
               <a:rPr lang="hr-HR" dirty="0" smtClean="0"/>
               <a:t>MV*W*</a:t>
             </a:r>
-            <a:endParaRPr lang="hr-HR" dirty="0" smtClean="0"/>
           </a:p>
           <a:p>
             <a:endParaRPr lang="hr-HR" dirty="0" smtClean="0"/>
